--- a/docs/source/resources/ha/BridgeDeploymentV4.pptx
+++ b/docs/source/resources/ha/BridgeDeploymentV4.pptx
@@ -5,11 +5,13 @@
     <p:sldMasterId id="2147483648" r:id="rId1"/>
   </p:sldMasterIdLst>
   <p:notesMasterIdLst>
-    <p:notesMasterId r:id="rId4"/>
+    <p:notesMasterId r:id="rId6"/>
   </p:notesMasterIdLst>
   <p:sldIdLst>
     <p:sldId id="259" r:id="rId2"/>
     <p:sldId id="256" r:id="rId3"/>
+    <p:sldId id="260" r:id="rId4"/>
+    <p:sldId id="261" r:id="rId5"/>
   </p:sldIdLst>
   <p:sldSz cx="12192000" cy="6858000"/>
   <p:notesSz cx="6858000" cy="9144000"/>
@@ -611,7 +613,7 @@
           <a:p>
             <a:fld id="{AC358B9D-B277-4D87-A5F6-57178D3DF074}" type="datetimeFigureOut">
               <a:rPr lang="en-GB" smtClean="0"/>
-              <a:t>30/11/2018</a:t>
+              <a:t>13/08/2019</a:t>
             </a:fld>
             <a:endParaRPr lang="en-GB"/>
           </a:p>
@@ -1087,6 +1089,90 @@
 </p:notes>
 </file>
 
+<file path=ppt/notesSlides/notesSlide3.xml><?xml version="1.0" encoding="utf-8"?>
+<p:notes xmlns:a="http://schemas.openxmlformats.org/drawingml/2006/main" xmlns:r="http://schemas.openxmlformats.org/officeDocument/2006/relationships" xmlns:p="http://schemas.openxmlformats.org/presentationml/2006/main">
+  <p:cSld>
+    <p:spTree>
+      <p:nvGrpSpPr>
+        <p:cNvPr id="1" name=""/>
+        <p:cNvGrpSpPr/>
+        <p:nvPr/>
+      </p:nvGrpSpPr>
+      <p:grpSpPr>
+        <a:xfrm>
+          <a:off x="0" y="0"/>
+          <a:ext cx="0" cy="0"/>
+          <a:chOff x="0" y="0"/>
+          <a:chExt cx="0" cy="0"/>
+        </a:xfrm>
+      </p:grpSpPr>
+      <p:sp>
+        <p:nvSpPr>
+          <p:cNvPr id="2" name="Slide Image Placeholder 1"/>
+          <p:cNvSpPr>
+            <a:spLocks noGrp="1" noRot="1" noChangeAspect="1"/>
+          </p:cNvSpPr>
+          <p:nvPr>
+            <p:ph type="sldImg"/>
+          </p:nvPr>
+        </p:nvSpPr>
+        <p:spPr/>
+      </p:sp>
+      <p:sp>
+        <p:nvSpPr>
+          <p:cNvPr id="3" name="Notes Placeholder 2"/>
+          <p:cNvSpPr>
+            <a:spLocks noGrp="1"/>
+          </p:cNvSpPr>
+          <p:nvPr>
+            <p:ph type="body" idx="1"/>
+          </p:nvPr>
+        </p:nvSpPr>
+        <p:spPr/>
+        <p:txBody>
+          <a:bodyPr/>
+          <a:lstStyle/>
+          <a:p>
+            <a:endParaRPr lang="en-GB" dirty="0"/>
+          </a:p>
+        </p:txBody>
+      </p:sp>
+      <p:sp>
+        <p:nvSpPr>
+          <p:cNvPr id="4" name="Slide Number Placeholder 3"/>
+          <p:cNvSpPr>
+            <a:spLocks noGrp="1"/>
+          </p:cNvSpPr>
+          <p:nvPr>
+            <p:ph type="sldNum" sz="quarter" idx="5"/>
+          </p:nvPr>
+        </p:nvSpPr>
+        <p:spPr/>
+        <p:txBody>
+          <a:bodyPr/>
+          <a:lstStyle/>
+          <a:p>
+            <a:fld id="{0EC13F4B-1D79-4ED7-BC0D-4351C35F91AD}" type="slidenum">
+              <a:rPr lang="en-GB" smtClean="0"/>
+              <a:t>3</a:t>
+            </a:fld>
+            <a:endParaRPr lang="en-GB"/>
+          </a:p>
+        </p:txBody>
+      </p:sp>
+    </p:spTree>
+    <p:extLst>
+      <p:ext uri="{BB962C8B-B14F-4D97-AF65-F5344CB8AC3E}">
+        <p14:creationId xmlns:p14="http://schemas.microsoft.com/office/powerpoint/2010/main" val="3388057432"/>
+      </p:ext>
+    </p:extLst>
+  </p:cSld>
+  <p:clrMapOvr>
+    <a:masterClrMapping/>
+  </p:clrMapOvr>
+</p:notes>
+</file>
+
 <file path=ppt/slideLayouts/slideLayout1.xml><?xml version="1.0" encoding="utf-8"?>
 <p:sldLayout xmlns:a="http://schemas.openxmlformats.org/drawingml/2006/main" xmlns:r="http://schemas.openxmlformats.org/officeDocument/2006/relationships" xmlns:p="http://schemas.openxmlformats.org/presentationml/2006/main" type="title" preserve="1">
   <p:cSld name="Title Slide">
@@ -1109,7 +1195,7 @@
           <p:cNvPr id="2" name="Title 1">
             <a:extLst>
               <a:ext uri="{FF2B5EF4-FFF2-40B4-BE49-F238E27FC236}">
-                <a16:creationId xmlns="" xmlns:a16="http://schemas.microsoft.com/office/drawing/2014/main" id="{10241C33-10F1-4036-B271-BF4B5C4010D5}"/>
+                <a16:creationId xmlns:a16="http://schemas.microsoft.com/office/drawing/2014/main" id="{10241C33-10F1-4036-B271-BF4B5C4010D5}"/>
               </a:ext>
             </a:extLst>
           </p:cNvPr>
@@ -1147,7 +1233,7 @@
           <p:cNvPr id="3" name="Subtitle 2">
             <a:extLst>
               <a:ext uri="{FF2B5EF4-FFF2-40B4-BE49-F238E27FC236}">
-                <a16:creationId xmlns="" xmlns:a16="http://schemas.microsoft.com/office/drawing/2014/main" id="{66F77A4D-B0EB-456D-A14B-FF2197C4A20F}"/>
+                <a16:creationId xmlns:a16="http://schemas.microsoft.com/office/drawing/2014/main" id="{66F77A4D-B0EB-456D-A14B-FF2197C4A20F}"/>
               </a:ext>
             </a:extLst>
           </p:cNvPr>
@@ -1218,7 +1304,7 @@
           <p:cNvPr id="4" name="Date Placeholder 3">
             <a:extLst>
               <a:ext uri="{FF2B5EF4-FFF2-40B4-BE49-F238E27FC236}">
-                <a16:creationId xmlns="" xmlns:a16="http://schemas.microsoft.com/office/drawing/2014/main" id="{23690343-5BCD-475A-86E8-AE30413CD894}"/>
+                <a16:creationId xmlns:a16="http://schemas.microsoft.com/office/drawing/2014/main" id="{23690343-5BCD-475A-86E8-AE30413CD894}"/>
               </a:ext>
             </a:extLst>
           </p:cNvPr>
@@ -1236,7 +1322,7 @@
           <a:p>
             <a:fld id="{298C9FAC-773B-4068-A518-7B881B3A4DE8}" type="datetimeFigureOut">
               <a:rPr lang="en-GB" smtClean="0"/>
-              <a:t>30/11/2018</a:t>
+              <a:t>13/08/2019</a:t>
             </a:fld>
             <a:endParaRPr lang="en-GB"/>
           </a:p>
@@ -1247,7 +1333,7 @@
           <p:cNvPr id="5" name="Footer Placeholder 4">
             <a:extLst>
               <a:ext uri="{FF2B5EF4-FFF2-40B4-BE49-F238E27FC236}">
-                <a16:creationId xmlns="" xmlns:a16="http://schemas.microsoft.com/office/drawing/2014/main" id="{FF3531FA-4BEE-450D-8A4A-4EA04342DEEC}"/>
+                <a16:creationId xmlns:a16="http://schemas.microsoft.com/office/drawing/2014/main" id="{FF3531FA-4BEE-450D-8A4A-4EA04342DEEC}"/>
               </a:ext>
             </a:extLst>
           </p:cNvPr>
@@ -1272,7 +1358,7 @@
           <p:cNvPr id="6" name="Slide Number Placeholder 5">
             <a:extLst>
               <a:ext uri="{FF2B5EF4-FFF2-40B4-BE49-F238E27FC236}">
-                <a16:creationId xmlns="" xmlns:a16="http://schemas.microsoft.com/office/drawing/2014/main" id="{1A5AA91F-5723-41D5-8088-96E34AC211AC}"/>
+                <a16:creationId xmlns:a16="http://schemas.microsoft.com/office/drawing/2014/main" id="{1A5AA91F-5723-41D5-8088-96E34AC211AC}"/>
               </a:ext>
             </a:extLst>
           </p:cNvPr>
@@ -1331,7 +1417,7 @@
           <p:cNvPr id="2" name="Title 1">
             <a:extLst>
               <a:ext uri="{FF2B5EF4-FFF2-40B4-BE49-F238E27FC236}">
-                <a16:creationId xmlns="" xmlns:a16="http://schemas.microsoft.com/office/drawing/2014/main" id="{FE761B3E-88F9-4F5D-B955-387D4D81C573}"/>
+                <a16:creationId xmlns:a16="http://schemas.microsoft.com/office/drawing/2014/main" id="{FE761B3E-88F9-4F5D-B955-387D4D81C573}"/>
               </a:ext>
             </a:extLst>
           </p:cNvPr>
@@ -1360,7 +1446,7 @@
           <p:cNvPr id="3" name="Vertical Text Placeholder 2">
             <a:extLst>
               <a:ext uri="{FF2B5EF4-FFF2-40B4-BE49-F238E27FC236}">
-                <a16:creationId xmlns="" xmlns:a16="http://schemas.microsoft.com/office/drawing/2014/main" id="{0494C778-AA3E-4B0A-9259-17A7496012D8}"/>
+                <a16:creationId xmlns:a16="http://schemas.microsoft.com/office/drawing/2014/main" id="{0494C778-AA3E-4B0A-9259-17A7496012D8}"/>
               </a:ext>
             </a:extLst>
           </p:cNvPr>
@@ -1418,7 +1504,7 @@
           <p:cNvPr id="4" name="Date Placeholder 3">
             <a:extLst>
               <a:ext uri="{FF2B5EF4-FFF2-40B4-BE49-F238E27FC236}">
-                <a16:creationId xmlns="" xmlns:a16="http://schemas.microsoft.com/office/drawing/2014/main" id="{D7A9A593-1954-4871-BD09-A5C0DA264AF6}"/>
+                <a16:creationId xmlns:a16="http://schemas.microsoft.com/office/drawing/2014/main" id="{D7A9A593-1954-4871-BD09-A5C0DA264AF6}"/>
               </a:ext>
             </a:extLst>
           </p:cNvPr>
@@ -1436,7 +1522,7 @@
           <a:p>
             <a:fld id="{298C9FAC-773B-4068-A518-7B881B3A4DE8}" type="datetimeFigureOut">
               <a:rPr lang="en-GB" smtClean="0"/>
-              <a:t>30/11/2018</a:t>
+              <a:t>13/08/2019</a:t>
             </a:fld>
             <a:endParaRPr lang="en-GB"/>
           </a:p>
@@ -1447,7 +1533,7 @@
           <p:cNvPr id="5" name="Footer Placeholder 4">
             <a:extLst>
               <a:ext uri="{FF2B5EF4-FFF2-40B4-BE49-F238E27FC236}">
-                <a16:creationId xmlns="" xmlns:a16="http://schemas.microsoft.com/office/drawing/2014/main" id="{9B9B9AA4-D138-477C-8CFB-80E3C25E1BDE}"/>
+                <a16:creationId xmlns:a16="http://schemas.microsoft.com/office/drawing/2014/main" id="{9B9B9AA4-D138-477C-8CFB-80E3C25E1BDE}"/>
               </a:ext>
             </a:extLst>
           </p:cNvPr>
@@ -1472,7 +1558,7 @@
           <p:cNvPr id="6" name="Slide Number Placeholder 5">
             <a:extLst>
               <a:ext uri="{FF2B5EF4-FFF2-40B4-BE49-F238E27FC236}">
-                <a16:creationId xmlns="" xmlns:a16="http://schemas.microsoft.com/office/drawing/2014/main" id="{828D1513-7046-4652-9EF1-C0E19412374B}"/>
+                <a16:creationId xmlns:a16="http://schemas.microsoft.com/office/drawing/2014/main" id="{828D1513-7046-4652-9EF1-C0E19412374B}"/>
               </a:ext>
             </a:extLst>
           </p:cNvPr>
@@ -1531,7 +1617,7 @@
           <p:cNvPr id="2" name="Vertical Title 1">
             <a:extLst>
               <a:ext uri="{FF2B5EF4-FFF2-40B4-BE49-F238E27FC236}">
-                <a16:creationId xmlns="" xmlns:a16="http://schemas.microsoft.com/office/drawing/2014/main" id="{0200BDCD-6899-4898-A1AC-17347570576D}"/>
+                <a16:creationId xmlns:a16="http://schemas.microsoft.com/office/drawing/2014/main" id="{0200BDCD-6899-4898-A1AC-17347570576D}"/>
               </a:ext>
             </a:extLst>
           </p:cNvPr>
@@ -1565,7 +1651,7 @@
           <p:cNvPr id="3" name="Vertical Text Placeholder 2">
             <a:extLst>
               <a:ext uri="{FF2B5EF4-FFF2-40B4-BE49-F238E27FC236}">
-                <a16:creationId xmlns="" xmlns:a16="http://schemas.microsoft.com/office/drawing/2014/main" id="{B0844E10-6053-49B3-A7C6-C4C5407EB446}"/>
+                <a16:creationId xmlns:a16="http://schemas.microsoft.com/office/drawing/2014/main" id="{B0844E10-6053-49B3-A7C6-C4C5407EB446}"/>
               </a:ext>
             </a:extLst>
           </p:cNvPr>
@@ -1628,7 +1714,7 @@
           <p:cNvPr id="4" name="Date Placeholder 3">
             <a:extLst>
               <a:ext uri="{FF2B5EF4-FFF2-40B4-BE49-F238E27FC236}">
-                <a16:creationId xmlns="" xmlns:a16="http://schemas.microsoft.com/office/drawing/2014/main" id="{E896F49B-82B6-4332-98B2-408C04B9C896}"/>
+                <a16:creationId xmlns:a16="http://schemas.microsoft.com/office/drawing/2014/main" id="{E896F49B-82B6-4332-98B2-408C04B9C896}"/>
               </a:ext>
             </a:extLst>
           </p:cNvPr>
@@ -1646,7 +1732,7 @@
           <a:p>
             <a:fld id="{298C9FAC-773B-4068-A518-7B881B3A4DE8}" type="datetimeFigureOut">
               <a:rPr lang="en-GB" smtClean="0"/>
-              <a:t>30/11/2018</a:t>
+              <a:t>13/08/2019</a:t>
             </a:fld>
             <a:endParaRPr lang="en-GB"/>
           </a:p>
@@ -1657,7 +1743,7 @@
           <p:cNvPr id="5" name="Footer Placeholder 4">
             <a:extLst>
               <a:ext uri="{FF2B5EF4-FFF2-40B4-BE49-F238E27FC236}">
-                <a16:creationId xmlns="" xmlns:a16="http://schemas.microsoft.com/office/drawing/2014/main" id="{BDC27A51-B739-4DAE-AEAD-129075BC9EC3}"/>
+                <a16:creationId xmlns:a16="http://schemas.microsoft.com/office/drawing/2014/main" id="{BDC27A51-B739-4DAE-AEAD-129075BC9EC3}"/>
               </a:ext>
             </a:extLst>
           </p:cNvPr>
@@ -1682,7 +1768,7 @@
           <p:cNvPr id="6" name="Slide Number Placeholder 5">
             <a:extLst>
               <a:ext uri="{FF2B5EF4-FFF2-40B4-BE49-F238E27FC236}">
-                <a16:creationId xmlns="" xmlns:a16="http://schemas.microsoft.com/office/drawing/2014/main" id="{8F27358D-6977-4211-A788-FF2AE1D0D098}"/>
+                <a16:creationId xmlns:a16="http://schemas.microsoft.com/office/drawing/2014/main" id="{8F27358D-6977-4211-A788-FF2AE1D0D098}"/>
               </a:ext>
             </a:extLst>
           </p:cNvPr>
@@ -1741,7 +1827,7 @@
           <p:cNvPr id="2" name="Title 1">
             <a:extLst>
               <a:ext uri="{FF2B5EF4-FFF2-40B4-BE49-F238E27FC236}">
-                <a16:creationId xmlns="" xmlns:a16="http://schemas.microsoft.com/office/drawing/2014/main" id="{069357AC-B6CF-462B-BC2D-CB4EC3423D05}"/>
+                <a16:creationId xmlns:a16="http://schemas.microsoft.com/office/drawing/2014/main" id="{069357AC-B6CF-462B-BC2D-CB4EC3423D05}"/>
               </a:ext>
             </a:extLst>
           </p:cNvPr>
@@ -1770,7 +1856,7 @@
           <p:cNvPr id="3" name="Content Placeholder 2">
             <a:extLst>
               <a:ext uri="{FF2B5EF4-FFF2-40B4-BE49-F238E27FC236}">
-                <a16:creationId xmlns="" xmlns:a16="http://schemas.microsoft.com/office/drawing/2014/main" id="{7120FACC-CA31-4396-9A32-7F642439C370}"/>
+                <a16:creationId xmlns:a16="http://schemas.microsoft.com/office/drawing/2014/main" id="{7120FACC-CA31-4396-9A32-7F642439C370}"/>
               </a:ext>
             </a:extLst>
           </p:cNvPr>
@@ -1828,7 +1914,7 @@
           <p:cNvPr id="4" name="Date Placeholder 3">
             <a:extLst>
               <a:ext uri="{FF2B5EF4-FFF2-40B4-BE49-F238E27FC236}">
-                <a16:creationId xmlns="" xmlns:a16="http://schemas.microsoft.com/office/drawing/2014/main" id="{669CA03B-5F79-4D81-8F1A-41793E2893FB}"/>
+                <a16:creationId xmlns:a16="http://schemas.microsoft.com/office/drawing/2014/main" id="{669CA03B-5F79-4D81-8F1A-41793E2893FB}"/>
               </a:ext>
             </a:extLst>
           </p:cNvPr>
@@ -1846,7 +1932,7 @@
           <a:p>
             <a:fld id="{298C9FAC-773B-4068-A518-7B881B3A4DE8}" type="datetimeFigureOut">
               <a:rPr lang="en-GB" smtClean="0"/>
-              <a:t>30/11/2018</a:t>
+              <a:t>13/08/2019</a:t>
             </a:fld>
             <a:endParaRPr lang="en-GB"/>
           </a:p>
@@ -1857,7 +1943,7 @@
           <p:cNvPr id="5" name="Footer Placeholder 4">
             <a:extLst>
               <a:ext uri="{FF2B5EF4-FFF2-40B4-BE49-F238E27FC236}">
-                <a16:creationId xmlns="" xmlns:a16="http://schemas.microsoft.com/office/drawing/2014/main" id="{9C7FEB7A-417A-4E17-9641-3FC84EC80661}"/>
+                <a16:creationId xmlns:a16="http://schemas.microsoft.com/office/drawing/2014/main" id="{9C7FEB7A-417A-4E17-9641-3FC84EC80661}"/>
               </a:ext>
             </a:extLst>
           </p:cNvPr>
@@ -1882,7 +1968,7 @@
           <p:cNvPr id="6" name="Slide Number Placeholder 5">
             <a:extLst>
               <a:ext uri="{FF2B5EF4-FFF2-40B4-BE49-F238E27FC236}">
-                <a16:creationId xmlns="" xmlns:a16="http://schemas.microsoft.com/office/drawing/2014/main" id="{4217CD20-4D31-4105-9A9A-43421C1DFAE7}"/>
+                <a16:creationId xmlns:a16="http://schemas.microsoft.com/office/drawing/2014/main" id="{4217CD20-4D31-4105-9A9A-43421C1DFAE7}"/>
               </a:ext>
             </a:extLst>
           </p:cNvPr>
@@ -1941,7 +2027,7 @@
           <p:cNvPr id="2" name="Title 1">
             <a:extLst>
               <a:ext uri="{FF2B5EF4-FFF2-40B4-BE49-F238E27FC236}">
-                <a16:creationId xmlns="" xmlns:a16="http://schemas.microsoft.com/office/drawing/2014/main" id="{D51DD5AD-6997-4E2E-8E14-05A3D270E618}"/>
+                <a16:creationId xmlns:a16="http://schemas.microsoft.com/office/drawing/2014/main" id="{D51DD5AD-6997-4E2E-8E14-05A3D270E618}"/>
               </a:ext>
             </a:extLst>
           </p:cNvPr>
@@ -1979,7 +2065,7 @@
           <p:cNvPr id="3" name="Text Placeholder 2">
             <a:extLst>
               <a:ext uri="{FF2B5EF4-FFF2-40B4-BE49-F238E27FC236}">
-                <a16:creationId xmlns="" xmlns:a16="http://schemas.microsoft.com/office/drawing/2014/main" id="{63750627-7E86-43A9-A704-5CA39697BBB4}"/>
+                <a16:creationId xmlns:a16="http://schemas.microsoft.com/office/drawing/2014/main" id="{63750627-7E86-43A9-A704-5CA39697BBB4}"/>
               </a:ext>
             </a:extLst>
           </p:cNvPr>
@@ -2104,7 +2190,7 @@
           <p:cNvPr id="4" name="Date Placeholder 3">
             <a:extLst>
               <a:ext uri="{FF2B5EF4-FFF2-40B4-BE49-F238E27FC236}">
-                <a16:creationId xmlns="" xmlns:a16="http://schemas.microsoft.com/office/drawing/2014/main" id="{1C8E69BF-6C89-412A-9C93-B0A49B7C8B11}"/>
+                <a16:creationId xmlns:a16="http://schemas.microsoft.com/office/drawing/2014/main" id="{1C8E69BF-6C89-412A-9C93-B0A49B7C8B11}"/>
               </a:ext>
             </a:extLst>
           </p:cNvPr>
@@ -2122,7 +2208,7 @@
           <a:p>
             <a:fld id="{298C9FAC-773B-4068-A518-7B881B3A4DE8}" type="datetimeFigureOut">
               <a:rPr lang="en-GB" smtClean="0"/>
-              <a:t>30/11/2018</a:t>
+              <a:t>13/08/2019</a:t>
             </a:fld>
             <a:endParaRPr lang="en-GB"/>
           </a:p>
@@ -2133,7 +2219,7 @@
           <p:cNvPr id="5" name="Footer Placeholder 4">
             <a:extLst>
               <a:ext uri="{FF2B5EF4-FFF2-40B4-BE49-F238E27FC236}">
-                <a16:creationId xmlns="" xmlns:a16="http://schemas.microsoft.com/office/drawing/2014/main" id="{CD2ED686-2038-4F83-97E7-7D6B072AF499}"/>
+                <a16:creationId xmlns:a16="http://schemas.microsoft.com/office/drawing/2014/main" id="{CD2ED686-2038-4F83-97E7-7D6B072AF499}"/>
               </a:ext>
             </a:extLst>
           </p:cNvPr>
@@ -2158,7 +2244,7 @@
           <p:cNvPr id="6" name="Slide Number Placeholder 5">
             <a:extLst>
               <a:ext uri="{FF2B5EF4-FFF2-40B4-BE49-F238E27FC236}">
-                <a16:creationId xmlns="" xmlns:a16="http://schemas.microsoft.com/office/drawing/2014/main" id="{9B60D7EA-BBD3-4CA0-8268-ADB5F217C38B}"/>
+                <a16:creationId xmlns:a16="http://schemas.microsoft.com/office/drawing/2014/main" id="{9B60D7EA-BBD3-4CA0-8268-ADB5F217C38B}"/>
               </a:ext>
             </a:extLst>
           </p:cNvPr>
@@ -2217,7 +2303,7 @@
           <p:cNvPr id="2" name="Title 1">
             <a:extLst>
               <a:ext uri="{FF2B5EF4-FFF2-40B4-BE49-F238E27FC236}">
-                <a16:creationId xmlns="" xmlns:a16="http://schemas.microsoft.com/office/drawing/2014/main" id="{DDA011CC-EA85-4A53-A179-4BF4042C077A}"/>
+                <a16:creationId xmlns:a16="http://schemas.microsoft.com/office/drawing/2014/main" id="{DDA011CC-EA85-4A53-A179-4BF4042C077A}"/>
               </a:ext>
             </a:extLst>
           </p:cNvPr>
@@ -2246,7 +2332,7 @@
           <p:cNvPr id="3" name="Content Placeholder 2">
             <a:extLst>
               <a:ext uri="{FF2B5EF4-FFF2-40B4-BE49-F238E27FC236}">
-                <a16:creationId xmlns="" xmlns:a16="http://schemas.microsoft.com/office/drawing/2014/main" id="{C31C87B3-FC86-4275-8E77-49E02029528D}"/>
+                <a16:creationId xmlns:a16="http://schemas.microsoft.com/office/drawing/2014/main" id="{C31C87B3-FC86-4275-8E77-49E02029528D}"/>
               </a:ext>
             </a:extLst>
           </p:cNvPr>
@@ -2309,7 +2395,7 @@
           <p:cNvPr id="4" name="Content Placeholder 3">
             <a:extLst>
               <a:ext uri="{FF2B5EF4-FFF2-40B4-BE49-F238E27FC236}">
-                <a16:creationId xmlns="" xmlns:a16="http://schemas.microsoft.com/office/drawing/2014/main" id="{AC308BD0-5013-477B-8AE9-A9D60CEC77E4}"/>
+                <a16:creationId xmlns:a16="http://schemas.microsoft.com/office/drawing/2014/main" id="{AC308BD0-5013-477B-8AE9-A9D60CEC77E4}"/>
               </a:ext>
             </a:extLst>
           </p:cNvPr>
@@ -2372,7 +2458,7 @@
           <p:cNvPr id="5" name="Date Placeholder 4">
             <a:extLst>
               <a:ext uri="{FF2B5EF4-FFF2-40B4-BE49-F238E27FC236}">
-                <a16:creationId xmlns="" xmlns:a16="http://schemas.microsoft.com/office/drawing/2014/main" id="{D33FB5DA-F632-4C58-BF1C-8E0D84180DF9}"/>
+                <a16:creationId xmlns:a16="http://schemas.microsoft.com/office/drawing/2014/main" id="{D33FB5DA-F632-4C58-BF1C-8E0D84180DF9}"/>
               </a:ext>
             </a:extLst>
           </p:cNvPr>
@@ -2390,7 +2476,7 @@
           <a:p>
             <a:fld id="{298C9FAC-773B-4068-A518-7B881B3A4DE8}" type="datetimeFigureOut">
               <a:rPr lang="en-GB" smtClean="0"/>
-              <a:t>30/11/2018</a:t>
+              <a:t>13/08/2019</a:t>
             </a:fld>
             <a:endParaRPr lang="en-GB"/>
           </a:p>
@@ -2401,7 +2487,7 @@
           <p:cNvPr id="6" name="Footer Placeholder 5">
             <a:extLst>
               <a:ext uri="{FF2B5EF4-FFF2-40B4-BE49-F238E27FC236}">
-                <a16:creationId xmlns="" xmlns:a16="http://schemas.microsoft.com/office/drawing/2014/main" id="{B681B9A6-63AA-42FE-82F8-26C5CC8E27D7}"/>
+                <a16:creationId xmlns:a16="http://schemas.microsoft.com/office/drawing/2014/main" id="{B681B9A6-63AA-42FE-82F8-26C5CC8E27D7}"/>
               </a:ext>
             </a:extLst>
           </p:cNvPr>
@@ -2426,7 +2512,7 @@
           <p:cNvPr id="7" name="Slide Number Placeholder 6">
             <a:extLst>
               <a:ext uri="{FF2B5EF4-FFF2-40B4-BE49-F238E27FC236}">
-                <a16:creationId xmlns="" xmlns:a16="http://schemas.microsoft.com/office/drawing/2014/main" id="{D58671FF-77D4-422E-AB04-1C2EC34FA3EE}"/>
+                <a16:creationId xmlns:a16="http://schemas.microsoft.com/office/drawing/2014/main" id="{D58671FF-77D4-422E-AB04-1C2EC34FA3EE}"/>
               </a:ext>
             </a:extLst>
           </p:cNvPr>
@@ -2485,7 +2571,7 @@
           <p:cNvPr id="2" name="Title 1">
             <a:extLst>
               <a:ext uri="{FF2B5EF4-FFF2-40B4-BE49-F238E27FC236}">
-                <a16:creationId xmlns="" xmlns:a16="http://schemas.microsoft.com/office/drawing/2014/main" id="{590B2AA5-57D7-456A-9EB7-F4D77111040A}"/>
+                <a16:creationId xmlns:a16="http://schemas.microsoft.com/office/drawing/2014/main" id="{590B2AA5-57D7-456A-9EB7-F4D77111040A}"/>
               </a:ext>
             </a:extLst>
           </p:cNvPr>
@@ -2519,7 +2605,7 @@
           <p:cNvPr id="3" name="Text Placeholder 2">
             <a:extLst>
               <a:ext uri="{FF2B5EF4-FFF2-40B4-BE49-F238E27FC236}">
-                <a16:creationId xmlns="" xmlns:a16="http://schemas.microsoft.com/office/drawing/2014/main" id="{AA3FA850-C9D1-4EE2-A0BC-2C91EB087E3A}"/>
+                <a16:creationId xmlns:a16="http://schemas.microsoft.com/office/drawing/2014/main" id="{AA3FA850-C9D1-4EE2-A0BC-2C91EB087E3A}"/>
               </a:ext>
             </a:extLst>
           </p:cNvPr>
@@ -2590,7 +2676,7 @@
           <p:cNvPr id="4" name="Content Placeholder 3">
             <a:extLst>
               <a:ext uri="{FF2B5EF4-FFF2-40B4-BE49-F238E27FC236}">
-                <a16:creationId xmlns="" xmlns:a16="http://schemas.microsoft.com/office/drawing/2014/main" id="{F00158EE-1534-4C16-BD11-148320653D60}"/>
+                <a16:creationId xmlns:a16="http://schemas.microsoft.com/office/drawing/2014/main" id="{F00158EE-1534-4C16-BD11-148320653D60}"/>
               </a:ext>
             </a:extLst>
           </p:cNvPr>
@@ -2653,7 +2739,7 @@
           <p:cNvPr id="5" name="Text Placeholder 4">
             <a:extLst>
               <a:ext uri="{FF2B5EF4-FFF2-40B4-BE49-F238E27FC236}">
-                <a16:creationId xmlns="" xmlns:a16="http://schemas.microsoft.com/office/drawing/2014/main" id="{2F630F3F-6EA5-42FA-8ADE-6CB4D0BDFC6D}"/>
+                <a16:creationId xmlns:a16="http://schemas.microsoft.com/office/drawing/2014/main" id="{2F630F3F-6EA5-42FA-8ADE-6CB4D0BDFC6D}"/>
               </a:ext>
             </a:extLst>
           </p:cNvPr>
@@ -2724,7 +2810,7 @@
           <p:cNvPr id="6" name="Content Placeholder 5">
             <a:extLst>
               <a:ext uri="{FF2B5EF4-FFF2-40B4-BE49-F238E27FC236}">
-                <a16:creationId xmlns="" xmlns:a16="http://schemas.microsoft.com/office/drawing/2014/main" id="{B11F70F9-5251-4811-8E60-A36D47220FEB}"/>
+                <a16:creationId xmlns:a16="http://schemas.microsoft.com/office/drawing/2014/main" id="{B11F70F9-5251-4811-8E60-A36D47220FEB}"/>
               </a:ext>
             </a:extLst>
           </p:cNvPr>
@@ -2787,7 +2873,7 @@
           <p:cNvPr id="7" name="Date Placeholder 6">
             <a:extLst>
               <a:ext uri="{FF2B5EF4-FFF2-40B4-BE49-F238E27FC236}">
-                <a16:creationId xmlns="" xmlns:a16="http://schemas.microsoft.com/office/drawing/2014/main" id="{D052E5ED-A48E-4F7B-95ED-F853F0A568B6}"/>
+                <a16:creationId xmlns:a16="http://schemas.microsoft.com/office/drawing/2014/main" id="{D052E5ED-A48E-4F7B-95ED-F853F0A568B6}"/>
               </a:ext>
             </a:extLst>
           </p:cNvPr>
@@ -2805,7 +2891,7 @@
           <a:p>
             <a:fld id="{298C9FAC-773B-4068-A518-7B881B3A4DE8}" type="datetimeFigureOut">
               <a:rPr lang="en-GB" smtClean="0"/>
-              <a:t>30/11/2018</a:t>
+              <a:t>13/08/2019</a:t>
             </a:fld>
             <a:endParaRPr lang="en-GB"/>
           </a:p>
@@ -2816,7 +2902,7 @@
           <p:cNvPr id="8" name="Footer Placeholder 7">
             <a:extLst>
               <a:ext uri="{FF2B5EF4-FFF2-40B4-BE49-F238E27FC236}">
-                <a16:creationId xmlns="" xmlns:a16="http://schemas.microsoft.com/office/drawing/2014/main" id="{4E545688-F73A-404B-9A9F-E2512F1FFA93}"/>
+                <a16:creationId xmlns:a16="http://schemas.microsoft.com/office/drawing/2014/main" id="{4E545688-F73A-404B-9A9F-E2512F1FFA93}"/>
               </a:ext>
             </a:extLst>
           </p:cNvPr>
@@ -2841,7 +2927,7 @@
           <p:cNvPr id="9" name="Slide Number Placeholder 8">
             <a:extLst>
               <a:ext uri="{FF2B5EF4-FFF2-40B4-BE49-F238E27FC236}">
-                <a16:creationId xmlns="" xmlns:a16="http://schemas.microsoft.com/office/drawing/2014/main" id="{EE8ED592-DB24-4218-9144-A4F918A973C9}"/>
+                <a16:creationId xmlns:a16="http://schemas.microsoft.com/office/drawing/2014/main" id="{EE8ED592-DB24-4218-9144-A4F918A973C9}"/>
               </a:ext>
             </a:extLst>
           </p:cNvPr>
@@ -2900,7 +2986,7 @@
           <p:cNvPr id="2" name="Title 1">
             <a:extLst>
               <a:ext uri="{FF2B5EF4-FFF2-40B4-BE49-F238E27FC236}">
-                <a16:creationId xmlns="" xmlns:a16="http://schemas.microsoft.com/office/drawing/2014/main" id="{22221250-CF36-4D8E-82E7-AEC364BB69C9}"/>
+                <a16:creationId xmlns:a16="http://schemas.microsoft.com/office/drawing/2014/main" id="{22221250-CF36-4D8E-82E7-AEC364BB69C9}"/>
               </a:ext>
             </a:extLst>
           </p:cNvPr>
@@ -2929,7 +3015,7 @@
           <p:cNvPr id="3" name="Date Placeholder 2">
             <a:extLst>
               <a:ext uri="{FF2B5EF4-FFF2-40B4-BE49-F238E27FC236}">
-                <a16:creationId xmlns="" xmlns:a16="http://schemas.microsoft.com/office/drawing/2014/main" id="{CECDCBDF-1539-4093-A310-8FBFD0DAC706}"/>
+                <a16:creationId xmlns:a16="http://schemas.microsoft.com/office/drawing/2014/main" id="{CECDCBDF-1539-4093-A310-8FBFD0DAC706}"/>
               </a:ext>
             </a:extLst>
           </p:cNvPr>
@@ -2947,7 +3033,7 @@
           <a:p>
             <a:fld id="{298C9FAC-773B-4068-A518-7B881B3A4DE8}" type="datetimeFigureOut">
               <a:rPr lang="en-GB" smtClean="0"/>
-              <a:t>30/11/2018</a:t>
+              <a:t>13/08/2019</a:t>
             </a:fld>
             <a:endParaRPr lang="en-GB"/>
           </a:p>
@@ -2958,7 +3044,7 @@
           <p:cNvPr id="4" name="Footer Placeholder 3">
             <a:extLst>
               <a:ext uri="{FF2B5EF4-FFF2-40B4-BE49-F238E27FC236}">
-                <a16:creationId xmlns="" xmlns:a16="http://schemas.microsoft.com/office/drawing/2014/main" id="{C988750B-8D8A-43F7-B723-26EBB88B0A8D}"/>
+                <a16:creationId xmlns:a16="http://schemas.microsoft.com/office/drawing/2014/main" id="{C988750B-8D8A-43F7-B723-26EBB88B0A8D}"/>
               </a:ext>
             </a:extLst>
           </p:cNvPr>
@@ -2983,7 +3069,7 @@
           <p:cNvPr id="5" name="Slide Number Placeholder 4">
             <a:extLst>
               <a:ext uri="{FF2B5EF4-FFF2-40B4-BE49-F238E27FC236}">
-                <a16:creationId xmlns="" xmlns:a16="http://schemas.microsoft.com/office/drawing/2014/main" id="{F08BB1E8-A92A-40D0-A567-51C0EA0680E5}"/>
+                <a16:creationId xmlns:a16="http://schemas.microsoft.com/office/drawing/2014/main" id="{F08BB1E8-A92A-40D0-A567-51C0EA0680E5}"/>
               </a:ext>
             </a:extLst>
           </p:cNvPr>
@@ -3042,7 +3128,7 @@
           <p:cNvPr id="2" name="Date Placeholder 1">
             <a:extLst>
               <a:ext uri="{FF2B5EF4-FFF2-40B4-BE49-F238E27FC236}">
-                <a16:creationId xmlns="" xmlns:a16="http://schemas.microsoft.com/office/drawing/2014/main" id="{7C893C89-2656-4704-9F42-FF3399BD914F}"/>
+                <a16:creationId xmlns:a16="http://schemas.microsoft.com/office/drawing/2014/main" id="{7C893C89-2656-4704-9F42-FF3399BD914F}"/>
               </a:ext>
             </a:extLst>
           </p:cNvPr>
@@ -3060,7 +3146,7 @@
           <a:p>
             <a:fld id="{298C9FAC-773B-4068-A518-7B881B3A4DE8}" type="datetimeFigureOut">
               <a:rPr lang="en-GB" smtClean="0"/>
-              <a:t>30/11/2018</a:t>
+              <a:t>13/08/2019</a:t>
             </a:fld>
             <a:endParaRPr lang="en-GB"/>
           </a:p>
@@ -3071,7 +3157,7 @@
           <p:cNvPr id="3" name="Footer Placeholder 2">
             <a:extLst>
               <a:ext uri="{FF2B5EF4-FFF2-40B4-BE49-F238E27FC236}">
-                <a16:creationId xmlns="" xmlns:a16="http://schemas.microsoft.com/office/drawing/2014/main" id="{DE71D32F-E6D6-4AA7-9098-046D2FE37C22}"/>
+                <a16:creationId xmlns:a16="http://schemas.microsoft.com/office/drawing/2014/main" id="{DE71D32F-E6D6-4AA7-9098-046D2FE37C22}"/>
               </a:ext>
             </a:extLst>
           </p:cNvPr>
@@ -3096,7 +3182,7 @@
           <p:cNvPr id="4" name="Slide Number Placeholder 3">
             <a:extLst>
               <a:ext uri="{FF2B5EF4-FFF2-40B4-BE49-F238E27FC236}">
-                <a16:creationId xmlns="" xmlns:a16="http://schemas.microsoft.com/office/drawing/2014/main" id="{CA46C636-8D7A-45CB-B4E1-63C5427291B3}"/>
+                <a16:creationId xmlns:a16="http://schemas.microsoft.com/office/drawing/2014/main" id="{CA46C636-8D7A-45CB-B4E1-63C5427291B3}"/>
               </a:ext>
             </a:extLst>
           </p:cNvPr>
@@ -3155,7 +3241,7 @@
           <p:cNvPr id="2" name="Title 1">
             <a:extLst>
               <a:ext uri="{FF2B5EF4-FFF2-40B4-BE49-F238E27FC236}">
-                <a16:creationId xmlns="" xmlns:a16="http://schemas.microsoft.com/office/drawing/2014/main" id="{8A07D0B3-DADD-47A7-A649-197DE7A8C86B}"/>
+                <a16:creationId xmlns:a16="http://schemas.microsoft.com/office/drawing/2014/main" id="{8A07D0B3-DADD-47A7-A649-197DE7A8C86B}"/>
               </a:ext>
             </a:extLst>
           </p:cNvPr>
@@ -3193,7 +3279,7 @@
           <p:cNvPr id="3" name="Content Placeholder 2">
             <a:extLst>
               <a:ext uri="{FF2B5EF4-FFF2-40B4-BE49-F238E27FC236}">
-                <a16:creationId xmlns="" xmlns:a16="http://schemas.microsoft.com/office/drawing/2014/main" id="{B63151EA-8618-4F52-9A87-C4386D765BA3}"/>
+                <a16:creationId xmlns:a16="http://schemas.microsoft.com/office/drawing/2014/main" id="{B63151EA-8618-4F52-9A87-C4386D765BA3}"/>
               </a:ext>
             </a:extLst>
           </p:cNvPr>
@@ -3284,7 +3370,7 @@
           <p:cNvPr id="4" name="Text Placeholder 3">
             <a:extLst>
               <a:ext uri="{FF2B5EF4-FFF2-40B4-BE49-F238E27FC236}">
-                <a16:creationId xmlns="" xmlns:a16="http://schemas.microsoft.com/office/drawing/2014/main" id="{F1366F05-F62A-4AA8-95FE-5D5DCC4685EA}"/>
+                <a16:creationId xmlns:a16="http://schemas.microsoft.com/office/drawing/2014/main" id="{F1366F05-F62A-4AA8-95FE-5D5DCC4685EA}"/>
               </a:ext>
             </a:extLst>
           </p:cNvPr>
@@ -3355,7 +3441,7 @@
           <p:cNvPr id="5" name="Date Placeholder 4">
             <a:extLst>
               <a:ext uri="{FF2B5EF4-FFF2-40B4-BE49-F238E27FC236}">
-                <a16:creationId xmlns="" xmlns:a16="http://schemas.microsoft.com/office/drawing/2014/main" id="{142E6171-FC6B-4DE7-847D-F392653BFA1D}"/>
+                <a16:creationId xmlns:a16="http://schemas.microsoft.com/office/drawing/2014/main" id="{142E6171-FC6B-4DE7-847D-F392653BFA1D}"/>
               </a:ext>
             </a:extLst>
           </p:cNvPr>
@@ -3373,7 +3459,7 @@
           <a:p>
             <a:fld id="{298C9FAC-773B-4068-A518-7B881B3A4DE8}" type="datetimeFigureOut">
               <a:rPr lang="en-GB" smtClean="0"/>
-              <a:t>30/11/2018</a:t>
+              <a:t>13/08/2019</a:t>
             </a:fld>
             <a:endParaRPr lang="en-GB"/>
           </a:p>
@@ -3384,7 +3470,7 @@
           <p:cNvPr id="6" name="Footer Placeholder 5">
             <a:extLst>
               <a:ext uri="{FF2B5EF4-FFF2-40B4-BE49-F238E27FC236}">
-                <a16:creationId xmlns="" xmlns:a16="http://schemas.microsoft.com/office/drawing/2014/main" id="{A5C21FCA-6201-46F4-BDBC-873429E0CA12}"/>
+                <a16:creationId xmlns:a16="http://schemas.microsoft.com/office/drawing/2014/main" id="{A5C21FCA-6201-46F4-BDBC-873429E0CA12}"/>
               </a:ext>
             </a:extLst>
           </p:cNvPr>
@@ -3409,7 +3495,7 @@
           <p:cNvPr id="7" name="Slide Number Placeholder 6">
             <a:extLst>
               <a:ext uri="{FF2B5EF4-FFF2-40B4-BE49-F238E27FC236}">
-                <a16:creationId xmlns="" xmlns:a16="http://schemas.microsoft.com/office/drawing/2014/main" id="{C6B36BE4-4DDD-4711-BF71-E2E5A0AE773D}"/>
+                <a16:creationId xmlns:a16="http://schemas.microsoft.com/office/drawing/2014/main" id="{C6B36BE4-4DDD-4711-BF71-E2E5A0AE773D}"/>
               </a:ext>
             </a:extLst>
           </p:cNvPr>
@@ -3468,7 +3554,7 @@
           <p:cNvPr id="2" name="Title 1">
             <a:extLst>
               <a:ext uri="{FF2B5EF4-FFF2-40B4-BE49-F238E27FC236}">
-                <a16:creationId xmlns="" xmlns:a16="http://schemas.microsoft.com/office/drawing/2014/main" id="{9E11D449-3E0D-49D3-B055-58B4D7AB8EF4}"/>
+                <a16:creationId xmlns:a16="http://schemas.microsoft.com/office/drawing/2014/main" id="{9E11D449-3E0D-49D3-B055-58B4D7AB8EF4}"/>
               </a:ext>
             </a:extLst>
           </p:cNvPr>
@@ -3506,7 +3592,7 @@
           <p:cNvPr id="3" name="Picture Placeholder 2">
             <a:extLst>
               <a:ext uri="{FF2B5EF4-FFF2-40B4-BE49-F238E27FC236}">
-                <a16:creationId xmlns="" xmlns:a16="http://schemas.microsoft.com/office/drawing/2014/main" id="{43418D7E-E300-4C7F-AE7F-4A03744AAB10}"/>
+                <a16:creationId xmlns:a16="http://schemas.microsoft.com/office/drawing/2014/main" id="{43418D7E-E300-4C7F-AE7F-4A03744AAB10}"/>
               </a:ext>
             </a:extLst>
           </p:cNvPr>
@@ -3573,7 +3659,7 @@
           <p:cNvPr id="4" name="Text Placeholder 3">
             <a:extLst>
               <a:ext uri="{FF2B5EF4-FFF2-40B4-BE49-F238E27FC236}">
-                <a16:creationId xmlns="" xmlns:a16="http://schemas.microsoft.com/office/drawing/2014/main" id="{A7A188B5-B01C-419D-9272-4DF41A3C9102}"/>
+                <a16:creationId xmlns:a16="http://schemas.microsoft.com/office/drawing/2014/main" id="{A7A188B5-B01C-419D-9272-4DF41A3C9102}"/>
               </a:ext>
             </a:extLst>
           </p:cNvPr>
@@ -3644,7 +3730,7 @@
           <p:cNvPr id="5" name="Date Placeholder 4">
             <a:extLst>
               <a:ext uri="{FF2B5EF4-FFF2-40B4-BE49-F238E27FC236}">
-                <a16:creationId xmlns="" xmlns:a16="http://schemas.microsoft.com/office/drawing/2014/main" id="{66B32254-2231-4C3F-95DC-2A3734F5BD94}"/>
+                <a16:creationId xmlns:a16="http://schemas.microsoft.com/office/drawing/2014/main" id="{66B32254-2231-4C3F-95DC-2A3734F5BD94}"/>
               </a:ext>
             </a:extLst>
           </p:cNvPr>
@@ -3662,7 +3748,7 @@
           <a:p>
             <a:fld id="{298C9FAC-773B-4068-A518-7B881B3A4DE8}" type="datetimeFigureOut">
               <a:rPr lang="en-GB" smtClean="0"/>
-              <a:t>30/11/2018</a:t>
+              <a:t>13/08/2019</a:t>
             </a:fld>
             <a:endParaRPr lang="en-GB"/>
           </a:p>
@@ -3673,7 +3759,7 @@
           <p:cNvPr id="6" name="Footer Placeholder 5">
             <a:extLst>
               <a:ext uri="{FF2B5EF4-FFF2-40B4-BE49-F238E27FC236}">
-                <a16:creationId xmlns="" xmlns:a16="http://schemas.microsoft.com/office/drawing/2014/main" id="{7FA69BAB-5E6C-4EC1-80D4-E7F068CA964C}"/>
+                <a16:creationId xmlns:a16="http://schemas.microsoft.com/office/drawing/2014/main" id="{7FA69BAB-5E6C-4EC1-80D4-E7F068CA964C}"/>
               </a:ext>
             </a:extLst>
           </p:cNvPr>
@@ -3698,7 +3784,7 @@
           <p:cNvPr id="7" name="Slide Number Placeholder 6">
             <a:extLst>
               <a:ext uri="{FF2B5EF4-FFF2-40B4-BE49-F238E27FC236}">
-                <a16:creationId xmlns="" xmlns:a16="http://schemas.microsoft.com/office/drawing/2014/main" id="{B0E7F8BD-5797-44DF-A6FC-EF1FBEE775EE}"/>
+                <a16:creationId xmlns:a16="http://schemas.microsoft.com/office/drawing/2014/main" id="{B0E7F8BD-5797-44DF-A6FC-EF1FBEE775EE}"/>
               </a:ext>
             </a:extLst>
           </p:cNvPr>
@@ -3762,7 +3848,7 @@
           <p:cNvPr id="2" name="Title Placeholder 1">
             <a:extLst>
               <a:ext uri="{FF2B5EF4-FFF2-40B4-BE49-F238E27FC236}">
-                <a16:creationId xmlns="" xmlns:a16="http://schemas.microsoft.com/office/drawing/2014/main" id="{274EBCBF-60EF-4887-8E3B-A87FCC8909D1}"/>
+                <a16:creationId xmlns:a16="http://schemas.microsoft.com/office/drawing/2014/main" id="{274EBCBF-60EF-4887-8E3B-A87FCC8909D1}"/>
               </a:ext>
             </a:extLst>
           </p:cNvPr>
@@ -3801,7 +3887,7 @@
           <p:cNvPr id="3" name="Text Placeholder 2">
             <a:extLst>
               <a:ext uri="{FF2B5EF4-FFF2-40B4-BE49-F238E27FC236}">
-                <a16:creationId xmlns="" xmlns:a16="http://schemas.microsoft.com/office/drawing/2014/main" id="{3E3BEBD8-03EE-4BDE-966C-7E05B1A888E9}"/>
+                <a16:creationId xmlns:a16="http://schemas.microsoft.com/office/drawing/2014/main" id="{3E3BEBD8-03EE-4BDE-966C-7E05B1A888E9}"/>
               </a:ext>
             </a:extLst>
           </p:cNvPr>
@@ -3869,7 +3955,7 @@
           <p:cNvPr id="4" name="Date Placeholder 3">
             <a:extLst>
               <a:ext uri="{FF2B5EF4-FFF2-40B4-BE49-F238E27FC236}">
-                <a16:creationId xmlns="" xmlns:a16="http://schemas.microsoft.com/office/drawing/2014/main" id="{32D8552E-179E-4A6F-BA26-AA8F26E3F5E5}"/>
+                <a16:creationId xmlns:a16="http://schemas.microsoft.com/office/drawing/2014/main" id="{32D8552E-179E-4A6F-BA26-AA8F26E3F5E5}"/>
               </a:ext>
             </a:extLst>
           </p:cNvPr>
@@ -3905,7 +3991,7 @@
           <a:p>
             <a:fld id="{298C9FAC-773B-4068-A518-7B881B3A4DE8}" type="datetimeFigureOut">
               <a:rPr lang="en-GB" smtClean="0"/>
-              <a:t>30/11/2018</a:t>
+              <a:t>13/08/2019</a:t>
             </a:fld>
             <a:endParaRPr lang="en-GB"/>
           </a:p>
@@ -3916,7 +4002,7 @@
           <p:cNvPr id="5" name="Footer Placeholder 4">
             <a:extLst>
               <a:ext uri="{FF2B5EF4-FFF2-40B4-BE49-F238E27FC236}">
-                <a16:creationId xmlns="" xmlns:a16="http://schemas.microsoft.com/office/drawing/2014/main" id="{E2ED5F93-6EB2-46B1-9466-6DC884C9AE79}"/>
+                <a16:creationId xmlns:a16="http://schemas.microsoft.com/office/drawing/2014/main" id="{E2ED5F93-6EB2-46B1-9466-6DC884C9AE79}"/>
               </a:ext>
             </a:extLst>
           </p:cNvPr>
@@ -3959,7 +4045,7 @@
           <p:cNvPr id="6" name="Slide Number Placeholder 5">
             <a:extLst>
               <a:ext uri="{FF2B5EF4-FFF2-40B4-BE49-F238E27FC236}">
-                <a16:creationId xmlns="" xmlns:a16="http://schemas.microsoft.com/office/drawing/2014/main" id="{D0CAA90E-29A4-4514-867C-1234F10FA97E}"/>
+                <a16:creationId xmlns:a16="http://schemas.microsoft.com/office/drawing/2014/main" id="{D0CAA90E-29A4-4514-867C-1234F10FA97E}"/>
               </a:ext>
             </a:extLst>
           </p:cNvPr>
@@ -4327,7 +4413,7 @@
           <p:cNvPr id="5" name="Rectangle 4">
             <a:extLst>
               <a:ext uri="{FF2B5EF4-FFF2-40B4-BE49-F238E27FC236}">
-                <a16:creationId xmlns="" xmlns:a16="http://schemas.microsoft.com/office/drawing/2014/main" id="{913BDCE9-9C21-4424-9DF6-4674947B76E1}"/>
+                <a16:creationId xmlns:a16="http://schemas.microsoft.com/office/drawing/2014/main" id="{913BDCE9-9C21-4424-9DF6-4674947B76E1}"/>
               </a:ext>
             </a:extLst>
           </p:cNvPr>
@@ -4381,7 +4467,7 @@
           <p:cNvPr id="8" name="Straight Connector 7">
             <a:extLst>
               <a:ext uri="{FF2B5EF4-FFF2-40B4-BE49-F238E27FC236}">
-                <a16:creationId xmlns="" xmlns:a16="http://schemas.microsoft.com/office/drawing/2014/main" id="{B7A3B732-C95F-4FA8-B73B-9FD4A888B874}"/>
+                <a16:creationId xmlns:a16="http://schemas.microsoft.com/office/drawing/2014/main" id="{B7A3B732-C95F-4FA8-B73B-9FD4A888B874}"/>
               </a:ext>
             </a:extLst>
           </p:cNvPr>
@@ -4425,7 +4511,7 @@
           <p:cNvPr id="11" name="Straight Connector 10">
             <a:extLst>
               <a:ext uri="{FF2B5EF4-FFF2-40B4-BE49-F238E27FC236}">
-                <a16:creationId xmlns="" xmlns:a16="http://schemas.microsoft.com/office/drawing/2014/main" id="{303E17FE-2D8A-4008-8C08-C10A6A7B7D1E}"/>
+                <a16:creationId xmlns:a16="http://schemas.microsoft.com/office/drawing/2014/main" id="{303E17FE-2D8A-4008-8C08-C10A6A7B7D1E}"/>
               </a:ext>
             </a:extLst>
           </p:cNvPr>
@@ -4469,7 +4555,7 @@
           <p:cNvPr id="16" name="TextBox 15">
             <a:extLst>
               <a:ext uri="{FF2B5EF4-FFF2-40B4-BE49-F238E27FC236}">
-                <a16:creationId xmlns="" xmlns:a16="http://schemas.microsoft.com/office/drawing/2014/main" id="{E91C665C-3BA0-410C-8FAC-F9D18A5AC6E4}"/>
+                <a16:creationId xmlns:a16="http://schemas.microsoft.com/office/drawing/2014/main" id="{E91C665C-3BA0-410C-8FAC-F9D18A5AC6E4}"/>
               </a:ext>
             </a:extLst>
           </p:cNvPr>
@@ -4509,7 +4595,7 @@
           <p:cNvPr id="17" name="Rectangle 16">
             <a:extLst>
               <a:ext uri="{FF2B5EF4-FFF2-40B4-BE49-F238E27FC236}">
-                <a16:creationId xmlns="" xmlns:a16="http://schemas.microsoft.com/office/drawing/2014/main" id="{5F16FDBC-F94A-44D4-A600-0DE60AF45A64}"/>
+                <a16:creationId xmlns:a16="http://schemas.microsoft.com/office/drawing/2014/main" id="{5F16FDBC-F94A-44D4-A600-0DE60AF45A64}"/>
               </a:ext>
             </a:extLst>
           </p:cNvPr>
@@ -4563,7 +4649,7 @@
           <p:cNvPr id="20" name="Rectangle 19">
             <a:extLst>
               <a:ext uri="{FF2B5EF4-FFF2-40B4-BE49-F238E27FC236}">
-                <a16:creationId xmlns="" xmlns:a16="http://schemas.microsoft.com/office/drawing/2014/main" id="{2AC73225-60EB-4429-84B1-244E1F91AB46}"/>
+                <a16:creationId xmlns:a16="http://schemas.microsoft.com/office/drawing/2014/main" id="{2AC73225-60EB-4429-84B1-244E1F91AB46}"/>
               </a:ext>
             </a:extLst>
           </p:cNvPr>
@@ -4626,7 +4712,7 @@
           <p:cNvPr id="40" name="Rectangle 39">
             <a:extLst>
               <a:ext uri="{FF2B5EF4-FFF2-40B4-BE49-F238E27FC236}">
-                <a16:creationId xmlns="" xmlns:a16="http://schemas.microsoft.com/office/drawing/2014/main" id="{EEDCBE14-6FE2-499F-B45D-8CD23B4A79B0}"/>
+                <a16:creationId xmlns:a16="http://schemas.microsoft.com/office/drawing/2014/main" id="{EEDCBE14-6FE2-499F-B45D-8CD23B4A79B0}"/>
               </a:ext>
             </a:extLst>
           </p:cNvPr>
@@ -4680,7 +4766,7 @@
           <p:cNvPr id="52" name="Straight Arrow Connector 51">
             <a:extLst>
               <a:ext uri="{FF2B5EF4-FFF2-40B4-BE49-F238E27FC236}">
-                <a16:creationId xmlns="" xmlns:a16="http://schemas.microsoft.com/office/drawing/2014/main" id="{02FE80D3-D763-4D5C-BB98-07CC85498291}"/>
+                <a16:creationId xmlns:a16="http://schemas.microsoft.com/office/drawing/2014/main" id="{02FE80D3-D763-4D5C-BB98-07CC85498291}"/>
               </a:ext>
             </a:extLst>
           </p:cNvPr>
@@ -4722,7 +4808,7 @@
           <p:cNvPr id="56" name="Straight Arrow Connector 55">
             <a:extLst>
               <a:ext uri="{FF2B5EF4-FFF2-40B4-BE49-F238E27FC236}">
-                <a16:creationId xmlns="" xmlns:a16="http://schemas.microsoft.com/office/drawing/2014/main" id="{7DBFF177-8DA1-417B-8A53-EFF5346ACBFF}"/>
+                <a16:creationId xmlns:a16="http://schemas.microsoft.com/office/drawing/2014/main" id="{7DBFF177-8DA1-417B-8A53-EFF5346ACBFF}"/>
               </a:ext>
             </a:extLst>
           </p:cNvPr>
@@ -4767,7 +4853,7 @@
           <p:cNvPr id="59" name="Straight Arrow Connector 58">
             <a:extLst>
               <a:ext uri="{FF2B5EF4-FFF2-40B4-BE49-F238E27FC236}">
-                <a16:creationId xmlns="" xmlns:a16="http://schemas.microsoft.com/office/drawing/2014/main" id="{C52EE35E-D021-412D-A26C-F66B99953218}"/>
+                <a16:creationId xmlns:a16="http://schemas.microsoft.com/office/drawing/2014/main" id="{C52EE35E-D021-412D-A26C-F66B99953218}"/>
               </a:ext>
             </a:extLst>
           </p:cNvPr>
@@ -4811,7 +4897,7 @@
           <p:cNvPr id="69" name="TextBox 68">
             <a:extLst>
               <a:ext uri="{FF2B5EF4-FFF2-40B4-BE49-F238E27FC236}">
-                <a16:creationId xmlns="" xmlns:a16="http://schemas.microsoft.com/office/drawing/2014/main" id="{D7222183-949D-4882-B1C1-795D7471657C}"/>
+                <a16:creationId xmlns:a16="http://schemas.microsoft.com/office/drawing/2014/main" id="{D7222183-949D-4882-B1C1-795D7471657C}"/>
               </a:ext>
             </a:extLst>
           </p:cNvPr>
@@ -4846,7 +4932,7 @@
           <p:cNvPr id="70" name="Straight Arrow Connector 69">
             <a:extLst>
               <a:ext uri="{FF2B5EF4-FFF2-40B4-BE49-F238E27FC236}">
-                <a16:creationId xmlns="" xmlns:a16="http://schemas.microsoft.com/office/drawing/2014/main" id="{AA479761-6A8D-47B8-80F4-5EDE1BDCF9A6}"/>
+                <a16:creationId xmlns:a16="http://schemas.microsoft.com/office/drawing/2014/main" id="{AA479761-6A8D-47B8-80F4-5EDE1BDCF9A6}"/>
               </a:ext>
             </a:extLst>
           </p:cNvPr>
@@ -4888,7 +4974,7 @@
           <p:cNvPr id="71" name="TextBox 70">
             <a:extLst>
               <a:ext uri="{FF2B5EF4-FFF2-40B4-BE49-F238E27FC236}">
-                <a16:creationId xmlns="" xmlns:a16="http://schemas.microsoft.com/office/drawing/2014/main" id="{7A6D25D8-815F-4263-A3BF-C87643F115B8}"/>
+                <a16:creationId xmlns:a16="http://schemas.microsoft.com/office/drawing/2014/main" id="{7A6D25D8-815F-4263-A3BF-C87643F115B8}"/>
               </a:ext>
             </a:extLst>
           </p:cNvPr>
@@ -4923,7 +5009,7 @@
           <p:cNvPr id="84" name="Cylinder 83">
             <a:extLst>
               <a:ext uri="{FF2B5EF4-FFF2-40B4-BE49-F238E27FC236}">
-                <a16:creationId xmlns="" xmlns:a16="http://schemas.microsoft.com/office/drawing/2014/main" id="{36DB85CD-E985-4E1A-A650-9BE4A5589591}"/>
+                <a16:creationId xmlns:a16="http://schemas.microsoft.com/office/drawing/2014/main" id="{36DB85CD-E985-4E1A-A650-9BE4A5589591}"/>
               </a:ext>
             </a:extLst>
           </p:cNvPr>
@@ -4964,10 +5050,6 @@
               <a:rPr lang="en-GB" dirty="0" err="1"/>
               <a:t>EntityA</a:t>
             </a:r>
-            <a:r>
-              <a:rPr lang="en-GB" dirty="0"/>
-              <a:t/>
-            </a:r>
             <a:br>
               <a:rPr lang="en-GB" dirty="0"/>
             </a:br>
@@ -4983,7 +5065,7 @@
           <p:cNvPr id="95" name="Straight Arrow Connector 94">
             <a:extLst>
               <a:ext uri="{FF2B5EF4-FFF2-40B4-BE49-F238E27FC236}">
-                <a16:creationId xmlns="" xmlns:a16="http://schemas.microsoft.com/office/drawing/2014/main" id="{D53C9BBB-CA95-4029-9F17-1BDB41C62A85}"/>
+                <a16:creationId xmlns:a16="http://schemas.microsoft.com/office/drawing/2014/main" id="{D53C9BBB-CA95-4029-9F17-1BDB41C62A85}"/>
               </a:ext>
             </a:extLst>
           </p:cNvPr>
@@ -5027,7 +5109,7 @@
           <p:cNvPr id="96" name="TextBox 95">
             <a:extLst>
               <a:ext uri="{FF2B5EF4-FFF2-40B4-BE49-F238E27FC236}">
-                <a16:creationId xmlns="" xmlns:a16="http://schemas.microsoft.com/office/drawing/2014/main" id="{05AA8C5C-6408-49CF-8CC6-ED931C4B37E6}"/>
+                <a16:creationId xmlns:a16="http://schemas.microsoft.com/office/drawing/2014/main" id="{05AA8C5C-6408-49CF-8CC6-ED931C4B37E6}"/>
               </a:ext>
             </a:extLst>
           </p:cNvPr>
@@ -5062,7 +5144,7 @@
           <p:cNvPr id="97" name="Rectangle: Rounded Corners 96">
             <a:extLst>
               <a:ext uri="{FF2B5EF4-FFF2-40B4-BE49-F238E27FC236}">
-                <a16:creationId xmlns="" xmlns:a16="http://schemas.microsoft.com/office/drawing/2014/main" id="{8284BFB5-C9BE-4906-845F-0AF88B410267}"/>
+                <a16:creationId xmlns:a16="http://schemas.microsoft.com/office/drawing/2014/main" id="{8284BFB5-C9BE-4906-845F-0AF88B410267}"/>
               </a:ext>
             </a:extLst>
           </p:cNvPr>
@@ -5114,7 +5196,7 @@
           <p:cNvPr id="113" name="TextBox 112">
             <a:extLst>
               <a:ext uri="{FF2B5EF4-FFF2-40B4-BE49-F238E27FC236}">
-                <a16:creationId xmlns="" xmlns:a16="http://schemas.microsoft.com/office/drawing/2014/main" id="{B6CA7A92-D695-499E-84A4-6EF95BAB25E8}"/>
+                <a16:creationId xmlns:a16="http://schemas.microsoft.com/office/drawing/2014/main" id="{B6CA7A92-D695-499E-84A4-6EF95BAB25E8}"/>
               </a:ext>
             </a:extLst>
           </p:cNvPr>
@@ -5149,7 +5231,7 @@
           <p:cNvPr id="114" name="TextBox 113">
             <a:extLst>
               <a:ext uri="{FF2B5EF4-FFF2-40B4-BE49-F238E27FC236}">
-                <a16:creationId xmlns="" xmlns:a16="http://schemas.microsoft.com/office/drawing/2014/main" id="{A17E75FE-24FD-4AAC-BC9A-AE8D141A6946}"/>
+                <a16:creationId xmlns:a16="http://schemas.microsoft.com/office/drawing/2014/main" id="{A17E75FE-24FD-4AAC-BC9A-AE8D141A6946}"/>
               </a:ext>
             </a:extLst>
           </p:cNvPr>
@@ -5184,7 +5266,7 @@
           <p:cNvPr id="124" name="Straight Arrow Connector 123">
             <a:extLst>
               <a:ext uri="{FF2B5EF4-FFF2-40B4-BE49-F238E27FC236}">
-                <a16:creationId xmlns="" xmlns:a16="http://schemas.microsoft.com/office/drawing/2014/main" id="{FDA438CD-77FB-4190-9508-CBFA25B9CFB6}"/>
+                <a16:creationId xmlns:a16="http://schemas.microsoft.com/office/drawing/2014/main" id="{FDA438CD-77FB-4190-9508-CBFA25B9CFB6}"/>
               </a:ext>
             </a:extLst>
           </p:cNvPr>
@@ -5230,7 +5312,7 @@
           <p:cNvPr id="36" name="Straight Arrow Connector 35">
             <a:extLst>
               <a:ext uri="{FF2B5EF4-FFF2-40B4-BE49-F238E27FC236}">
-                <a16:creationId xmlns="" xmlns:a16="http://schemas.microsoft.com/office/drawing/2014/main" id="{69280326-7DEA-40B5-AD62-B2D775A3CA6F}"/>
+                <a16:creationId xmlns:a16="http://schemas.microsoft.com/office/drawing/2014/main" id="{69280326-7DEA-40B5-AD62-B2D775A3CA6F}"/>
               </a:ext>
             </a:extLst>
           </p:cNvPr>
@@ -5276,7 +5358,7 @@
           <p:cNvPr id="41" name="Rectangle 40">
             <a:extLst>
               <a:ext uri="{FF2B5EF4-FFF2-40B4-BE49-F238E27FC236}">
-                <a16:creationId xmlns="" xmlns:a16="http://schemas.microsoft.com/office/drawing/2014/main" id="{2AC73225-60EB-4429-84B1-244E1F91AB46}"/>
+                <a16:creationId xmlns:a16="http://schemas.microsoft.com/office/drawing/2014/main" id="{2AC73225-60EB-4429-84B1-244E1F91AB46}"/>
               </a:ext>
             </a:extLst>
           </p:cNvPr>
@@ -5330,7 +5412,7 @@
           <p:cNvPr id="43" name="Straight Arrow Connector 42">
             <a:extLst>
               <a:ext uri="{FF2B5EF4-FFF2-40B4-BE49-F238E27FC236}">
-                <a16:creationId xmlns="" xmlns:a16="http://schemas.microsoft.com/office/drawing/2014/main" id="{69280326-7DEA-40B5-AD62-B2D775A3CA6F}"/>
+                <a16:creationId xmlns:a16="http://schemas.microsoft.com/office/drawing/2014/main" id="{69280326-7DEA-40B5-AD62-B2D775A3CA6F}"/>
               </a:ext>
             </a:extLst>
           </p:cNvPr>
@@ -5377,7 +5459,7 @@
           <p:cNvPr id="44" name="Straight Arrow Connector 43">
             <a:extLst>
               <a:ext uri="{FF2B5EF4-FFF2-40B4-BE49-F238E27FC236}">
-                <a16:creationId xmlns="" xmlns:a16="http://schemas.microsoft.com/office/drawing/2014/main" id="{69280326-7DEA-40B5-AD62-B2D775A3CA6F}"/>
+                <a16:creationId xmlns:a16="http://schemas.microsoft.com/office/drawing/2014/main" id="{69280326-7DEA-40B5-AD62-B2D775A3CA6F}"/>
               </a:ext>
             </a:extLst>
           </p:cNvPr>
@@ -5423,7 +5505,7 @@
           <p:cNvPr id="57" name="Straight Arrow Connector 56">
             <a:extLst>
               <a:ext uri="{FF2B5EF4-FFF2-40B4-BE49-F238E27FC236}">
-                <a16:creationId xmlns="" xmlns:a16="http://schemas.microsoft.com/office/drawing/2014/main" id="{69280326-7DEA-40B5-AD62-B2D775A3CA6F}"/>
+                <a16:creationId xmlns:a16="http://schemas.microsoft.com/office/drawing/2014/main" id="{69280326-7DEA-40B5-AD62-B2D775A3CA6F}"/>
               </a:ext>
             </a:extLst>
           </p:cNvPr>
@@ -5469,7 +5551,7 @@
           <p:cNvPr id="53" name="Straight Arrow Connector 52">
             <a:extLst>
               <a:ext uri="{FF2B5EF4-FFF2-40B4-BE49-F238E27FC236}">
-                <a16:creationId xmlns="" xmlns:a16="http://schemas.microsoft.com/office/drawing/2014/main" id="{69280326-7DEA-40B5-AD62-B2D775A3CA6F}"/>
+                <a16:creationId xmlns:a16="http://schemas.microsoft.com/office/drawing/2014/main" id="{69280326-7DEA-40B5-AD62-B2D775A3CA6F}"/>
               </a:ext>
             </a:extLst>
           </p:cNvPr>
@@ -5516,7 +5598,7 @@
           <p:cNvPr id="48" name="Rectangle 47">
             <a:extLst>
               <a:ext uri="{FF2B5EF4-FFF2-40B4-BE49-F238E27FC236}">
-                <a16:creationId xmlns="" xmlns:a16="http://schemas.microsoft.com/office/drawing/2014/main" id="{2AC73225-60EB-4429-84B1-244E1F91AB46}"/>
+                <a16:creationId xmlns:a16="http://schemas.microsoft.com/office/drawing/2014/main" id="{2AC73225-60EB-4429-84B1-244E1F91AB46}"/>
               </a:ext>
             </a:extLst>
           </p:cNvPr>
@@ -5579,7 +5661,7 @@
           <p:cNvPr id="49" name="Cylinder 83">
             <a:extLst>
               <a:ext uri="{FF2B5EF4-FFF2-40B4-BE49-F238E27FC236}">
-                <a16:creationId xmlns="" xmlns:a16="http://schemas.microsoft.com/office/drawing/2014/main" id="{36DB85CD-E985-4E1A-A650-9BE4A5589591}"/>
+                <a16:creationId xmlns:a16="http://schemas.microsoft.com/office/drawing/2014/main" id="{36DB85CD-E985-4E1A-A650-9BE4A5589591}"/>
               </a:ext>
             </a:extLst>
           </p:cNvPr>
@@ -5620,10 +5702,6 @@
               <a:rPr lang="en-GB" dirty="0" err="1"/>
               <a:t>EntityB</a:t>
             </a:r>
-            <a:r>
-              <a:rPr lang="en-GB" dirty="0"/>
-              <a:t/>
-            </a:r>
             <a:br>
               <a:rPr lang="en-GB" dirty="0"/>
             </a:br>
@@ -5639,7 +5717,7 @@
           <p:cNvPr id="50" name="Rectangle: Rounded Corners 96">
             <a:extLst>
               <a:ext uri="{FF2B5EF4-FFF2-40B4-BE49-F238E27FC236}">
-                <a16:creationId xmlns="" xmlns:a16="http://schemas.microsoft.com/office/drawing/2014/main" id="{8284BFB5-C9BE-4906-845F-0AF88B410267}"/>
+                <a16:creationId xmlns:a16="http://schemas.microsoft.com/office/drawing/2014/main" id="{8284BFB5-C9BE-4906-845F-0AF88B410267}"/>
               </a:ext>
             </a:extLst>
           </p:cNvPr>
@@ -5691,7 +5769,7 @@
           <p:cNvPr id="51" name="Straight Arrow Connector 50">
             <a:extLst>
               <a:ext uri="{FF2B5EF4-FFF2-40B4-BE49-F238E27FC236}">
-                <a16:creationId xmlns="" xmlns:a16="http://schemas.microsoft.com/office/drawing/2014/main" id="{FDA438CD-77FB-4190-9508-CBFA25B9CFB6}"/>
+                <a16:creationId xmlns:a16="http://schemas.microsoft.com/office/drawing/2014/main" id="{FDA438CD-77FB-4190-9508-CBFA25B9CFB6}"/>
               </a:ext>
             </a:extLst>
           </p:cNvPr>
@@ -5737,7 +5815,7 @@
           <p:cNvPr id="54" name="Straight Arrow Connector 53">
             <a:extLst>
               <a:ext uri="{FF2B5EF4-FFF2-40B4-BE49-F238E27FC236}">
-                <a16:creationId xmlns="" xmlns:a16="http://schemas.microsoft.com/office/drawing/2014/main" id="{69280326-7DEA-40B5-AD62-B2D775A3CA6F}"/>
+                <a16:creationId xmlns:a16="http://schemas.microsoft.com/office/drawing/2014/main" id="{69280326-7DEA-40B5-AD62-B2D775A3CA6F}"/>
               </a:ext>
             </a:extLst>
           </p:cNvPr>
@@ -5783,7 +5861,7 @@
           <p:cNvPr id="58" name="Straight Arrow Connector 57">
             <a:extLst>
               <a:ext uri="{FF2B5EF4-FFF2-40B4-BE49-F238E27FC236}">
-                <a16:creationId xmlns="" xmlns:a16="http://schemas.microsoft.com/office/drawing/2014/main" id="{69280326-7DEA-40B5-AD62-B2D775A3CA6F}"/>
+                <a16:creationId xmlns:a16="http://schemas.microsoft.com/office/drawing/2014/main" id="{69280326-7DEA-40B5-AD62-B2D775A3CA6F}"/>
               </a:ext>
             </a:extLst>
           </p:cNvPr>
@@ -5855,12 +5933,59 @@
           <a:chExt cx="0" cy="0"/>
         </a:xfrm>
       </p:grpSpPr>
+      <p:cxnSp>
+        <p:nvCxnSpPr>
+          <p:cNvPr id="13" name="Straight Arrow Connector 12">
+            <a:extLst>
+              <a:ext uri="{FF2B5EF4-FFF2-40B4-BE49-F238E27FC236}">
+                <a16:creationId xmlns:a16="http://schemas.microsoft.com/office/drawing/2014/main" id="{A929281F-6012-435C-AB62-83503E13F00B}"/>
+              </a:ext>
+            </a:extLst>
+          </p:cNvPr>
+          <p:cNvCxnSpPr>
+            <a:cxnSpLocks/>
+            <a:stCxn id="37" idx="0"/>
+            <a:endCxn id="32" idx="0"/>
+          </p:cNvCxnSpPr>
+          <p:nvPr/>
+        </p:nvCxnSpPr>
+        <p:spPr>
+          <a:xfrm flipH="1" flipV="1">
+            <a:off x="4199667" y="2555379"/>
+            <a:ext cx="8544" cy="584112"/>
+          </a:xfrm>
+          <a:prstGeom prst="straightConnector1">
+            <a:avLst/>
+          </a:prstGeom>
+          <a:ln w="25400">
+            <a:solidFill>
+              <a:schemeClr val="accent2"/>
+            </a:solidFill>
+            <a:headEnd type="triangle" w="med" len="lg"/>
+            <a:tailEnd type="triangle" w="med" len="lg"/>
+          </a:ln>
+        </p:spPr>
+        <p:style>
+          <a:lnRef idx="1">
+            <a:schemeClr val="accent1"/>
+          </a:lnRef>
+          <a:fillRef idx="0">
+            <a:schemeClr val="accent1"/>
+          </a:fillRef>
+          <a:effectRef idx="0">
+            <a:schemeClr val="accent1"/>
+          </a:effectRef>
+          <a:fontRef idx="minor">
+            <a:schemeClr val="tx1"/>
+          </a:fontRef>
+        </p:style>
+      </p:cxnSp>
       <p:sp>
         <p:nvSpPr>
           <p:cNvPr id="3" name="Rectangle 2">
             <a:extLst>
               <a:ext uri="{FF2B5EF4-FFF2-40B4-BE49-F238E27FC236}">
-                <a16:creationId xmlns="" xmlns:a16="http://schemas.microsoft.com/office/drawing/2014/main" id="{CD2420C2-A677-41E0-9E3D-C0705F0FCA2C}"/>
+                <a16:creationId xmlns:a16="http://schemas.microsoft.com/office/drawing/2014/main" id="{CD2420C2-A677-41E0-9E3D-C0705F0FCA2C}"/>
               </a:ext>
             </a:extLst>
           </p:cNvPr>
@@ -5913,23 +6038,27 @@
           <p:cNvPr id="99" name="Connector: Elbow 98">
             <a:extLst>
               <a:ext uri="{FF2B5EF4-FFF2-40B4-BE49-F238E27FC236}">
-                <a16:creationId xmlns="" xmlns:a16="http://schemas.microsoft.com/office/drawing/2014/main" id="{EF261D71-F147-4FF6-8736-D33039C0824C}"/>
+                <a16:creationId xmlns:a16="http://schemas.microsoft.com/office/drawing/2014/main" id="{EF261D71-F147-4FF6-8736-D33039C0824C}"/>
               </a:ext>
             </a:extLst>
           </p:cNvPr>
           <p:cNvCxnSpPr>
             <a:cxnSpLocks/>
             <a:stCxn id="28" idx="2"/>
+            <a:endCxn id="94" idx="1"/>
           </p:cNvCxnSpPr>
           <p:nvPr/>
         </p:nvCxnSpPr>
         <p:spPr>
-          <a:xfrm rot="16200000" flipH="1">
-            <a:off x="6622186" y="895133"/>
-            <a:ext cx="366372" cy="10033789"/>
-          </a:xfrm>
-          <a:prstGeom prst="bentConnector2">
-            <a:avLst/>
+          <a:xfrm rot="5400000" flipH="1" flipV="1">
+            <a:off x="4082445" y="1284923"/>
+            <a:ext cx="2149951" cy="6737887"/>
+          </a:xfrm>
+          <a:prstGeom prst="curvedConnector4">
+            <a:avLst>
+              <a:gd name="adj1" fmla="val -20191"/>
+              <a:gd name="adj2" fmla="val 59503"/>
+            </a:avLst>
           </a:prstGeom>
           <a:ln w="25400">
             <a:solidFill>
@@ -5961,7 +6090,7 @@
           <p:cNvPr id="120" name="Straight Arrow Connector 119">
             <a:extLst>
               <a:ext uri="{FF2B5EF4-FFF2-40B4-BE49-F238E27FC236}">
-                <a16:creationId xmlns="" xmlns:a16="http://schemas.microsoft.com/office/drawing/2014/main" id="{2569D05B-4079-4433-B239-6A42D6B30F1F}"/>
+                <a16:creationId xmlns:a16="http://schemas.microsoft.com/office/drawing/2014/main" id="{2569D05B-4079-4433-B239-6A42D6B30F1F}"/>
               </a:ext>
             </a:extLst>
           </p:cNvPr>
@@ -6011,7 +6140,7 @@
           <p:cNvPr id="84" name="Straight Arrow Connector 83">
             <a:extLst>
               <a:ext uri="{FF2B5EF4-FFF2-40B4-BE49-F238E27FC236}">
-                <a16:creationId xmlns="" xmlns:a16="http://schemas.microsoft.com/office/drawing/2014/main" id="{F9285FA3-4B4A-4D00-8853-650AFF3DD34C}"/>
+                <a16:creationId xmlns:a16="http://schemas.microsoft.com/office/drawing/2014/main" id="{F9285FA3-4B4A-4D00-8853-650AFF3DD34C}"/>
               </a:ext>
             </a:extLst>
           </p:cNvPr>
@@ -6061,7 +6190,7 @@
           <p:cNvPr id="4" name="TextBox 3">
             <a:extLst>
               <a:ext uri="{FF2B5EF4-FFF2-40B4-BE49-F238E27FC236}">
-                <a16:creationId xmlns="" xmlns:a16="http://schemas.microsoft.com/office/drawing/2014/main" id="{DB51A1F4-B9DD-403A-9B95-FD708E5E212A}"/>
+                <a16:creationId xmlns:a16="http://schemas.microsoft.com/office/drawing/2014/main" id="{DB51A1F4-B9DD-403A-9B95-FD708E5E212A}"/>
               </a:ext>
             </a:extLst>
           </p:cNvPr>
@@ -6096,7 +6225,7 @@
           <p:cNvPr id="6" name="TextBox 5">
             <a:extLst>
               <a:ext uri="{FF2B5EF4-FFF2-40B4-BE49-F238E27FC236}">
-                <a16:creationId xmlns="" xmlns:a16="http://schemas.microsoft.com/office/drawing/2014/main" id="{5BBDAD27-2245-4FD3-BCFA-D74BD7AD99D3}"/>
+                <a16:creationId xmlns:a16="http://schemas.microsoft.com/office/drawing/2014/main" id="{5BBDAD27-2245-4FD3-BCFA-D74BD7AD99D3}"/>
               </a:ext>
             </a:extLst>
           </p:cNvPr>
@@ -6105,7 +6234,7 @@
         </p:nvSpPr>
         <p:spPr>
           <a:xfrm>
-            <a:off x="9292924" y="6172499"/>
+            <a:off x="9303198" y="6172858"/>
             <a:ext cx="631904" cy="369332"/>
           </a:xfrm>
           <a:prstGeom prst="rect">
@@ -6136,7 +6265,7 @@
           <p:cNvPr id="2" name="Rectangle 1">
             <a:extLst>
               <a:ext uri="{FF2B5EF4-FFF2-40B4-BE49-F238E27FC236}">
-                <a16:creationId xmlns="" xmlns:a16="http://schemas.microsoft.com/office/drawing/2014/main" id="{8DD9208E-74E3-40A9-88A5-1C46FF66F09E}"/>
+                <a16:creationId xmlns:a16="http://schemas.microsoft.com/office/drawing/2014/main" id="{8DD9208E-74E3-40A9-88A5-1C46FF66F09E}"/>
               </a:ext>
             </a:extLst>
           </p:cNvPr>
@@ -6186,7 +6315,7 @@
           <p:cNvPr id="7" name="Rectangle 6">
             <a:extLst>
               <a:ext uri="{FF2B5EF4-FFF2-40B4-BE49-F238E27FC236}">
-                <a16:creationId xmlns="" xmlns:a16="http://schemas.microsoft.com/office/drawing/2014/main" id="{CC4CCEFF-67D8-4855-A963-956D08D81B54}"/>
+                <a16:creationId xmlns:a16="http://schemas.microsoft.com/office/drawing/2014/main" id="{CC4CCEFF-67D8-4855-A963-956D08D81B54}"/>
               </a:ext>
             </a:extLst>
           </p:cNvPr>
@@ -6235,7 +6364,7 @@
           <p:cNvPr id="8" name="Rectangle 7">
             <a:extLst>
               <a:ext uri="{FF2B5EF4-FFF2-40B4-BE49-F238E27FC236}">
-                <a16:creationId xmlns="" xmlns:a16="http://schemas.microsoft.com/office/drawing/2014/main" id="{AB1C51F6-A4D8-4D66-89B0-054CF2DB2623}"/>
+                <a16:creationId xmlns:a16="http://schemas.microsoft.com/office/drawing/2014/main" id="{AB1C51F6-A4D8-4D66-89B0-054CF2DB2623}"/>
               </a:ext>
             </a:extLst>
           </p:cNvPr>
@@ -6284,7 +6413,7 @@
           <p:cNvPr id="10" name="Group 9">
             <a:extLst>
               <a:ext uri="{FF2B5EF4-FFF2-40B4-BE49-F238E27FC236}">
-                <a16:creationId xmlns="" xmlns:a16="http://schemas.microsoft.com/office/drawing/2014/main" id="{E461C52C-288E-4079-B43D-D1C0BAD32C53}"/>
+                <a16:creationId xmlns:a16="http://schemas.microsoft.com/office/drawing/2014/main" id="{E461C52C-288E-4079-B43D-D1C0BAD32C53}"/>
               </a:ext>
             </a:extLst>
           </p:cNvPr>
@@ -6304,7 +6433,7 @@
             <p:cNvPr id="1030" name="Picture 6" descr="Image result for server">
               <a:extLst>
                 <a:ext uri="{FF2B5EF4-FFF2-40B4-BE49-F238E27FC236}">
-                  <a16:creationId xmlns="" xmlns:a16="http://schemas.microsoft.com/office/drawing/2014/main" id="{58862C7F-AE97-438E-A1F2-06DF87310E04}"/>
+                  <a16:creationId xmlns:a16="http://schemas.microsoft.com/office/drawing/2014/main" id="{58862C7F-AE97-438E-A1F2-06DF87310E04}"/>
                 </a:ext>
               </a:extLst>
             </p:cNvPr>
@@ -6351,7 +6480,7 @@
             <p:cNvPr id="9" name="TextBox 8">
               <a:extLst>
                 <a:ext uri="{FF2B5EF4-FFF2-40B4-BE49-F238E27FC236}">
-                  <a16:creationId xmlns="" xmlns:a16="http://schemas.microsoft.com/office/drawing/2014/main" id="{0238B00A-27CB-4A1C-8CF5-2FD2CB9910EE}"/>
+                  <a16:creationId xmlns:a16="http://schemas.microsoft.com/office/drawing/2014/main" id="{0238B00A-27CB-4A1C-8CF5-2FD2CB9910EE}"/>
                 </a:ext>
               </a:extLst>
             </p:cNvPr>
@@ -6387,7 +6516,7 @@
           <p:cNvPr id="14" name="Group 13">
             <a:extLst>
               <a:ext uri="{FF2B5EF4-FFF2-40B4-BE49-F238E27FC236}">
-                <a16:creationId xmlns="" xmlns:a16="http://schemas.microsoft.com/office/drawing/2014/main" id="{2785CDD3-4488-4AF0-A43C-7744FCB2DB1C}"/>
+                <a16:creationId xmlns:a16="http://schemas.microsoft.com/office/drawing/2014/main" id="{2785CDD3-4488-4AF0-A43C-7744FCB2DB1C}"/>
               </a:ext>
             </a:extLst>
           </p:cNvPr>
@@ -6407,7 +6536,7 @@
             <p:cNvPr id="15" name="Picture 6" descr="Image result for server">
               <a:extLst>
                 <a:ext uri="{FF2B5EF4-FFF2-40B4-BE49-F238E27FC236}">
-                  <a16:creationId xmlns="" xmlns:a16="http://schemas.microsoft.com/office/drawing/2014/main" id="{7E9F840B-4001-4B66-A67F-6646A5BB4359}"/>
+                  <a16:creationId xmlns:a16="http://schemas.microsoft.com/office/drawing/2014/main" id="{7E9F840B-4001-4B66-A67F-6646A5BB4359}"/>
                 </a:ext>
               </a:extLst>
             </p:cNvPr>
@@ -6454,7 +6583,7 @@
             <p:cNvPr id="16" name="TextBox 15">
               <a:extLst>
                 <a:ext uri="{FF2B5EF4-FFF2-40B4-BE49-F238E27FC236}">
-                  <a16:creationId xmlns="" xmlns:a16="http://schemas.microsoft.com/office/drawing/2014/main" id="{98D7B7C4-F7FB-4D5E-8975-1AF15FCEFDC1}"/>
+                  <a16:creationId xmlns:a16="http://schemas.microsoft.com/office/drawing/2014/main" id="{98D7B7C4-F7FB-4D5E-8975-1AF15FCEFDC1}"/>
                 </a:ext>
               </a:extLst>
             </p:cNvPr>
@@ -6490,7 +6619,7 @@
           <p:cNvPr id="11" name="Rectangle 10">
             <a:extLst>
               <a:ext uri="{FF2B5EF4-FFF2-40B4-BE49-F238E27FC236}">
-                <a16:creationId xmlns="" xmlns:a16="http://schemas.microsoft.com/office/drawing/2014/main" id="{18B13194-B06A-4989-8D8B-3E6680DB67F2}"/>
+                <a16:creationId xmlns:a16="http://schemas.microsoft.com/office/drawing/2014/main" id="{18B13194-B06A-4989-8D8B-3E6680DB67F2}"/>
               </a:ext>
             </a:extLst>
           </p:cNvPr>
@@ -6549,7 +6678,7 @@
           <p:cNvPr id="21" name="Group 20">
             <a:extLst>
               <a:ext uri="{FF2B5EF4-FFF2-40B4-BE49-F238E27FC236}">
-                <a16:creationId xmlns="" xmlns:a16="http://schemas.microsoft.com/office/drawing/2014/main" id="{B6536524-82B7-403C-ACEC-D1A17DF74ED0}"/>
+                <a16:creationId xmlns:a16="http://schemas.microsoft.com/office/drawing/2014/main" id="{B6536524-82B7-403C-ACEC-D1A17DF74ED0}"/>
               </a:ext>
             </a:extLst>
           </p:cNvPr>
@@ -6569,7 +6698,7 @@
             <p:cNvPr id="22" name="Picture 6" descr="Image result for server">
               <a:extLst>
                 <a:ext uri="{FF2B5EF4-FFF2-40B4-BE49-F238E27FC236}">
-                  <a16:creationId xmlns="" xmlns:a16="http://schemas.microsoft.com/office/drawing/2014/main" id="{E6261F2F-4697-4CB9-AEB5-38A74461B4B0}"/>
+                  <a16:creationId xmlns:a16="http://schemas.microsoft.com/office/drawing/2014/main" id="{E6261F2F-4697-4CB9-AEB5-38A74461B4B0}"/>
                 </a:ext>
               </a:extLst>
             </p:cNvPr>
@@ -6616,7 +6745,7 @@
             <p:cNvPr id="23" name="TextBox 22">
               <a:extLst>
                 <a:ext uri="{FF2B5EF4-FFF2-40B4-BE49-F238E27FC236}">
-                  <a16:creationId xmlns="" xmlns:a16="http://schemas.microsoft.com/office/drawing/2014/main" id="{E718CF1A-7713-4AD4-83F0-1C036DF2189D}"/>
+                  <a16:creationId xmlns:a16="http://schemas.microsoft.com/office/drawing/2014/main" id="{E718CF1A-7713-4AD4-83F0-1C036DF2189D}"/>
                 </a:ext>
               </a:extLst>
             </p:cNvPr>
@@ -6653,7 +6782,7 @@
           <p:cNvPr id="27" name="Group 26">
             <a:extLst>
               <a:ext uri="{FF2B5EF4-FFF2-40B4-BE49-F238E27FC236}">
-                <a16:creationId xmlns="" xmlns:a16="http://schemas.microsoft.com/office/drawing/2014/main" id="{119E280D-1776-477E-9AAF-336202611CAE}"/>
+                <a16:creationId xmlns:a16="http://schemas.microsoft.com/office/drawing/2014/main" id="{119E280D-1776-477E-9AAF-336202611CAE}"/>
               </a:ext>
             </a:extLst>
           </p:cNvPr>
@@ -6673,7 +6802,7 @@
             <p:cNvPr id="28" name="Picture 6" descr="Image result for server">
               <a:extLst>
                 <a:ext uri="{FF2B5EF4-FFF2-40B4-BE49-F238E27FC236}">
-                  <a16:creationId xmlns="" xmlns:a16="http://schemas.microsoft.com/office/drawing/2014/main" id="{9CF5F568-5B56-4B80-93A6-4C4F443D7874}"/>
+                  <a16:creationId xmlns:a16="http://schemas.microsoft.com/office/drawing/2014/main" id="{9CF5F568-5B56-4B80-93A6-4C4F443D7874}"/>
                 </a:ext>
               </a:extLst>
             </p:cNvPr>
@@ -6720,7 +6849,7 @@
             <p:cNvPr id="29" name="TextBox 28">
               <a:extLst>
                 <a:ext uri="{FF2B5EF4-FFF2-40B4-BE49-F238E27FC236}">
-                  <a16:creationId xmlns="" xmlns:a16="http://schemas.microsoft.com/office/drawing/2014/main" id="{D7D15409-5A57-4AE9-BF73-F7C4DAA1C376}"/>
+                  <a16:creationId xmlns:a16="http://schemas.microsoft.com/office/drawing/2014/main" id="{D7D15409-5A57-4AE9-BF73-F7C4DAA1C376}"/>
                 </a:ext>
               </a:extLst>
             </p:cNvPr>
@@ -6757,7 +6886,7 @@
           <p:cNvPr id="30" name="Group 29">
             <a:extLst>
               <a:ext uri="{FF2B5EF4-FFF2-40B4-BE49-F238E27FC236}">
-                <a16:creationId xmlns="" xmlns:a16="http://schemas.microsoft.com/office/drawing/2014/main" id="{FF4C4234-6956-4F64-B733-E3D134F597C2}"/>
+                <a16:creationId xmlns:a16="http://schemas.microsoft.com/office/drawing/2014/main" id="{FF4C4234-6956-4F64-B733-E3D134F597C2}"/>
               </a:ext>
             </a:extLst>
           </p:cNvPr>
@@ -6777,7 +6906,7 @@
             <p:cNvPr id="31" name="Picture 6" descr="Image result for server">
               <a:extLst>
                 <a:ext uri="{FF2B5EF4-FFF2-40B4-BE49-F238E27FC236}">
-                  <a16:creationId xmlns="" xmlns:a16="http://schemas.microsoft.com/office/drawing/2014/main" id="{C890814E-33C5-4798-A613-A2D130A94C8F}"/>
+                  <a16:creationId xmlns:a16="http://schemas.microsoft.com/office/drawing/2014/main" id="{C890814E-33C5-4798-A613-A2D130A94C8F}"/>
                 </a:ext>
               </a:extLst>
             </p:cNvPr>
@@ -6824,7 +6953,7 @@
             <p:cNvPr id="32" name="TextBox 31">
               <a:extLst>
                 <a:ext uri="{FF2B5EF4-FFF2-40B4-BE49-F238E27FC236}">
-                  <a16:creationId xmlns="" xmlns:a16="http://schemas.microsoft.com/office/drawing/2014/main" id="{09CC0534-A58E-4296-BCDD-FBA72E432A80}"/>
+                  <a16:creationId xmlns:a16="http://schemas.microsoft.com/office/drawing/2014/main" id="{09CC0534-A58E-4296-BCDD-FBA72E432A80}"/>
                 </a:ext>
               </a:extLst>
             </p:cNvPr>
@@ -6860,7 +6989,7 @@
           <p:cNvPr id="33" name="Group 32">
             <a:extLst>
               <a:ext uri="{FF2B5EF4-FFF2-40B4-BE49-F238E27FC236}">
-                <a16:creationId xmlns="" xmlns:a16="http://schemas.microsoft.com/office/drawing/2014/main" id="{35BE4738-354F-4AC9-A654-5F178DD0CF86}"/>
+                <a16:creationId xmlns:a16="http://schemas.microsoft.com/office/drawing/2014/main" id="{35BE4738-354F-4AC9-A654-5F178DD0CF86}"/>
               </a:ext>
             </a:extLst>
           </p:cNvPr>
@@ -6880,7 +7009,7 @@
             <p:cNvPr id="34" name="Picture 6" descr="Image result for server">
               <a:extLst>
                 <a:ext uri="{FF2B5EF4-FFF2-40B4-BE49-F238E27FC236}">
-                  <a16:creationId xmlns="" xmlns:a16="http://schemas.microsoft.com/office/drawing/2014/main" id="{B7272D5C-C10B-473E-A461-9A6085DBF393}"/>
+                  <a16:creationId xmlns:a16="http://schemas.microsoft.com/office/drawing/2014/main" id="{B7272D5C-C10B-473E-A461-9A6085DBF393}"/>
                 </a:ext>
               </a:extLst>
             </p:cNvPr>
@@ -6927,7 +7056,7 @@
             <p:cNvPr id="35" name="TextBox 34">
               <a:extLst>
                 <a:ext uri="{FF2B5EF4-FFF2-40B4-BE49-F238E27FC236}">
-                  <a16:creationId xmlns="" xmlns:a16="http://schemas.microsoft.com/office/drawing/2014/main" id="{E2C151C4-B7F7-44B1-AB16-F8651637757E}"/>
+                  <a16:creationId xmlns:a16="http://schemas.microsoft.com/office/drawing/2014/main" id="{E2C151C4-B7F7-44B1-AB16-F8651637757E}"/>
                 </a:ext>
               </a:extLst>
             </p:cNvPr>
@@ -6963,7 +7092,7 @@
           <p:cNvPr id="37" name="Picture 6" descr="Image result for server">
             <a:extLst>
               <a:ext uri="{FF2B5EF4-FFF2-40B4-BE49-F238E27FC236}">
-                <a16:creationId xmlns="" xmlns:a16="http://schemas.microsoft.com/office/drawing/2014/main" id="{35DFAFBD-BDB0-4D6E-A31B-11A725008A16}"/>
+                <a16:creationId xmlns:a16="http://schemas.microsoft.com/office/drawing/2014/main" id="{35DFAFBD-BDB0-4D6E-A31B-11A725008A16}"/>
               </a:ext>
             </a:extLst>
           </p:cNvPr>
@@ -6987,7 +7116,7 @@
         </p:blipFill>
         <p:spPr bwMode="auto">
           <a:xfrm>
-            <a:off x="5355765" y="3160315"/>
+            <a:off x="3924545" y="3139491"/>
             <a:ext cx="567331" cy="828616"/>
           </a:xfrm>
           <a:prstGeom prst="rect">
@@ -7010,7 +7139,7 @@
           <p:cNvPr id="38" name="TextBox 37">
             <a:extLst>
               <a:ext uri="{FF2B5EF4-FFF2-40B4-BE49-F238E27FC236}">
-                <a16:creationId xmlns="" xmlns:a16="http://schemas.microsoft.com/office/drawing/2014/main" id="{01E32F81-D701-4229-9A5D-9365C8876E1F}"/>
+                <a16:creationId xmlns:a16="http://schemas.microsoft.com/office/drawing/2014/main" id="{01E32F81-D701-4229-9A5D-9365C8876E1F}"/>
               </a:ext>
             </a:extLst>
           </p:cNvPr>
@@ -7018,8 +7147,8 @@
           <p:nvPr/>
         </p:nvSpPr>
         <p:spPr>
-          <a:xfrm rot="5400000">
-            <a:off x="5402312" y="3514515"/>
+          <a:xfrm rot="16200000">
+            <a:off x="3346343" y="3463473"/>
             <a:ext cx="918654" cy="246221"/>
           </a:xfrm>
           <a:prstGeom prst="rect">
@@ -7043,24 +7172,24 @@
       </p:sp>
       <p:cxnSp>
         <p:nvCxnSpPr>
-          <p:cNvPr id="13" name="Straight Arrow Connector 12">
-            <a:extLst>
-              <a:ext uri="{FF2B5EF4-FFF2-40B4-BE49-F238E27FC236}">
-                <a16:creationId xmlns="" xmlns:a16="http://schemas.microsoft.com/office/drawing/2014/main" id="{A929281F-6012-435C-AB62-83503E13F00B}"/>
+          <p:cNvPr id="41" name="Straight Arrow Connector 40">
+            <a:extLst>
+              <a:ext uri="{FF2B5EF4-FFF2-40B4-BE49-F238E27FC236}">
+                <a16:creationId xmlns:a16="http://schemas.microsoft.com/office/drawing/2014/main" id="{FA2D1032-8CBD-45E2-9A83-E74C24725428}"/>
               </a:ext>
             </a:extLst>
           </p:cNvPr>
           <p:cNvCxnSpPr>
             <a:cxnSpLocks/>
-            <a:stCxn id="37" idx="1"/>
-            <a:endCxn id="31" idx="3"/>
+            <a:stCxn id="37" idx="2"/>
+            <a:endCxn id="34" idx="0"/>
           </p:cNvCxnSpPr>
           <p:nvPr/>
         </p:nvCxnSpPr>
         <p:spPr>
-          <a:xfrm flipH="1" flipV="1">
-            <a:off x="4608464" y="1944120"/>
-            <a:ext cx="747301" cy="1630503"/>
+          <a:xfrm flipH="1">
+            <a:off x="4195888" y="3968107"/>
+            <a:ext cx="12323" cy="528696"/>
           </a:xfrm>
           <a:prstGeom prst="straightConnector1">
             <a:avLst/>
@@ -7068,100 +7197,6 @@
           <a:ln w="25400">
             <a:solidFill>
               <a:schemeClr val="accent2"/>
-            </a:solidFill>
-            <a:headEnd type="triangle" w="med" len="lg"/>
-            <a:tailEnd type="triangle" w="med" len="lg"/>
-          </a:ln>
-        </p:spPr>
-        <p:style>
-          <a:lnRef idx="1">
-            <a:schemeClr val="accent1"/>
-          </a:lnRef>
-          <a:fillRef idx="0">
-            <a:schemeClr val="accent1"/>
-          </a:fillRef>
-          <a:effectRef idx="0">
-            <a:schemeClr val="accent1"/>
-          </a:effectRef>
-          <a:fontRef idx="minor">
-            <a:schemeClr val="tx1"/>
-          </a:fontRef>
-        </p:style>
-      </p:cxnSp>
-      <p:cxnSp>
-        <p:nvCxnSpPr>
-          <p:cNvPr id="41" name="Straight Arrow Connector 40">
-            <a:extLst>
-              <a:ext uri="{FF2B5EF4-FFF2-40B4-BE49-F238E27FC236}">
-                <a16:creationId xmlns="" xmlns:a16="http://schemas.microsoft.com/office/drawing/2014/main" id="{FA2D1032-8CBD-45E2-9A83-E74C24725428}"/>
-              </a:ext>
-            </a:extLst>
-          </p:cNvPr>
-          <p:cNvCxnSpPr>
-            <a:cxnSpLocks/>
-            <a:stCxn id="37" idx="1"/>
-            <a:endCxn id="34" idx="3"/>
-          </p:cNvCxnSpPr>
-          <p:nvPr/>
-        </p:nvCxnSpPr>
-        <p:spPr>
-          <a:xfrm flipH="1">
-            <a:off x="4592951" y="3574623"/>
-            <a:ext cx="762814" cy="1537628"/>
-          </a:xfrm>
-          <a:prstGeom prst="straightConnector1">
-            <a:avLst/>
-          </a:prstGeom>
-          <a:ln w="25400">
-            <a:solidFill>
-              <a:schemeClr val="accent2"/>
-            </a:solidFill>
-            <a:headEnd type="triangle" w="med" len="lg"/>
-            <a:tailEnd type="triangle" w="med" len="lg"/>
-          </a:ln>
-        </p:spPr>
-        <p:style>
-          <a:lnRef idx="1">
-            <a:schemeClr val="accent1"/>
-          </a:lnRef>
-          <a:fillRef idx="0">
-            <a:schemeClr val="accent1"/>
-          </a:fillRef>
-          <a:effectRef idx="0">
-            <a:schemeClr val="accent1"/>
-          </a:effectRef>
-          <a:fontRef idx="minor">
-            <a:schemeClr val="tx1"/>
-          </a:fontRef>
-        </p:style>
-      </p:cxnSp>
-      <p:cxnSp>
-        <p:nvCxnSpPr>
-          <p:cNvPr id="44" name="Straight Arrow Connector 43">
-            <a:extLst>
-              <a:ext uri="{FF2B5EF4-FFF2-40B4-BE49-F238E27FC236}">
-                <a16:creationId xmlns="" xmlns:a16="http://schemas.microsoft.com/office/drawing/2014/main" id="{8D23AEAF-DAA9-48A7-8898-93AD869D898B}"/>
-              </a:ext>
-            </a:extLst>
-          </p:cNvPr>
-          <p:cNvCxnSpPr>
-            <a:cxnSpLocks/>
-            <a:stCxn id="34" idx="0"/>
-            <a:endCxn id="32" idx="2"/>
-          </p:cNvCxnSpPr>
-          <p:nvPr/>
-        </p:nvCxnSpPr>
-        <p:spPr>
-          <a:xfrm flipV="1">
-            <a:off x="4195888" y="2832378"/>
-            <a:ext cx="3779" cy="1664425"/>
-          </a:xfrm>
-          <a:prstGeom prst="straightConnector1">
-            <a:avLst/>
-          </a:prstGeom>
-          <a:ln w="25400">
-            <a:solidFill>
-              <a:srgbClr val="7030A0"/>
             </a:solidFill>
             <a:headEnd type="triangle" w="med" len="lg"/>
             <a:tailEnd type="triangle" w="med" len="lg"/>
@@ -7187,7 +7222,7 @@
           <p:cNvPr id="49" name="Straight Arrow Connector 48">
             <a:extLst>
               <a:ext uri="{FF2B5EF4-FFF2-40B4-BE49-F238E27FC236}">
-                <a16:creationId xmlns="" xmlns:a16="http://schemas.microsoft.com/office/drawing/2014/main" id="{A68A3E70-BE8D-4A90-A5CD-18F952AD5A29}"/>
+                <a16:creationId xmlns:a16="http://schemas.microsoft.com/office/drawing/2014/main" id="{A68A3E70-BE8D-4A90-A5CD-18F952AD5A29}"/>
               </a:ext>
             </a:extLst>
           </p:cNvPr>
@@ -7231,7 +7266,7 @@
           <p:cNvPr id="52" name="Straight Arrow Connector 51">
             <a:extLst>
               <a:ext uri="{FF2B5EF4-FFF2-40B4-BE49-F238E27FC236}">
-                <a16:creationId xmlns="" xmlns:a16="http://schemas.microsoft.com/office/drawing/2014/main" id="{20736254-81DD-415B-8F2F-65F46F13F7F9}"/>
+                <a16:creationId xmlns:a16="http://schemas.microsoft.com/office/drawing/2014/main" id="{20736254-81DD-415B-8F2F-65F46F13F7F9}"/>
               </a:ext>
             </a:extLst>
           </p:cNvPr>
@@ -7275,7 +7310,7 @@
           <p:cNvPr id="74" name="Straight Arrow Connector 73">
             <a:extLst>
               <a:ext uri="{FF2B5EF4-FFF2-40B4-BE49-F238E27FC236}">
-                <a16:creationId xmlns="" xmlns:a16="http://schemas.microsoft.com/office/drawing/2014/main" id="{02DE6C87-439D-4E2B-BA55-610CE3949BCC}"/>
+                <a16:creationId xmlns:a16="http://schemas.microsoft.com/office/drawing/2014/main" id="{02DE6C87-439D-4E2B-BA55-610CE3949BCC}"/>
               </a:ext>
             </a:extLst>
           </p:cNvPr>
@@ -7321,7 +7356,7 @@
           <p:cNvPr id="82" name="Straight Arrow Connector 81">
             <a:extLst>
               <a:ext uri="{FF2B5EF4-FFF2-40B4-BE49-F238E27FC236}">
-                <a16:creationId xmlns="" xmlns:a16="http://schemas.microsoft.com/office/drawing/2014/main" id="{476842E9-0C9C-460B-8E54-017A143A8C65}"/>
+                <a16:creationId xmlns:a16="http://schemas.microsoft.com/office/drawing/2014/main" id="{476842E9-0C9C-460B-8E54-017A143A8C65}"/>
               </a:ext>
             </a:extLst>
           </p:cNvPr>
@@ -7371,7 +7406,7 @@
           <p:cNvPr id="87" name="Straight Arrow Connector 86">
             <a:extLst>
               <a:ext uri="{FF2B5EF4-FFF2-40B4-BE49-F238E27FC236}">
-                <a16:creationId xmlns="" xmlns:a16="http://schemas.microsoft.com/office/drawing/2014/main" id="{9F45EC6F-7B18-49C4-8CEA-DBEA9377B575}"/>
+                <a16:creationId xmlns:a16="http://schemas.microsoft.com/office/drawing/2014/main" id="{9F45EC6F-7B18-49C4-8CEA-DBEA9377B575}"/>
               </a:ext>
             </a:extLst>
           </p:cNvPr>
@@ -7417,7 +7452,7 @@
           <p:cNvPr id="90" name="Straight Arrow Connector 89">
             <a:extLst>
               <a:ext uri="{FF2B5EF4-FFF2-40B4-BE49-F238E27FC236}">
-                <a16:creationId xmlns="" xmlns:a16="http://schemas.microsoft.com/office/drawing/2014/main" id="{5C94A01A-6A9A-43EC-A6E9-8425DB99A8C9}"/>
+                <a16:creationId xmlns:a16="http://schemas.microsoft.com/office/drawing/2014/main" id="{5C94A01A-6A9A-43EC-A6E9-8425DB99A8C9}"/>
               </a:ext>
             </a:extLst>
           </p:cNvPr>
@@ -7463,7 +7498,7 @@
           <p:cNvPr id="93" name="Group 92">
             <a:extLst>
               <a:ext uri="{FF2B5EF4-FFF2-40B4-BE49-F238E27FC236}">
-                <a16:creationId xmlns="" xmlns:a16="http://schemas.microsoft.com/office/drawing/2014/main" id="{34649B9B-520C-4160-906C-F9F69AB0B37B}"/>
+                <a16:creationId xmlns:a16="http://schemas.microsoft.com/office/drawing/2014/main" id="{34649B9B-520C-4160-906C-F9F69AB0B37B}"/>
               </a:ext>
             </a:extLst>
           </p:cNvPr>
@@ -7483,7 +7518,7 @@
             <p:cNvPr id="94" name="Picture 6" descr="Image result for server">
               <a:extLst>
                 <a:ext uri="{FF2B5EF4-FFF2-40B4-BE49-F238E27FC236}">
-                  <a16:creationId xmlns="" xmlns:a16="http://schemas.microsoft.com/office/drawing/2014/main" id="{3C6E4D50-5142-415D-98C5-3A34B0575826}"/>
+                  <a16:creationId xmlns:a16="http://schemas.microsoft.com/office/drawing/2014/main" id="{3C6E4D50-5142-415D-98C5-3A34B0575826}"/>
                 </a:ext>
               </a:extLst>
             </p:cNvPr>
@@ -7530,7 +7565,7 @@
             <p:cNvPr id="95" name="TextBox 94">
               <a:extLst>
                 <a:ext uri="{FF2B5EF4-FFF2-40B4-BE49-F238E27FC236}">
-                  <a16:creationId xmlns="" xmlns:a16="http://schemas.microsoft.com/office/drawing/2014/main" id="{2209F4AC-1C81-49FC-8B7C-293A3842C49C}"/>
+                  <a16:creationId xmlns:a16="http://schemas.microsoft.com/office/drawing/2014/main" id="{2209F4AC-1C81-49FC-8B7C-293A3842C49C}"/>
                 </a:ext>
               </a:extLst>
             </p:cNvPr>
@@ -7567,7 +7602,7 @@
           <p:cNvPr id="101" name="Straight Arrow Connector 100">
             <a:extLst>
               <a:ext uri="{FF2B5EF4-FFF2-40B4-BE49-F238E27FC236}">
-                <a16:creationId xmlns="" xmlns:a16="http://schemas.microsoft.com/office/drawing/2014/main" id="{A03E48E5-F882-4618-8A7B-D58C40981917}"/>
+                <a16:creationId xmlns:a16="http://schemas.microsoft.com/office/drawing/2014/main" id="{A03E48E5-F882-4618-8A7B-D58C40981917}"/>
               </a:ext>
             </a:extLst>
           </p:cNvPr>
@@ -7617,7 +7652,7 @@
           <p:cNvPr id="104" name="Straight Arrow Connector 103">
             <a:extLst>
               <a:ext uri="{FF2B5EF4-FFF2-40B4-BE49-F238E27FC236}">
-                <a16:creationId xmlns="" xmlns:a16="http://schemas.microsoft.com/office/drawing/2014/main" id="{F8A6F9B1-A49B-4C75-9B68-7587AF470570}"/>
+                <a16:creationId xmlns:a16="http://schemas.microsoft.com/office/drawing/2014/main" id="{F8A6F9B1-A49B-4C75-9B68-7587AF470570}"/>
               </a:ext>
             </a:extLst>
           </p:cNvPr>
@@ -7667,7 +7702,7 @@
           <p:cNvPr id="123" name="Straight Arrow Connector 122">
             <a:extLst>
               <a:ext uri="{FF2B5EF4-FFF2-40B4-BE49-F238E27FC236}">
-                <a16:creationId xmlns="" xmlns:a16="http://schemas.microsoft.com/office/drawing/2014/main" id="{E3FA8500-AACA-47D8-8BED-748E568B86EF}"/>
+                <a16:creationId xmlns:a16="http://schemas.microsoft.com/office/drawing/2014/main" id="{E3FA8500-AACA-47D8-8BED-748E568B86EF}"/>
               </a:ext>
             </a:extLst>
           </p:cNvPr>
@@ -7717,7 +7752,7 @@
           <p:cNvPr id="79" name="TextBox 78">
             <a:extLst>
               <a:ext uri="{FF2B5EF4-FFF2-40B4-BE49-F238E27FC236}">
-                <a16:creationId xmlns="" xmlns:a16="http://schemas.microsoft.com/office/drawing/2014/main" id="{52E5468C-FB45-4C3F-ADC1-D96CF1BA7F1A}"/>
+                <a16:creationId xmlns:a16="http://schemas.microsoft.com/office/drawing/2014/main" id="{52E5468C-FB45-4C3F-ADC1-D96CF1BA7F1A}"/>
               </a:ext>
             </a:extLst>
           </p:cNvPr>
@@ -7752,7 +7787,7 @@
           <p:cNvPr id="127" name="TextBox 126">
             <a:extLst>
               <a:ext uri="{FF2B5EF4-FFF2-40B4-BE49-F238E27FC236}">
-                <a16:creationId xmlns="" xmlns:a16="http://schemas.microsoft.com/office/drawing/2014/main" id="{400C61AB-EDF1-4830-A2C1-5B07CF67FF2C}"/>
+                <a16:creationId xmlns:a16="http://schemas.microsoft.com/office/drawing/2014/main" id="{400C61AB-EDF1-4830-A2C1-5B07CF67FF2C}"/>
               </a:ext>
             </a:extLst>
           </p:cNvPr>
@@ -7787,7 +7822,7 @@
           <p:cNvPr id="128" name="TextBox 127">
             <a:extLst>
               <a:ext uri="{FF2B5EF4-FFF2-40B4-BE49-F238E27FC236}">
-                <a16:creationId xmlns="" xmlns:a16="http://schemas.microsoft.com/office/drawing/2014/main" id="{E7028DDC-42EC-4C58-B0C1-178975C8EDD7}"/>
+                <a16:creationId xmlns:a16="http://schemas.microsoft.com/office/drawing/2014/main" id="{E7028DDC-42EC-4C58-B0C1-178975C8EDD7}"/>
               </a:ext>
             </a:extLst>
           </p:cNvPr>
@@ -7796,7 +7831,7 @@
         </p:nvSpPr>
         <p:spPr>
           <a:xfrm>
-            <a:off x="10222773" y="3244334"/>
+            <a:off x="10212499" y="3244334"/>
             <a:ext cx="1552028" cy="369332"/>
           </a:xfrm>
           <a:prstGeom prst="rect">
@@ -7822,7 +7857,7 @@
           <p:cNvPr id="80" name="Straight Arrow Connector 79">
             <a:extLst>
               <a:ext uri="{FF2B5EF4-FFF2-40B4-BE49-F238E27FC236}">
-                <a16:creationId xmlns="" xmlns:a16="http://schemas.microsoft.com/office/drawing/2014/main" id="{60EE5446-2769-4C21-81B2-59CA8B303F1A}"/>
+                <a16:creationId xmlns:a16="http://schemas.microsoft.com/office/drawing/2014/main" id="{60EE5446-2769-4C21-81B2-59CA8B303F1A}"/>
               </a:ext>
             </a:extLst>
           </p:cNvPr>
@@ -7866,7 +7901,7 @@
           <p:cNvPr id="83" name="Straight Arrow Connector 82">
             <a:extLst>
               <a:ext uri="{FF2B5EF4-FFF2-40B4-BE49-F238E27FC236}">
-                <a16:creationId xmlns="" xmlns:a16="http://schemas.microsoft.com/office/drawing/2014/main" id="{865BEB65-44A2-40B8-8C59-63084B63FB55}"/>
+                <a16:creationId xmlns:a16="http://schemas.microsoft.com/office/drawing/2014/main" id="{865BEB65-44A2-40B8-8C59-63084B63FB55}"/>
               </a:ext>
             </a:extLst>
           </p:cNvPr>
@@ -7905,28 +7940,394 @@
           </a:fontRef>
         </p:style>
       </p:cxnSp>
+      <p:sp>
+        <p:nvSpPr>
+          <p:cNvPr id="105" name="TextBox 104">
+            <a:extLst>
+              <a:ext uri="{FF2B5EF4-FFF2-40B4-BE49-F238E27FC236}">
+                <a16:creationId xmlns:a16="http://schemas.microsoft.com/office/drawing/2014/main" id="{C3CD022D-FAD3-477F-AAA8-4B22234EEEB3}"/>
+              </a:ext>
+            </a:extLst>
+          </p:cNvPr>
+          <p:cNvSpPr txBox="1"/>
+          <p:nvPr/>
+        </p:nvSpPr>
+        <p:spPr>
+          <a:xfrm>
+            <a:off x="10241324" y="3592883"/>
+            <a:ext cx="2041649" cy="307777"/>
+          </a:xfrm>
+          <a:prstGeom prst="rect">
+            <a:avLst/>
+          </a:prstGeom>
+          <a:noFill/>
+        </p:spPr>
+        <p:txBody>
+          <a:bodyPr wrap="none" rtlCol="0">
+            <a:spAutoFit/>
+          </a:bodyPr>
+          <a:lstStyle/>
+          <a:p>
+            <a:r>
+              <a:rPr lang="en-GB" sz="1400" dirty="0"/>
+              <a:t>Outbound HTTP Get/Post</a:t>
+            </a:r>
+          </a:p>
+        </p:txBody>
+      </p:sp>
+      <p:sp>
+        <p:nvSpPr>
+          <p:cNvPr id="109" name="TextBox 108">
+            <a:extLst>
+              <a:ext uri="{FF2B5EF4-FFF2-40B4-BE49-F238E27FC236}">
+                <a16:creationId xmlns:a16="http://schemas.microsoft.com/office/drawing/2014/main" id="{31C01039-9ECE-4968-96A2-1754926A296F}"/>
+              </a:ext>
+            </a:extLst>
+          </p:cNvPr>
+          <p:cNvSpPr txBox="1"/>
+          <p:nvPr/>
+        </p:nvSpPr>
+        <p:spPr>
+          <a:xfrm>
+            <a:off x="2949335" y="835851"/>
+            <a:ext cx="2041649" cy="307777"/>
+          </a:xfrm>
+          <a:prstGeom prst="rect">
+            <a:avLst/>
+          </a:prstGeom>
+          <a:noFill/>
+        </p:spPr>
+        <p:txBody>
+          <a:bodyPr wrap="none" rtlCol="0">
+            <a:spAutoFit/>
+          </a:bodyPr>
+          <a:lstStyle/>
+          <a:p>
+            <a:r>
+              <a:rPr lang="en-GB" sz="1400" dirty="0"/>
+              <a:t>Outbound HTTP Get/Post</a:t>
+            </a:r>
+          </a:p>
+        </p:txBody>
+      </p:sp>
+      <p:sp>
+        <p:nvSpPr>
+          <p:cNvPr id="65" name="TextBox 64">
+            <a:extLst>
+              <a:ext uri="{FF2B5EF4-FFF2-40B4-BE49-F238E27FC236}">
+                <a16:creationId xmlns:a16="http://schemas.microsoft.com/office/drawing/2014/main" id="{BA080AF1-91BE-4CF4-93DD-82BE913DA6BF}"/>
+              </a:ext>
+            </a:extLst>
+          </p:cNvPr>
+          <p:cNvSpPr txBox="1"/>
+          <p:nvPr/>
+        </p:nvSpPr>
+        <p:spPr>
+          <a:xfrm rot="16200000">
+            <a:off x="6532344" y="5155168"/>
+            <a:ext cx="2394886" cy="369332"/>
+          </a:xfrm>
+          <a:prstGeom prst="rect">
+            <a:avLst/>
+          </a:prstGeom>
+          <a:noFill/>
+        </p:spPr>
+        <p:txBody>
+          <a:bodyPr wrap="none" rtlCol="0">
+            <a:spAutoFit/>
+          </a:bodyPr>
+          <a:lstStyle/>
+          <a:p>
+            <a:r>
+              <a:rPr lang="en-GB" dirty="0">
+                <a:solidFill>
+                  <a:schemeClr val="bg1"/>
+                </a:solidFill>
+              </a:rPr>
+              <a:t>Firewall (outgoing only)</a:t>
+            </a:r>
+          </a:p>
+        </p:txBody>
+      </p:sp>
+      <p:sp>
+        <p:nvSpPr>
+          <p:cNvPr id="112" name="TextBox 111">
+            <a:extLst>
+              <a:ext uri="{FF2B5EF4-FFF2-40B4-BE49-F238E27FC236}">
+                <a16:creationId xmlns:a16="http://schemas.microsoft.com/office/drawing/2014/main" id="{DBAA6DD3-B599-42F5-9141-653F4BFB346F}"/>
+              </a:ext>
+            </a:extLst>
+          </p:cNvPr>
+          <p:cNvSpPr txBox="1"/>
+          <p:nvPr/>
+        </p:nvSpPr>
+        <p:spPr>
+          <a:xfrm rot="16200000">
+            <a:off x="9619637" y="5890212"/>
+            <a:ext cx="913712" cy="369332"/>
+          </a:xfrm>
+          <a:prstGeom prst="rect">
+            <a:avLst/>
+          </a:prstGeom>
+          <a:noFill/>
+        </p:spPr>
+        <p:txBody>
+          <a:bodyPr wrap="none" rtlCol="0">
+            <a:spAutoFit/>
+          </a:bodyPr>
+          <a:lstStyle/>
+          <a:p>
+            <a:r>
+              <a:rPr lang="en-GB" dirty="0">
+                <a:solidFill>
+                  <a:schemeClr val="bg1"/>
+                </a:solidFill>
+              </a:rPr>
+              <a:t>Firewall</a:t>
+            </a:r>
+          </a:p>
+        </p:txBody>
+      </p:sp>
+      <p:sp>
+        <p:nvSpPr>
+          <p:cNvPr id="57" name="Rectangle 56">
+            <a:extLst>
+              <a:ext uri="{FF2B5EF4-FFF2-40B4-BE49-F238E27FC236}">
+                <a16:creationId xmlns:a16="http://schemas.microsoft.com/office/drawing/2014/main" id="{6EA9F134-E642-493C-8C12-09ABEA8CCA65}"/>
+              </a:ext>
+            </a:extLst>
+          </p:cNvPr>
+          <p:cNvSpPr/>
+          <p:nvPr/>
+        </p:nvSpPr>
+        <p:spPr>
+          <a:xfrm>
+            <a:off x="220436" y="1289660"/>
+            <a:ext cx="9624291" cy="1536365"/>
+          </a:xfrm>
+          <a:prstGeom prst="rect">
+            <a:avLst/>
+          </a:prstGeom>
+          <a:noFill/>
+          <a:ln>
+            <a:solidFill>
+              <a:srgbClr val="00B0F0"/>
+            </a:solidFill>
+            <a:prstDash val="dash"/>
+          </a:ln>
+        </p:spPr>
+        <p:style>
+          <a:lnRef idx="2">
+            <a:schemeClr val="accent1">
+              <a:shade val="50000"/>
+            </a:schemeClr>
+          </a:lnRef>
+          <a:fillRef idx="1">
+            <a:schemeClr val="accent1"/>
+          </a:fillRef>
+          <a:effectRef idx="0">
+            <a:schemeClr val="accent1"/>
+          </a:effectRef>
+          <a:fontRef idx="minor">
+            <a:schemeClr val="lt1"/>
+          </a:fontRef>
+        </p:style>
+        <p:txBody>
+          <a:bodyPr rtlCol="0" anchor="ctr"/>
+          <a:lstStyle/>
+          <a:p>
+            <a:pPr algn="ctr"/>
+            <a:endParaRPr lang="en-GB"/>
+          </a:p>
+        </p:txBody>
+      </p:sp>
+      <p:sp>
+        <p:nvSpPr>
+          <p:cNvPr id="12" name="TextBox 11">
+            <a:extLst>
+              <a:ext uri="{FF2B5EF4-FFF2-40B4-BE49-F238E27FC236}">
+                <a16:creationId xmlns:a16="http://schemas.microsoft.com/office/drawing/2014/main" id="{3B2B3C9B-0EBD-4437-B9CC-EB04BACF9FB5}"/>
+              </a:ext>
+            </a:extLst>
+          </p:cNvPr>
+          <p:cNvSpPr txBox="1"/>
+          <p:nvPr/>
+        </p:nvSpPr>
+        <p:spPr>
+          <a:xfrm rot="16200000">
+            <a:off x="-368830" y="1873176"/>
+            <a:ext cx="1536365" cy="369332"/>
+          </a:xfrm>
+          <a:prstGeom prst="rect">
+            <a:avLst/>
+          </a:prstGeom>
+          <a:solidFill>
+            <a:schemeClr val="bg2"/>
+          </a:solidFill>
+          <a:ln w="25400">
+            <a:solidFill>
+              <a:srgbClr val="00B0F0"/>
+            </a:solidFill>
+          </a:ln>
+        </p:spPr>
+        <p:txBody>
+          <a:bodyPr wrap="square" rtlCol="0">
+            <a:spAutoFit/>
+          </a:bodyPr>
+          <a:lstStyle/>
+          <a:p>
+            <a:pPr algn="ctr"/>
+            <a:r>
+              <a:rPr lang="en-GB" dirty="0"/>
+              <a:t>DataCentre1</a:t>
+            </a:r>
+          </a:p>
+        </p:txBody>
+      </p:sp>
+      <p:sp>
+        <p:nvSpPr>
+          <p:cNvPr id="60" name="TextBox 59">
+            <a:extLst>
+              <a:ext uri="{FF2B5EF4-FFF2-40B4-BE49-F238E27FC236}">
+                <a16:creationId xmlns:a16="http://schemas.microsoft.com/office/drawing/2014/main" id="{1C0EF15B-74C9-4BA0-85B9-C8F510D3F112}"/>
+              </a:ext>
+            </a:extLst>
+          </p:cNvPr>
+          <p:cNvSpPr txBox="1"/>
+          <p:nvPr/>
+        </p:nvSpPr>
+        <p:spPr>
+          <a:xfrm rot="16200000">
+            <a:off x="-370231" y="5039545"/>
+            <a:ext cx="1536365" cy="369332"/>
+          </a:xfrm>
+          <a:prstGeom prst="rect">
+            <a:avLst/>
+          </a:prstGeom>
+          <a:solidFill>
+            <a:schemeClr val="bg2"/>
+          </a:solidFill>
+          <a:ln w="25400">
+            <a:solidFill>
+              <a:srgbClr val="00B0F0"/>
+            </a:solidFill>
+          </a:ln>
+        </p:spPr>
+        <p:txBody>
+          <a:bodyPr wrap="square" rtlCol="0">
+            <a:spAutoFit/>
+          </a:bodyPr>
+          <a:lstStyle/>
+          <a:p>
+            <a:pPr algn="ctr"/>
+            <a:r>
+              <a:rPr lang="en-GB" dirty="0"/>
+              <a:t>DataCentre2</a:t>
+            </a:r>
+          </a:p>
+        </p:txBody>
+      </p:sp>
+      <p:sp>
+        <p:nvSpPr>
+          <p:cNvPr id="61" name="TextBox 60">
+            <a:extLst>
+              <a:ext uri="{FF2B5EF4-FFF2-40B4-BE49-F238E27FC236}">
+                <a16:creationId xmlns:a16="http://schemas.microsoft.com/office/drawing/2014/main" id="{DB8B6783-BB5D-4BDE-93EB-0C9E46899EB7}"/>
+              </a:ext>
+            </a:extLst>
+          </p:cNvPr>
+          <p:cNvSpPr txBox="1"/>
+          <p:nvPr/>
+        </p:nvSpPr>
+        <p:spPr>
+          <a:xfrm>
+            <a:off x="875194" y="6172931"/>
+            <a:ext cx="1276440" cy="369332"/>
+          </a:xfrm>
+          <a:prstGeom prst="rect">
+            <a:avLst/>
+          </a:prstGeom>
+          <a:noFill/>
+          <a:ln w="25400">
+            <a:solidFill>
+              <a:srgbClr val="00B050"/>
+            </a:solidFill>
+          </a:ln>
+        </p:spPr>
+        <p:txBody>
+          <a:bodyPr wrap="none" rtlCol="0">
+            <a:spAutoFit/>
+          </a:bodyPr>
+          <a:lstStyle/>
+          <a:p>
+            <a:r>
+              <a:rPr lang="en-GB" dirty="0"/>
+              <a:t>Green Zone</a:t>
+            </a:r>
+          </a:p>
+        </p:txBody>
+      </p:sp>
+      <p:sp>
+        <p:nvSpPr>
+          <p:cNvPr id="91" name="TextBox 90">
+            <a:extLst>
+              <a:ext uri="{FF2B5EF4-FFF2-40B4-BE49-F238E27FC236}">
+                <a16:creationId xmlns:a16="http://schemas.microsoft.com/office/drawing/2014/main" id="{62F4DFE6-CF91-4F27-92D0-CB23D844CEED}"/>
+              </a:ext>
+            </a:extLst>
+          </p:cNvPr>
+          <p:cNvSpPr txBox="1"/>
+          <p:nvPr/>
+        </p:nvSpPr>
+        <p:spPr>
+          <a:xfrm>
+            <a:off x="2949335" y="6109454"/>
+            <a:ext cx="2041649" cy="307777"/>
+          </a:xfrm>
+          <a:prstGeom prst="rect">
+            <a:avLst/>
+          </a:prstGeom>
+          <a:noFill/>
+        </p:spPr>
+        <p:txBody>
+          <a:bodyPr wrap="none" rtlCol="0">
+            <a:spAutoFit/>
+          </a:bodyPr>
+          <a:lstStyle/>
+          <a:p>
+            <a:r>
+              <a:rPr lang="en-GB" sz="1400" dirty="0"/>
+              <a:t>Outbound HTTP Get/Post</a:t>
+            </a:r>
+          </a:p>
+        </p:txBody>
+      </p:sp>
       <p:cxnSp>
         <p:nvCxnSpPr>
-          <p:cNvPr id="77" name="Connector: Elbow 76">
-            <a:extLst>
-              <a:ext uri="{FF2B5EF4-FFF2-40B4-BE49-F238E27FC236}">
-                <a16:creationId xmlns="" xmlns:a16="http://schemas.microsoft.com/office/drawing/2014/main" id="{81821258-C435-4E59-BDEF-CB23A615441F}"/>
+          <p:cNvPr id="97" name="Connector: Elbow 98">
+            <a:extLst>
+              <a:ext uri="{FF2B5EF4-FFF2-40B4-BE49-F238E27FC236}">
+                <a16:creationId xmlns:a16="http://schemas.microsoft.com/office/drawing/2014/main" id="{FD5B10C7-87B1-4CA5-AECE-6CC7D38B23C8}"/>
               </a:ext>
             </a:extLst>
           </p:cNvPr>
           <p:cNvCxnSpPr>
             <a:cxnSpLocks/>
             <a:stCxn id="22" idx="0"/>
+            <a:endCxn id="94" idx="1"/>
           </p:cNvCxnSpPr>
           <p:nvPr/>
         </p:nvCxnSpPr>
         <p:spPr>
-          <a:xfrm rot="5400000" flipH="1" flipV="1">
-            <a:off x="6738934" y="-3807868"/>
-            <a:ext cx="192399" cy="10093311"/>
-          </a:xfrm>
-          <a:prstGeom prst="bentConnector2">
-            <a:avLst/>
+          <a:xfrm rot="16200000" flipH="1">
+            <a:off x="4035468" y="-912005"/>
+            <a:ext cx="2243905" cy="6737887"/>
+          </a:xfrm>
+          <a:prstGeom prst="curvedConnector4">
+            <a:avLst>
+              <a:gd name="adj1" fmla="val -10188"/>
+              <a:gd name="adj2" fmla="val 59350"/>
+            </a:avLst>
           </a:prstGeom>
           <a:ln w="25400">
             <a:solidFill>
@@ -7955,10 +8356,10 @@
       </p:cxnSp>
       <p:sp>
         <p:nvSpPr>
-          <p:cNvPr id="105" name="TextBox 104">
-            <a:extLst>
-              <a:ext uri="{FF2B5EF4-FFF2-40B4-BE49-F238E27FC236}">
-                <a16:creationId xmlns="" xmlns:a16="http://schemas.microsoft.com/office/drawing/2014/main" id="{C3CD022D-FAD3-477F-AAA8-4B22234EEEB3}"/>
+          <p:cNvPr id="100" name="TextBox 99">
+            <a:extLst>
+              <a:ext uri="{FF2B5EF4-FFF2-40B4-BE49-F238E27FC236}">
+                <a16:creationId xmlns:a16="http://schemas.microsoft.com/office/drawing/2014/main" id="{D68F45C3-25B2-483A-8917-A84A15F9A907}"/>
               </a:ext>
             </a:extLst>
           </p:cNvPr>
@@ -7967,8 +8368,8 @@
         </p:nvSpPr>
         <p:spPr>
           <a:xfrm>
-            <a:off x="10190342" y="5791200"/>
-            <a:ext cx="2041649" cy="307777"/>
+            <a:off x="10232610" y="3832586"/>
+            <a:ext cx="1677703" cy="307777"/>
           </a:xfrm>
           <a:prstGeom prst="rect">
             <a:avLst/>
@@ -7983,150 +8384,68 @@
           <a:p>
             <a:r>
               <a:rPr lang="en-GB" sz="1400" dirty="0"/>
-              <a:t>Outbound HTTP Get/Post</a:t>
-            </a:r>
-          </a:p>
-        </p:txBody>
-      </p:sp>
-      <p:sp>
-        <p:nvSpPr>
-          <p:cNvPr id="109" name="TextBox 108">
-            <a:extLst>
-              <a:ext uri="{FF2B5EF4-FFF2-40B4-BE49-F238E27FC236}">
-                <a16:creationId xmlns="" xmlns:a16="http://schemas.microsoft.com/office/drawing/2014/main" id="{31C01039-9ECE-4968-96A2-1754926A296F}"/>
-              </a:ext>
-            </a:extLst>
-          </p:cNvPr>
-          <p:cNvSpPr txBox="1"/>
+              <a:t>Outbound CRL Fetch</a:t>
+            </a:r>
+          </a:p>
+        </p:txBody>
+      </p:sp>
+    </p:spTree>
+    <p:extLst>
+      <p:ext uri="{BB962C8B-B14F-4D97-AF65-F5344CB8AC3E}">
+        <p14:creationId xmlns:p14="http://schemas.microsoft.com/office/powerpoint/2010/main" val="342299679"/>
+      </p:ext>
+    </p:extLst>
+  </p:cSld>
+  <p:clrMapOvr>
+    <a:masterClrMapping/>
+  </p:clrMapOvr>
+</p:sld>
+</file>
+
+<file path=ppt/slides/slide3.xml><?xml version="1.0" encoding="utf-8"?>
+<p:sld xmlns:a="http://schemas.openxmlformats.org/drawingml/2006/main" xmlns:r="http://schemas.openxmlformats.org/officeDocument/2006/relationships" xmlns:p="http://schemas.openxmlformats.org/presentationml/2006/main">
+  <p:cSld>
+    <p:spTree>
+      <p:nvGrpSpPr>
+        <p:cNvPr id="1" name=""/>
+        <p:cNvGrpSpPr/>
+        <p:nvPr/>
+      </p:nvGrpSpPr>
+      <p:grpSpPr>
+        <a:xfrm>
+          <a:off x="0" y="0"/>
+          <a:ext cx="0" cy="0"/>
+          <a:chOff x="0" y="0"/>
+          <a:chExt cx="0" cy="0"/>
+        </a:xfrm>
+      </p:grpSpPr>
+      <p:sp>
+        <p:nvSpPr>
+          <p:cNvPr id="132" name="Rectangle 131">
+            <a:extLst>
+              <a:ext uri="{FF2B5EF4-FFF2-40B4-BE49-F238E27FC236}">
+                <a16:creationId xmlns:a16="http://schemas.microsoft.com/office/drawing/2014/main" id="{C12E5840-0634-4A47-AADA-F1BF87D47639}"/>
+              </a:ext>
+            </a:extLst>
+          </p:cNvPr>
+          <p:cNvSpPr/>
           <p:nvPr/>
         </p:nvSpPr>
         <p:spPr>
           <a:xfrm>
-            <a:off x="10166125" y="854494"/>
-            <a:ext cx="2041649" cy="307777"/>
+            <a:off x="6804535" y="1440666"/>
+            <a:ext cx="4114256" cy="3139668"/>
           </a:xfrm>
           <a:prstGeom prst="rect">
             <a:avLst/>
           </a:prstGeom>
-          <a:noFill/>
-        </p:spPr>
-        <p:txBody>
-          <a:bodyPr wrap="none" rtlCol="0">
-            <a:spAutoFit/>
-          </a:bodyPr>
-          <a:lstStyle/>
-          <a:p>
-            <a:r>
-              <a:rPr lang="en-GB" sz="1400" dirty="0"/>
-              <a:t>Outbound HTTP Get/Post</a:t>
-            </a:r>
-          </a:p>
-        </p:txBody>
-      </p:sp>
-      <p:sp>
-        <p:nvSpPr>
-          <p:cNvPr id="65" name="TextBox 64">
-            <a:extLst>
-              <a:ext uri="{FF2B5EF4-FFF2-40B4-BE49-F238E27FC236}">
-                <a16:creationId xmlns="" xmlns:a16="http://schemas.microsoft.com/office/drawing/2014/main" id="{BA080AF1-91BE-4CF4-93DD-82BE913DA6BF}"/>
-              </a:ext>
-            </a:extLst>
-          </p:cNvPr>
-          <p:cNvSpPr txBox="1"/>
-          <p:nvPr/>
-        </p:nvSpPr>
-        <p:spPr>
-          <a:xfrm rot="16200000">
-            <a:off x="6532344" y="5155168"/>
-            <a:ext cx="2394886" cy="369332"/>
-          </a:xfrm>
-          <a:prstGeom prst="rect">
-            <a:avLst/>
-          </a:prstGeom>
-          <a:noFill/>
-        </p:spPr>
-        <p:txBody>
-          <a:bodyPr wrap="none" rtlCol="0">
-            <a:spAutoFit/>
-          </a:bodyPr>
-          <a:lstStyle/>
-          <a:p>
-            <a:r>
-              <a:rPr lang="en-GB" dirty="0">
-                <a:solidFill>
-                  <a:schemeClr val="bg1"/>
-                </a:solidFill>
-              </a:rPr>
-              <a:t>Firewall (outgoing only)</a:t>
-            </a:r>
-          </a:p>
-        </p:txBody>
-      </p:sp>
-      <p:sp>
-        <p:nvSpPr>
-          <p:cNvPr id="112" name="TextBox 111">
-            <a:extLst>
-              <a:ext uri="{FF2B5EF4-FFF2-40B4-BE49-F238E27FC236}">
-                <a16:creationId xmlns="" xmlns:a16="http://schemas.microsoft.com/office/drawing/2014/main" id="{DBAA6DD3-B599-42F5-9141-653F4BFB346F}"/>
-              </a:ext>
-            </a:extLst>
-          </p:cNvPr>
-          <p:cNvSpPr txBox="1"/>
-          <p:nvPr/>
-        </p:nvSpPr>
-        <p:spPr>
-          <a:xfrm rot="16200000">
-            <a:off x="9619637" y="5890212"/>
-            <a:ext cx="913712" cy="369332"/>
-          </a:xfrm>
-          <a:prstGeom prst="rect">
-            <a:avLst/>
-          </a:prstGeom>
-          <a:noFill/>
-        </p:spPr>
-        <p:txBody>
-          <a:bodyPr wrap="none" rtlCol="0">
-            <a:spAutoFit/>
-          </a:bodyPr>
-          <a:lstStyle/>
-          <a:p>
-            <a:r>
-              <a:rPr lang="en-GB" dirty="0">
-                <a:solidFill>
-                  <a:schemeClr val="bg1"/>
-                </a:solidFill>
-              </a:rPr>
-              <a:t>Firewall</a:t>
-            </a:r>
-          </a:p>
-        </p:txBody>
-      </p:sp>
-      <p:sp>
-        <p:nvSpPr>
-          <p:cNvPr id="57" name="Rectangle 56">
-            <a:extLst>
-              <a:ext uri="{FF2B5EF4-FFF2-40B4-BE49-F238E27FC236}">
-                <a16:creationId xmlns="" xmlns:a16="http://schemas.microsoft.com/office/drawing/2014/main" id="{6EA9F134-E642-493C-8C12-09ABEA8CCA65}"/>
-              </a:ext>
-            </a:extLst>
-          </p:cNvPr>
-          <p:cNvSpPr/>
-          <p:nvPr/>
-        </p:nvSpPr>
-        <p:spPr>
-          <a:xfrm>
-            <a:off x="220436" y="1289660"/>
-            <a:ext cx="9624291" cy="1536365"/>
-          </a:xfrm>
-          <a:prstGeom prst="rect">
-            <a:avLst/>
-          </a:prstGeom>
-          <a:noFill/>
-          <a:ln>
+          <a:solidFill>
+            <a:schemeClr val="bg1"/>
+          </a:solidFill>
+          <a:ln w="25400">
             <a:solidFill>
-              <a:srgbClr val="00B0F0"/>
+              <a:schemeClr val="tx1"/>
             </a:solidFill>
-            <a:prstDash val="dash"/>
           </a:ln>
         </p:spPr>
         <p:style>
@@ -8156,10 +8475,10 @@
       </p:sp>
       <p:sp>
         <p:nvSpPr>
-          <p:cNvPr id="12" name="TextBox 11">
-            <a:extLst>
-              <a:ext uri="{FF2B5EF4-FFF2-40B4-BE49-F238E27FC236}">
-                <a16:creationId xmlns="" xmlns:a16="http://schemas.microsoft.com/office/drawing/2014/main" id="{3B2B3C9B-0EBD-4437-B9CC-EB04BACF9FB5}"/>
+          <p:cNvPr id="4" name="TextBox 3">
+            <a:extLst>
+              <a:ext uri="{FF2B5EF4-FFF2-40B4-BE49-F238E27FC236}">
+                <a16:creationId xmlns:a16="http://schemas.microsoft.com/office/drawing/2014/main" id="{DB51A1F4-B9DD-403A-9B95-FD708E5E212A}"/>
               </a:ext>
             </a:extLst>
           </p:cNvPr>
@@ -8167,19 +8486,113 @@
           <p:nvPr/>
         </p:nvSpPr>
         <p:spPr>
-          <a:xfrm rot="16200000">
-            <a:off x="-368830" y="1873176"/>
-            <a:ext cx="1536365" cy="369332"/>
+          <a:xfrm>
+            <a:off x="4867618" y="0"/>
+            <a:ext cx="2456763" cy="646331"/>
           </a:xfrm>
           <a:prstGeom prst="rect">
             <a:avLst/>
           </a:prstGeom>
+          <a:noFill/>
+        </p:spPr>
+        <p:txBody>
+          <a:bodyPr wrap="none" rtlCol="0">
+            <a:spAutoFit/>
+          </a:bodyPr>
+          <a:lstStyle/>
+          <a:p>
+            <a:r>
+              <a:rPr lang="en-GB" sz="3600" dirty="0"/>
+              <a:t>Inside </a:t>
+            </a:r>
+            <a:r>
+              <a:rPr lang="en-GB" sz="3600" dirty="0" err="1"/>
+              <a:t>Infras</a:t>
+            </a:r>
+            <a:endParaRPr lang="en-GB" sz="3600" dirty="0"/>
+          </a:p>
+        </p:txBody>
+      </p:sp>
+      <p:sp>
+        <p:nvSpPr>
+          <p:cNvPr id="5" name="Rectangle 4">
+            <a:extLst>
+              <a:ext uri="{FF2B5EF4-FFF2-40B4-BE49-F238E27FC236}">
+                <a16:creationId xmlns:a16="http://schemas.microsoft.com/office/drawing/2014/main" id="{7CF586AB-62E0-4910-90EA-171F1A6EDCC3}"/>
+              </a:ext>
+            </a:extLst>
+          </p:cNvPr>
+          <p:cNvSpPr/>
+          <p:nvPr/>
+        </p:nvSpPr>
+        <p:spPr>
+          <a:xfrm>
+            <a:off x="1275908" y="1432332"/>
+            <a:ext cx="4114256" cy="3139668"/>
+          </a:xfrm>
+          <a:prstGeom prst="rect">
+            <a:avLst/>
+          </a:prstGeom>
           <a:solidFill>
-            <a:schemeClr val="bg2"/>
+            <a:schemeClr val="bg1"/>
           </a:solidFill>
           <a:ln w="25400">
             <a:solidFill>
-              <a:srgbClr val="00B0F0"/>
+              <a:schemeClr val="tx1"/>
+            </a:solidFill>
+          </a:ln>
+        </p:spPr>
+        <p:style>
+          <a:lnRef idx="2">
+            <a:schemeClr val="accent1">
+              <a:shade val="50000"/>
+            </a:schemeClr>
+          </a:lnRef>
+          <a:fillRef idx="1">
+            <a:schemeClr val="accent1"/>
+          </a:fillRef>
+          <a:effectRef idx="0">
+            <a:schemeClr val="accent1"/>
+          </a:effectRef>
+          <a:fontRef idx="minor">
+            <a:schemeClr val="lt1"/>
+          </a:fontRef>
+        </p:style>
+        <p:txBody>
+          <a:bodyPr rtlCol="0" anchor="ctr"/>
+          <a:lstStyle/>
+          <a:p>
+            <a:pPr algn="ctr"/>
+            <a:endParaRPr lang="en-GB"/>
+          </a:p>
+        </p:txBody>
+      </p:sp>
+      <p:sp>
+        <p:nvSpPr>
+          <p:cNvPr id="17" name="TextBox 16">
+            <a:extLst>
+              <a:ext uri="{FF2B5EF4-FFF2-40B4-BE49-F238E27FC236}">
+                <a16:creationId xmlns:a16="http://schemas.microsoft.com/office/drawing/2014/main" id="{28875A9E-2045-42CE-9DF9-397BA8B83DEE}"/>
+              </a:ext>
+            </a:extLst>
+          </p:cNvPr>
+          <p:cNvSpPr txBox="1"/>
+          <p:nvPr/>
+        </p:nvSpPr>
+        <p:spPr>
+          <a:xfrm>
+            <a:off x="1275907" y="1063000"/>
+            <a:ext cx="4114257" cy="369332"/>
+          </a:xfrm>
+          <a:prstGeom prst="rect">
+            <a:avLst/>
+          </a:prstGeom>
+          <a:solidFill>
+            <a:srgbClr val="00B050"/>
+          </a:solidFill>
+          <a:ln w="25400">
+            <a:solidFill>
+              <a:schemeClr val="tx1"/>
             </a:solidFill>
           </a:ln>
         </p:spPr>
@@ -8191,18 +8604,178 @@
           <a:p>
             <a:pPr algn="ctr"/>
             <a:r>
+              <a:rPr lang="en-GB" dirty="0">
+                <a:solidFill>
+                  <a:schemeClr val="bg1">
+                    <a:lumMod val="95000"/>
+                  </a:schemeClr>
+                </a:solidFill>
+              </a:rPr>
+              <a:t>Infra 1</a:t>
+            </a:r>
+          </a:p>
+        </p:txBody>
+      </p:sp>
+      <p:sp>
+        <p:nvSpPr>
+          <p:cNvPr id="18" name="Rectangle 17">
+            <a:extLst>
+              <a:ext uri="{FF2B5EF4-FFF2-40B4-BE49-F238E27FC236}">
+                <a16:creationId xmlns:a16="http://schemas.microsoft.com/office/drawing/2014/main" id="{3A122E7A-C9CC-48C7-B780-0C402C208706}"/>
+              </a:ext>
+            </a:extLst>
+          </p:cNvPr>
+          <p:cNvSpPr/>
+          <p:nvPr/>
+        </p:nvSpPr>
+        <p:spPr>
+          <a:xfrm>
+            <a:off x="2588755" y="1867541"/>
+            <a:ext cx="1488559" cy="850605"/>
+          </a:xfrm>
+          <a:prstGeom prst="rect">
+            <a:avLst/>
+          </a:prstGeom>
+        </p:spPr>
+        <p:style>
+          <a:lnRef idx="2">
+            <a:schemeClr val="accent1">
+              <a:shade val="50000"/>
+            </a:schemeClr>
+          </a:lnRef>
+          <a:fillRef idx="1">
+            <a:schemeClr val="accent1"/>
+          </a:fillRef>
+          <a:effectRef idx="0">
+            <a:schemeClr val="accent1"/>
+          </a:effectRef>
+          <a:fontRef idx="minor">
+            <a:schemeClr val="lt1"/>
+          </a:fontRef>
+        </p:style>
+        <p:txBody>
+          <a:bodyPr rtlCol="0" anchor="ctr"/>
+          <a:lstStyle/>
+          <a:p>
+            <a:pPr algn="ctr"/>
+            <a:r>
               <a:rPr lang="en-GB" dirty="0"/>
-              <a:t>DataCentre1</a:t>
-            </a:r>
-          </a:p>
-        </p:txBody>
-      </p:sp>
-      <p:sp>
-        <p:nvSpPr>
-          <p:cNvPr id="60" name="TextBox 59">
-            <a:extLst>
-              <a:ext uri="{FF2B5EF4-FFF2-40B4-BE49-F238E27FC236}">
-                <a16:creationId xmlns="" xmlns:a16="http://schemas.microsoft.com/office/drawing/2014/main" id="{1C0EF15B-74C9-4BA0-85B9-C8F510D3F112}"/>
+              <a:t>Bridge</a:t>
+            </a:r>
+          </a:p>
+          <a:p>
+            <a:pPr algn="ctr"/>
+            <a:r>
+              <a:rPr lang="en-GB" dirty="0"/>
+              <a:t>(follower)</a:t>
+            </a:r>
+          </a:p>
+        </p:txBody>
+      </p:sp>
+      <p:sp>
+        <p:nvSpPr>
+          <p:cNvPr id="66" name="Rectangle 65">
+            <a:extLst>
+              <a:ext uri="{FF2B5EF4-FFF2-40B4-BE49-F238E27FC236}">
+                <a16:creationId xmlns:a16="http://schemas.microsoft.com/office/drawing/2014/main" id="{47109FEF-E41B-4E30-95A7-1768A42DB52E}"/>
+              </a:ext>
+            </a:extLst>
+          </p:cNvPr>
+          <p:cNvSpPr/>
+          <p:nvPr/>
+        </p:nvSpPr>
+        <p:spPr>
+          <a:xfrm>
+            <a:off x="1545943" y="3341792"/>
+            <a:ext cx="1488559" cy="850605"/>
+          </a:xfrm>
+          <a:prstGeom prst="rect">
+            <a:avLst/>
+          </a:prstGeom>
+        </p:spPr>
+        <p:style>
+          <a:lnRef idx="2">
+            <a:schemeClr val="accent1">
+              <a:shade val="50000"/>
+            </a:schemeClr>
+          </a:lnRef>
+          <a:fillRef idx="1">
+            <a:schemeClr val="accent1"/>
+          </a:fillRef>
+          <a:effectRef idx="0">
+            <a:schemeClr val="accent1"/>
+          </a:effectRef>
+          <a:fontRef idx="minor">
+            <a:schemeClr val="lt1"/>
+          </a:fontRef>
+        </p:style>
+        <p:txBody>
+          <a:bodyPr rtlCol="0" anchor="ctr"/>
+          <a:lstStyle/>
+          <a:p>
+            <a:pPr algn="ctr"/>
+            <a:r>
+              <a:rPr lang="en-GB" dirty="0"/>
+              <a:t>Artemis Master</a:t>
+            </a:r>
+          </a:p>
+        </p:txBody>
+      </p:sp>
+      <p:sp>
+        <p:nvSpPr>
+          <p:cNvPr id="67" name="Rectangle 66">
+            <a:extLst>
+              <a:ext uri="{FF2B5EF4-FFF2-40B4-BE49-F238E27FC236}">
+                <a16:creationId xmlns:a16="http://schemas.microsoft.com/office/drawing/2014/main" id="{1F190EE5-005D-4908-AD42-B49577274EDC}"/>
+              </a:ext>
+            </a:extLst>
+          </p:cNvPr>
+          <p:cNvSpPr/>
+          <p:nvPr/>
+        </p:nvSpPr>
+        <p:spPr>
+          <a:xfrm>
+            <a:off x="3573217" y="3341792"/>
+            <a:ext cx="1488559" cy="850605"/>
+          </a:xfrm>
+          <a:prstGeom prst="rect">
+            <a:avLst/>
+          </a:prstGeom>
+        </p:spPr>
+        <p:style>
+          <a:lnRef idx="2">
+            <a:schemeClr val="accent1">
+              <a:shade val="50000"/>
+            </a:schemeClr>
+          </a:lnRef>
+          <a:fillRef idx="1">
+            <a:schemeClr val="accent1"/>
+          </a:fillRef>
+          <a:effectRef idx="0">
+            <a:schemeClr val="accent1"/>
+          </a:effectRef>
+          <a:fontRef idx="minor">
+            <a:schemeClr val="lt1"/>
+          </a:fontRef>
+        </p:style>
+        <p:txBody>
+          <a:bodyPr rtlCol="0" anchor="ctr"/>
+          <a:lstStyle/>
+          <a:p>
+            <a:pPr algn="ctr"/>
+            <a:r>
+              <a:rPr lang="en-GB" dirty="0"/>
+              <a:t>ZK Cluster</a:t>
+            </a:r>
+          </a:p>
+        </p:txBody>
+      </p:sp>
+      <p:sp>
+        <p:nvSpPr>
+          <p:cNvPr id="69" name="TextBox 68">
+            <a:extLst>
+              <a:ext uri="{FF2B5EF4-FFF2-40B4-BE49-F238E27FC236}">
+                <a16:creationId xmlns:a16="http://schemas.microsoft.com/office/drawing/2014/main" id="{8D41D3DF-F70D-4343-ABFD-DC27FD596E29}"/>
               </a:ext>
             </a:extLst>
           </p:cNvPr>
@@ -8210,19 +8783,19 @@
           <p:nvPr/>
         </p:nvSpPr>
         <p:spPr>
-          <a:xfrm rot="16200000">
-            <a:off x="-370231" y="5039545"/>
-            <a:ext cx="1536365" cy="369332"/>
+          <a:xfrm>
+            <a:off x="6804536" y="1063000"/>
+            <a:ext cx="4114256" cy="369332"/>
           </a:xfrm>
           <a:prstGeom prst="rect">
             <a:avLst/>
           </a:prstGeom>
           <a:solidFill>
-            <a:schemeClr val="bg2"/>
+            <a:srgbClr val="00B050"/>
           </a:solidFill>
           <a:ln w="25400">
             <a:solidFill>
-              <a:srgbClr val="00B0F0"/>
+              <a:schemeClr val="tx1"/>
             </a:solidFill>
           </a:ln>
         </p:spPr>
@@ -8234,18 +8807,239 @@
           <a:p>
             <a:pPr algn="ctr"/>
             <a:r>
+              <a:rPr lang="en-GB" dirty="0">
+                <a:solidFill>
+                  <a:schemeClr val="bg1">
+                    <a:lumMod val="95000"/>
+                  </a:schemeClr>
+                </a:solidFill>
+              </a:rPr>
+              <a:t>Infra 2</a:t>
+            </a:r>
+          </a:p>
+        </p:txBody>
+      </p:sp>
+      <p:sp>
+        <p:nvSpPr>
+          <p:cNvPr id="70" name="Rectangle 69">
+            <a:extLst>
+              <a:ext uri="{FF2B5EF4-FFF2-40B4-BE49-F238E27FC236}">
+                <a16:creationId xmlns:a16="http://schemas.microsoft.com/office/drawing/2014/main" id="{71DF55B4-CBA7-4B55-AA5B-169476A13032}"/>
+              </a:ext>
+            </a:extLst>
+          </p:cNvPr>
+          <p:cNvSpPr/>
+          <p:nvPr/>
+        </p:nvSpPr>
+        <p:spPr>
+          <a:xfrm>
+            <a:off x="8118048" y="1865089"/>
+            <a:ext cx="1488559" cy="850605"/>
+          </a:xfrm>
+          <a:prstGeom prst="rect">
+            <a:avLst/>
+          </a:prstGeom>
+        </p:spPr>
+        <p:style>
+          <a:lnRef idx="2">
+            <a:schemeClr val="accent1">
+              <a:shade val="50000"/>
+            </a:schemeClr>
+          </a:lnRef>
+          <a:fillRef idx="1">
+            <a:schemeClr val="accent1"/>
+          </a:fillRef>
+          <a:effectRef idx="0">
+            <a:schemeClr val="accent1"/>
+          </a:effectRef>
+          <a:fontRef idx="minor">
+            <a:schemeClr val="lt1"/>
+          </a:fontRef>
+        </p:style>
+        <p:txBody>
+          <a:bodyPr rtlCol="0" anchor="ctr"/>
+          <a:lstStyle/>
+          <a:p>
+            <a:pPr algn="ctr"/>
+            <a:r>
               <a:rPr lang="en-GB" dirty="0"/>
-              <a:t>DataCentre2</a:t>
-            </a:r>
-          </a:p>
-        </p:txBody>
-      </p:sp>
-      <p:sp>
-        <p:nvSpPr>
-          <p:cNvPr id="61" name="TextBox 60">
-            <a:extLst>
-              <a:ext uri="{FF2B5EF4-FFF2-40B4-BE49-F238E27FC236}">
-                <a16:creationId xmlns="" xmlns:a16="http://schemas.microsoft.com/office/drawing/2014/main" id="{DB8B6783-BB5D-4BDE-93EB-0C9E46899EB7}"/>
+              <a:t>Bridge</a:t>
+            </a:r>
+          </a:p>
+          <a:p>
+            <a:pPr algn="ctr"/>
+            <a:r>
+              <a:rPr lang="en-GB" dirty="0"/>
+              <a:t>(leader)</a:t>
+            </a:r>
+          </a:p>
+        </p:txBody>
+      </p:sp>
+      <p:sp>
+        <p:nvSpPr>
+          <p:cNvPr id="71" name="Rectangle 70">
+            <a:extLst>
+              <a:ext uri="{FF2B5EF4-FFF2-40B4-BE49-F238E27FC236}">
+                <a16:creationId xmlns:a16="http://schemas.microsoft.com/office/drawing/2014/main" id="{F44B3542-A0D1-4BD6-B923-42C7FD2B973F}"/>
+              </a:ext>
+            </a:extLst>
+          </p:cNvPr>
+          <p:cNvSpPr/>
+          <p:nvPr/>
+        </p:nvSpPr>
+        <p:spPr>
+          <a:xfrm>
+            <a:off x="7134128" y="3353257"/>
+            <a:ext cx="1488559" cy="850605"/>
+          </a:xfrm>
+          <a:prstGeom prst="rect">
+            <a:avLst/>
+          </a:prstGeom>
+        </p:spPr>
+        <p:style>
+          <a:lnRef idx="2">
+            <a:schemeClr val="accent1">
+              <a:shade val="50000"/>
+            </a:schemeClr>
+          </a:lnRef>
+          <a:fillRef idx="1">
+            <a:schemeClr val="accent1"/>
+          </a:fillRef>
+          <a:effectRef idx="0">
+            <a:schemeClr val="accent1"/>
+          </a:effectRef>
+          <a:fontRef idx="minor">
+            <a:schemeClr val="lt1"/>
+          </a:fontRef>
+        </p:style>
+        <p:txBody>
+          <a:bodyPr rtlCol="0" anchor="ctr"/>
+          <a:lstStyle/>
+          <a:p>
+            <a:pPr algn="ctr"/>
+            <a:r>
+              <a:rPr lang="en-GB" dirty="0"/>
+              <a:t>Artemis</a:t>
+            </a:r>
+            <a:br>
+              <a:rPr lang="en-GB" dirty="0"/>
+            </a:br>
+            <a:r>
+              <a:rPr lang="en-GB" dirty="0"/>
+              <a:t>Slave</a:t>
+            </a:r>
+          </a:p>
+        </p:txBody>
+      </p:sp>
+      <p:sp>
+        <p:nvSpPr>
+          <p:cNvPr id="72" name="Rectangle 71">
+            <a:extLst>
+              <a:ext uri="{FF2B5EF4-FFF2-40B4-BE49-F238E27FC236}">
+                <a16:creationId xmlns:a16="http://schemas.microsoft.com/office/drawing/2014/main" id="{650FA7FD-E477-486B-A891-6932D09215D7}"/>
+              </a:ext>
+            </a:extLst>
+          </p:cNvPr>
+          <p:cNvSpPr/>
+          <p:nvPr/>
+        </p:nvSpPr>
+        <p:spPr>
+          <a:xfrm>
+            <a:off x="9136018" y="3341792"/>
+            <a:ext cx="1488559" cy="850605"/>
+          </a:xfrm>
+          <a:prstGeom prst="rect">
+            <a:avLst/>
+          </a:prstGeom>
+        </p:spPr>
+        <p:style>
+          <a:lnRef idx="2">
+            <a:schemeClr val="accent1">
+              <a:shade val="50000"/>
+            </a:schemeClr>
+          </a:lnRef>
+          <a:fillRef idx="1">
+            <a:schemeClr val="accent1"/>
+          </a:fillRef>
+          <a:effectRef idx="0">
+            <a:schemeClr val="accent1"/>
+          </a:effectRef>
+          <a:fontRef idx="minor">
+            <a:schemeClr val="lt1"/>
+          </a:fontRef>
+        </p:style>
+        <p:txBody>
+          <a:bodyPr rtlCol="0" anchor="ctr"/>
+          <a:lstStyle/>
+          <a:p>
+            <a:pPr algn="ctr"/>
+            <a:r>
+              <a:rPr lang="en-GB" dirty="0"/>
+              <a:t>ZK Cluster</a:t>
+            </a:r>
+          </a:p>
+        </p:txBody>
+      </p:sp>
+      <p:sp>
+        <p:nvSpPr>
+          <p:cNvPr id="73" name="Rectangle 72">
+            <a:extLst>
+              <a:ext uri="{FF2B5EF4-FFF2-40B4-BE49-F238E27FC236}">
+                <a16:creationId xmlns:a16="http://schemas.microsoft.com/office/drawing/2014/main" id="{949D20D5-6D0D-435E-84F0-2B7F6CD4D27E}"/>
+              </a:ext>
+            </a:extLst>
+          </p:cNvPr>
+          <p:cNvSpPr/>
+          <p:nvPr/>
+        </p:nvSpPr>
+        <p:spPr>
+          <a:xfrm>
+            <a:off x="2956066" y="5631734"/>
+            <a:ext cx="5381175" cy="1198416"/>
+          </a:xfrm>
+          <a:prstGeom prst="rect">
+            <a:avLst/>
+          </a:prstGeom>
+          <a:solidFill>
+            <a:schemeClr val="bg1"/>
+          </a:solidFill>
+          <a:ln w="25400">
+            <a:solidFill>
+              <a:schemeClr val="tx1"/>
+            </a:solidFill>
+          </a:ln>
+        </p:spPr>
+        <p:style>
+          <a:lnRef idx="2">
+            <a:schemeClr val="accent1">
+              <a:shade val="50000"/>
+            </a:schemeClr>
+          </a:lnRef>
+          <a:fillRef idx="1">
+            <a:schemeClr val="accent1"/>
+          </a:fillRef>
+          <a:effectRef idx="0">
+            <a:schemeClr val="accent1"/>
+          </a:effectRef>
+          <a:fontRef idx="minor">
+            <a:schemeClr val="lt1"/>
+          </a:fontRef>
+        </p:style>
+        <p:txBody>
+          <a:bodyPr rtlCol="0" anchor="ctr"/>
+          <a:lstStyle/>
+          <a:p>
+            <a:pPr algn="ctr"/>
+            <a:endParaRPr lang="en-GB"/>
+          </a:p>
+        </p:txBody>
+      </p:sp>
+      <p:sp>
+        <p:nvSpPr>
+          <p:cNvPr id="75" name="TextBox 74">
+            <a:extLst>
+              <a:ext uri="{FF2B5EF4-FFF2-40B4-BE49-F238E27FC236}">
+                <a16:creationId xmlns:a16="http://schemas.microsoft.com/office/drawing/2014/main" id="{053B1015-6BFA-42FC-945E-D1BA33762F51}"/>
               </a:ext>
             </a:extLst>
           </p:cNvPr>
@@ -8254,28 +9048,839 @@
         </p:nvSpPr>
         <p:spPr>
           <a:xfrm>
-            <a:off x="864920" y="6172572"/>
-            <a:ext cx="1276440" cy="369332"/>
+            <a:off x="2956066" y="5262402"/>
+            <a:ext cx="5381175" cy="369332"/>
           </a:xfrm>
           <a:prstGeom prst="rect">
             <a:avLst/>
           </a:prstGeom>
+          <a:solidFill>
+            <a:srgbClr val="00B050"/>
+          </a:solidFill>
+          <a:ln w="25400">
+            <a:solidFill>
+              <a:schemeClr val="tx1"/>
+            </a:solidFill>
+          </a:ln>
+        </p:spPr>
+        <p:txBody>
+          <a:bodyPr wrap="square" rtlCol="0">
+            <a:spAutoFit/>
+          </a:bodyPr>
+          <a:lstStyle/>
+          <a:p>
+            <a:pPr algn="ctr"/>
+            <a:r>
+              <a:rPr lang="en-GB" dirty="0" err="1">
+                <a:solidFill>
+                  <a:schemeClr val="bg1">
+                    <a:lumMod val="95000"/>
+                  </a:schemeClr>
+                </a:solidFill>
+              </a:rPr>
+              <a:t>zkWitness</a:t>
+            </a:r>
+            <a:endParaRPr lang="en-GB" dirty="0">
+              <a:solidFill>
+                <a:schemeClr val="bg1">
+                  <a:lumMod val="95000"/>
+                </a:schemeClr>
+              </a:solidFill>
+            </a:endParaRPr>
+          </a:p>
+        </p:txBody>
+      </p:sp>
+      <p:sp>
+        <p:nvSpPr>
+          <p:cNvPr id="76" name="Rectangle 75">
+            <a:extLst>
+              <a:ext uri="{FF2B5EF4-FFF2-40B4-BE49-F238E27FC236}">
+                <a16:creationId xmlns:a16="http://schemas.microsoft.com/office/drawing/2014/main" id="{18A46A86-F2D4-43A8-B927-0020DA1E3B9D}"/>
+              </a:ext>
+            </a:extLst>
+          </p:cNvPr>
+          <p:cNvSpPr/>
+          <p:nvPr/>
+        </p:nvSpPr>
+        <p:spPr>
+          <a:xfrm>
+            <a:off x="5608895" y="5839668"/>
+            <a:ext cx="1488559" cy="850605"/>
+          </a:xfrm>
+          <a:prstGeom prst="rect">
+            <a:avLst/>
+          </a:prstGeom>
+        </p:spPr>
+        <p:style>
+          <a:lnRef idx="2">
+            <a:schemeClr val="accent1">
+              <a:shade val="50000"/>
+            </a:schemeClr>
+          </a:lnRef>
+          <a:fillRef idx="1">
+            <a:schemeClr val="accent1"/>
+          </a:fillRef>
+          <a:effectRef idx="0">
+            <a:schemeClr val="accent1"/>
+          </a:effectRef>
+          <a:fontRef idx="minor">
+            <a:schemeClr val="lt1"/>
+          </a:fontRef>
+        </p:style>
+        <p:txBody>
+          <a:bodyPr rtlCol="0" anchor="ctr"/>
+          <a:lstStyle/>
+          <a:p>
+            <a:pPr algn="ctr"/>
+            <a:r>
+              <a:rPr lang="en-GB" dirty="0"/>
+              <a:t>ZK Cluster</a:t>
+            </a:r>
+          </a:p>
+        </p:txBody>
+      </p:sp>
+      <p:cxnSp>
+        <p:nvCxnSpPr>
+          <p:cNvPr id="81" name="Straight Arrow Connector 80">
+            <a:extLst>
+              <a:ext uri="{FF2B5EF4-FFF2-40B4-BE49-F238E27FC236}">
+                <a16:creationId xmlns:a16="http://schemas.microsoft.com/office/drawing/2014/main" id="{7584FF7A-16F8-4741-B44F-5AD69247259B}"/>
+              </a:ext>
+            </a:extLst>
+          </p:cNvPr>
+          <p:cNvCxnSpPr>
+            <a:cxnSpLocks/>
+            <a:stCxn id="66" idx="1"/>
+          </p:cNvCxnSpPr>
+          <p:nvPr/>
+        </p:nvCxnSpPr>
+        <p:spPr>
+          <a:xfrm flipH="1">
+            <a:off x="212651" y="3767095"/>
+            <a:ext cx="1333292" cy="11464"/>
+          </a:xfrm>
+          <a:prstGeom prst="straightConnector1">
+            <a:avLst/>
+          </a:prstGeom>
+          <a:ln w="25400">
+            <a:headEnd type="triangle" w="med" len="lg"/>
+            <a:tailEnd type="none" w="med" len="lg"/>
+          </a:ln>
+        </p:spPr>
+        <p:style>
+          <a:lnRef idx="1">
+            <a:schemeClr val="accent1"/>
+          </a:lnRef>
+          <a:fillRef idx="0">
+            <a:schemeClr val="accent1"/>
+          </a:fillRef>
+          <a:effectRef idx="0">
+            <a:schemeClr val="accent1"/>
+          </a:effectRef>
+          <a:fontRef idx="minor">
+            <a:schemeClr val="tx1"/>
+          </a:fontRef>
+        </p:style>
+      </p:cxnSp>
+      <p:sp>
+        <p:nvSpPr>
+          <p:cNvPr id="85" name="TextBox 84">
+            <a:extLst>
+              <a:ext uri="{FF2B5EF4-FFF2-40B4-BE49-F238E27FC236}">
+                <a16:creationId xmlns:a16="http://schemas.microsoft.com/office/drawing/2014/main" id="{9C584C77-37C6-498A-B21B-ED37DE81366B}"/>
+              </a:ext>
+            </a:extLst>
+          </p:cNvPr>
+          <p:cNvSpPr txBox="1"/>
+          <p:nvPr/>
+        </p:nvSpPr>
+        <p:spPr>
+          <a:xfrm>
+            <a:off x="267318" y="3443928"/>
+            <a:ext cx="856325" cy="646331"/>
+          </a:xfrm>
+          <a:prstGeom prst="rect">
+            <a:avLst/>
+          </a:prstGeom>
           <a:noFill/>
+        </p:spPr>
+        <p:txBody>
+          <a:bodyPr wrap="none" rtlCol="0">
+            <a:spAutoFit/>
+          </a:bodyPr>
+          <a:lstStyle/>
+          <a:p>
+            <a:r>
+              <a:rPr lang="en-GB" dirty="0"/>
+              <a:t>Nodes</a:t>
+            </a:r>
+            <a:br>
+              <a:rPr lang="en-GB" dirty="0"/>
+            </a:br>
+            <a:r>
+              <a:rPr lang="en-GB" dirty="0"/>
+              <a:t>Comm.</a:t>
+            </a:r>
+          </a:p>
+        </p:txBody>
+      </p:sp>
+      <p:cxnSp>
+        <p:nvCxnSpPr>
+          <p:cNvPr id="86" name="Straight Arrow Connector 85">
+            <a:extLst>
+              <a:ext uri="{FF2B5EF4-FFF2-40B4-BE49-F238E27FC236}">
+                <a16:creationId xmlns:a16="http://schemas.microsoft.com/office/drawing/2014/main" id="{BE48607C-FA96-421A-9E4B-593B739CC70E}"/>
+              </a:ext>
+            </a:extLst>
+          </p:cNvPr>
+          <p:cNvCxnSpPr>
+            <a:cxnSpLocks/>
+            <a:stCxn id="71" idx="1"/>
+          </p:cNvCxnSpPr>
+          <p:nvPr/>
+        </p:nvCxnSpPr>
+        <p:spPr>
+          <a:xfrm flipH="1">
+            <a:off x="5917240" y="3778560"/>
+            <a:ext cx="1216888" cy="0"/>
+          </a:xfrm>
+          <a:prstGeom prst="straightConnector1">
+            <a:avLst/>
+          </a:prstGeom>
+          <a:ln w="25400">
+            <a:headEnd type="triangle" w="med" len="lg"/>
+            <a:tailEnd type="none" w="med" len="lg"/>
+          </a:ln>
+        </p:spPr>
+        <p:style>
+          <a:lnRef idx="1">
+            <a:schemeClr val="accent1"/>
+          </a:lnRef>
+          <a:fillRef idx="0">
+            <a:schemeClr val="accent1"/>
+          </a:fillRef>
+          <a:effectRef idx="0">
+            <a:schemeClr val="accent1"/>
+          </a:effectRef>
+          <a:fontRef idx="minor">
+            <a:schemeClr val="tx1"/>
+          </a:fontRef>
+        </p:style>
+      </p:cxnSp>
+      <p:sp>
+        <p:nvSpPr>
+          <p:cNvPr id="88" name="TextBox 87">
+            <a:extLst>
+              <a:ext uri="{FF2B5EF4-FFF2-40B4-BE49-F238E27FC236}">
+                <a16:creationId xmlns:a16="http://schemas.microsoft.com/office/drawing/2014/main" id="{A2CBA0B7-E8DA-4586-8460-23FF8EA3A9DD}"/>
+              </a:ext>
+            </a:extLst>
+          </p:cNvPr>
+          <p:cNvSpPr txBox="1"/>
+          <p:nvPr/>
+        </p:nvSpPr>
+        <p:spPr>
+          <a:xfrm>
+            <a:off x="5976716" y="3439592"/>
+            <a:ext cx="856325" cy="646331"/>
+          </a:xfrm>
+          <a:prstGeom prst="rect">
+            <a:avLst/>
+          </a:prstGeom>
+          <a:noFill/>
+        </p:spPr>
+        <p:txBody>
+          <a:bodyPr wrap="none" rtlCol="0">
+            <a:spAutoFit/>
+          </a:bodyPr>
+          <a:lstStyle/>
+          <a:p>
+            <a:r>
+              <a:rPr lang="en-GB" dirty="0"/>
+              <a:t>Nodes</a:t>
+            </a:r>
+            <a:br>
+              <a:rPr lang="en-GB" dirty="0"/>
+            </a:br>
+            <a:r>
+              <a:rPr lang="en-GB" dirty="0"/>
+              <a:t>Comm.</a:t>
+            </a:r>
+          </a:p>
+        </p:txBody>
+      </p:sp>
+      <p:cxnSp>
+        <p:nvCxnSpPr>
+          <p:cNvPr id="89" name="Connector: Elbow 98">
+            <a:extLst>
+              <a:ext uri="{FF2B5EF4-FFF2-40B4-BE49-F238E27FC236}">
+                <a16:creationId xmlns:a16="http://schemas.microsoft.com/office/drawing/2014/main" id="{7FF747FE-B97B-4457-B021-8692C28093AC}"/>
+              </a:ext>
+            </a:extLst>
+          </p:cNvPr>
+          <p:cNvCxnSpPr>
+            <a:cxnSpLocks/>
+            <a:stCxn id="76" idx="3"/>
+            <a:endCxn id="72" idx="2"/>
+          </p:cNvCxnSpPr>
+          <p:nvPr/>
+        </p:nvCxnSpPr>
+        <p:spPr>
+          <a:xfrm flipV="1">
+            <a:off x="7097454" y="4192397"/>
+            <a:ext cx="2782844" cy="2072574"/>
+          </a:xfrm>
+          <a:prstGeom prst="curvedConnector2">
+            <a:avLst/>
+          </a:prstGeom>
+          <a:ln w="25400">
+            <a:solidFill>
+              <a:schemeClr val="accent2">
+                <a:lumMod val="75000"/>
+              </a:schemeClr>
+            </a:solidFill>
+            <a:headEnd type="triangle" w="med" len="lg"/>
+            <a:tailEnd type="triangle" w="med" len="lg"/>
+          </a:ln>
+        </p:spPr>
+        <p:style>
+          <a:lnRef idx="1">
+            <a:schemeClr val="accent1"/>
+          </a:lnRef>
+          <a:fillRef idx="0">
+            <a:schemeClr val="accent1"/>
+          </a:fillRef>
+          <a:effectRef idx="0">
+            <a:schemeClr val="accent1"/>
+          </a:effectRef>
+          <a:fontRef idx="minor">
+            <a:schemeClr val="tx1"/>
+          </a:fontRef>
+        </p:style>
+      </p:cxnSp>
+      <p:cxnSp>
+        <p:nvCxnSpPr>
+          <p:cNvPr id="96" name="Connector: Elbow 98">
+            <a:extLst>
+              <a:ext uri="{FF2B5EF4-FFF2-40B4-BE49-F238E27FC236}">
+                <a16:creationId xmlns:a16="http://schemas.microsoft.com/office/drawing/2014/main" id="{51F8103D-CAFB-4AF7-B9F0-E151D9413D78}"/>
+              </a:ext>
+            </a:extLst>
+          </p:cNvPr>
+          <p:cNvCxnSpPr>
+            <a:cxnSpLocks/>
+            <a:stCxn id="76" idx="1"/>
+            <a:endCxn id="67" idx="2"/>
+          </p:cNvCxnSpPr>
+          <p:nvPr/>
+        </p:nvCxnSpPr>
+        <p:spPr>
+          <a:xfrm rot="10800000">
+            <a:off x="4317497" y="4192397"/>
+            <a:ext cx="1291398" cy="2072574"/>
+          </a:xfrm>
+          <a:prstGeom prst="curvedConnector2">
+            <a:avLst/>
+          </a:prstGeom>
+          <a:ln w="25400">
+            <a:solidFill>
+              <a:schemeClr val="accent2">
+                <a:lumMod val="75000"/>
+              </a:schemeClr>
+            </a:solidFill>
+            <a:headEnd type="triangle" w="med" len="lg"/>
+            <a:tailEnd type="triangle" w="med" len="lg"/>
+          </a:ln>
+        </p:spPr>
+        <p:style>
+          <a:lnRef idx="1">
+            <a:schemeClr val="accent1"/>
+          </a:lnRef>
+          <a:fillRef idx="0">
+            <a:schemeClr val="accent1"/>
+          </a:fillRef>
+          <a:effectRef idx="0">
+            <a:schemeClr val="accent1"/>
+          </a:effectRef>
+          <a:fontRef idx="minor">
+            <a:schemeClr val="tx1"/>
+          </a:fontRef>
+        </p:style>
+      </p:cxnSp>
+      <p:cxnSp>
+        <p:nvCxnSpPr>
+          <p:cNvPr id="98" name="Connector: Elbow 98">
+            <a:extLst>
+              <a:ext uri="{FF2B5EF4-FFF2-40B4-BE49-F238E27FC236}">
+                <a16:creationId xmlns:a16="http://schemas.microsoft.com/office/drawing/2014/main" id="{66285E57-8600-4AFD-BF8C-CD7CA125D29A}"/>
+              </a:ext>
+            </a:extLst>
+          </p:cNvPr>
+          <p:cNvCxnSpPr>
+            <a:cxnSpLocks/>
+            <a:stCxn id="72" idx="2"/>
+            <a:endCxn id="67" idx="2"/>
+          </p:cNvCxnSpPr>
+          <p:nvPr/>
+        </p:nvCxnSpPr>
+        <p:spPr>
+          <a:xfrm rot="5400000">
+            <a:off x="7098898" y="1410997"/>
+            <a:ext cx="12700" cy="5562801"/>
+          </a:xfrm>
+          <a:prstGeom prst="curvedConnector3">
+            <a:avLst>
+              <a:gd name="adj1" fmla="val 6404646"/>
+            </a:avLst>
+          </a:prstGeom>
+          <a:ln w="25400">
+            <a:solidFill>
+              <a:schemeClr val="accent2">
+                <a:lumMod val="75000"/>
+              </a:schemeClr>
+            </a:solidFill>
+            <a:headEnd type="triangle" w="med" len="lg"/>
+            <a:tailEnd type="triangle" w="med" len="lg"/>
+          </a:ln>
+        </p:spPr>
+        <p:style>
+          <a:lnRef idx="1">
+            <a:schemeClr val="accent1"/>
+          </a:lnRef>
+          <a:fillRef idx="0">
+            <a:schemeClr val="accent1"/>
+          </a:fillRef>
+          <a:effectRef idx="0">
+            <a:schemeClr val="accent1"/>
+          </a:effectRef>
+          <a:fontRef idx="minor">
+            <a:schemeClr val="tx1"/>
+          </a:fontRef>
+        </p:style>
+      </p:cxnSp>
+      <p:cxnSp>
+        <p:nvCxnSpPr>
+          <p:cNvPr id="102" name="Straight Arrow Connector 101">
+            <a:extLst>
+              <a:ext uri="{FF2B5EF4-FFF2-40B4-BE49-F238E27FC236}">
+                <a16:creationId xmlns:a16="http://schemas.microsoft.com/office/drawing/2014/main" id="{258AEC7B-3F71-41A8-8CFE-00D0D5DFC635}"/>
+              </a:ext>
+            </a:extLst>
+          </p:cNvPr>
+          <p:cNvCxnSpPr>
+            <a:cxnSpLocks/>
+            <a:stCxn id="70" idx="1"/>
+            <a:endCxn id="66" idx="0"/>
+          </p:cNvCxnSpPr>
+          <p:nvPr/>
+        </p:nvCxnSpPr>
+        <p:spPr>
+          <a:xfrm flipH="1">
+            <a:off x="2290223" y="2290392"/>
+            <a:ext cx="5827825" cy="1051400"/>
+          </a:xfrm>
+          <a:prstGeom prst="straightConnector1">
+            <a:avLst/>
+          </a:prstGeom>
+          <a:ln w="25400">
+            <a:solidFill>
+              <a:schemeClr val="accent4">
+                <a:lumMod val="50000"/>
+              </a:schemeClr>
+            </a:solidFill>
+            <a:headEnd type="none" w="med" len="lg"/>
+            <a:tailEnd type="triangle" w="med" len="lg"/>
+          </a:ln>
+        </p:spPr>
+        <p:style>
+          <a:lnRef idx="1">
+            <a:schemeClr val="accent1"/>
+          </a:lnRef>
+          <a:fillRef idx="0">
+            <a:schemeClr val="accent1"/>
+          </a:fillRef>
+          <a:effectRef idx="0">
+            <a:schemeClr val="accent1"/>
+          </a:effectRef>
+          <a:fontRef idx="minor">
+            <a:schemeClr val="tx1"/>
+          </a:fontRef>
+        </p:style>
+      </p:cxnSp>
+      <p:cxnSp>
+        <p:nvCxnSpPr>
+          <p:cNvPr id="107" name="Straight Arrow Connector 106">
+            <a:extLst>
+              <a:ext uri="{FF2B5EF4-FFF2-40B4-BE49-F238E27FC236}">
+                <a16:creationId xmlns:a16="http://schemas.microsoft.com/office/drawing/2014/main" id="{D7EBF35E-4E26-4E80-AA52-BF7339BF0183}"/>
+              </a:ext>
+            </a:extLst>
+          </p:cNvPr>
+          <p:cNvCxnSpPr>
+            <a:cxnSpLocks/>
+            <a:stCxn id="70" idx="1"/>
+            <a:endCxn id="67" idx="0"/>
+          </p:cNvCxnSpPr>
+          <p:nvPr/>
+        </p:nvCxnSpPr>
+        <p:spPr>
+          <a:xfrm flipH="1">
+            <a:off x="4317497" y="2290392"/>
+            <a:ext cx="3800551" cy="1051400"/>
+          </a:xfrm>
+          <a:prstGeom prst="straightConnector1">
+            <a:avLst/>
+          </a:prstGeom>
+          <a:ln w="25400">
+            <a:solidFill>
+              <a:schemeClr val="accent4">
+                <a:lumMod val="50000"/>
+              </a:schemeClr>
+            </a:solidFill>
+            <a:headEnd type="none" w="med" len="lg"/>
+            <a:tailEnd type="triangle" w="med" len="lg"/>
+          </a:ln>
+        </p:spPr>
+        <p:style>
+          <a:lnRef idx="1">
+            <a:schemeClr val="accent1"/>
+          </a:lnRef>
+          <a:fillRef idx="0">
+            <a:schemeClr val="accent1"/>
+          </a:fillRef>
+          <a:effectRef idx="0">
+            <a:schemeClr val="accent1"/>
+          </a:effectRef>
+          <a:fontRef idx="minor">
+            <a:schemeClr val="tx1"/>
+          </a:fontRef>
+        </p:style>
+      </p:cxnSp>
+      <p:cxnSp>
+        <p:nvCxnSpPr>
+          <p:cNvPr id="110" name="Straight Arrow Connector 109">
+            <a:extLst>
+              <a:ext uri="{FF2B5EF4-FFF2-40B4-BE49-F238E27FC236}">
+                <a16:creationId xmlns:a16="http://schemas.microsoft.com/office/drawing/2014/main" id="{4B5ED638-7346-4A9D-89F4-363A87C193C3}"/>
+              </a:ext>
+            </a:extLst>
+          </p:cNvPr>
+          <p:cNvCxnSpPr>
+            <a:cxnSpLocks/>
+            <a:stCxn id="70" idx="2"/>
+            <a:endCxn id="71" idx="0"/>
+          </p:cNvCxnSpPr>
+          <p:nvPr/>
+        </p:nvCxnSpPr>
+        <p:spPr>
+          <a:xfrm flipH="1">
+            <a:off x="7878408" y="2715694"/>
+            <a:ext cx="983920" cy="637563"/>
+          </a:xfrm>
+          <a:prstGeom prst="straightConnector1">
+            <a:avLst/>
+          </a:prstGeom>
+          <a:ln w="25400">
+            <a:solidFill>
+              <a:schemeClr val="accent4">
+                <a:lumMod val="50000"/>
+              </a:schemeClr>
+            </a:solidFill>
+            <a:headEnd type="none" w="med" len="lg"/>
+            <a:tailEnd type="triangle" w="med" len="lg"/>
+          </a:ln>
+        </p:spPr>
+        <p:style>
+          <a:lnRef idx="1">
+            <a:schemeClr val="accent1"/>
+          </a:lnRef>
+          <a:fillRef idx="0">
+            <a:schemeClr val="accent1"/>
+          </a:fillRef>
+          <a:effectRef idx="0">
+            <a:schemeClr val="accent1"/>
+          </a:effectRef>
+          <a:fontRef idx="minor">
+            <a:schemeClr val="tx1"/>
+          </a:fontRef>
+        </p:style>
+      </p:cxnSp>
+      <p:cxnSp>
+        <p:nvCxnSpPr>
+          <p:cNvPr id="114" name="Straight Arrow Connector 113">
+            <a:extLst>
+              <a:ext uri="{FF2B5EF4-FFF2-40B4-BE49-F238E27FC236}">
+                <a16:creationId xmlns:a16="http://schemas.microsoft.com/office/drawing/2014/main" id="{5003A20C-A590-4E1F-A4ED-FC94736A746F}"/>
+              </a:ext>
+            </a:extLst>
+          </p:cNvPr>
+          <p:cNvCxnSpPr>
+            <a:cxnSpLocks/>
+            <a:stCxn id="70" idx="2"/>
+            <a:endCxn id="72" idx="0"/>
+          </p:cNvCxnSpPr>
+          <p:nvPr/>
+        </p:nvCxnSpPr>
+        <p:spPr>
+          <a:xfrm>
+            <a:off x="8862328" y="2715694"/>
+            <a:ext cx="1017970" cy="626098"/>
+          </a:xfrm>
+          <a:prstGeom prst="straightConnector1">
+            <a:avLst/>
+          </a:prstGeom>
+          <a:ln w="25400">
+            <a:solidFill>
+              <a:schemeClr val="accent4">
+                <a:lumMod val="50000"/>
+              </a:schemeClr>
+            </a:solidFill>
+            <a:headEnd type="none" w="med" len="lg"/>
+            <a:tailEnd type="triangle" w="med" len="lg"/>
+          </a:ln>
+        </p:spPr>
+        <p:style>
+          <a:lnRef idx="1">
+            <a:schemeClr val="accent1"/>
+          </a:lnRef>
+          <a:fillRef idx="0">
+            <a:schemeClr val="accent1"/>
+          </a:fillRef>
+          <a:effectRef idx="0">
+            <a:schemeClr val="accent1"/>
+          </a:effectRef>
+          <a:fontRef idx="minor">
+            <a:schemeClr val="tx1"/>
+          </a:fontRef>
+        </p:style>
+      </p:cxnSp>
+      <p:cxnSp>
+        <p:nvCxnSpPr>
+          <p:cNvPr id="118" name="Connector: Elbow 98">
+            <a:extLst>
+              <a:ext uri="{FF2B5EF4-FFF2-40B4-BE49-F238E27FC236}">
+                <a16:creationId xmlns:a16="http://schemas.microsoft.com/office/drawing/2014/main" id="{09E6B729-F850-4433-A1FC-A045BCECA86C}"/>
+              </a:ext>
+            </a:extLst>
+          </p:cNvPr>
+          <p:cNvCxnSpPr>
+            <a:cxnSpLocks/>
+            <a:stCxn id="71" idx="2"/>
+            <a:endCxn id="66" idx="2"/>
+          </p:cNvCxnSpPr>
+          <p:nvPr/>
+        </p:nvCxnSpPr>
+        <p:spPr>
+          <a:xfrm rot="5400000" flipH="1">
+            <a:off x="5078583" y="1404038"/>
+            <a:ext cx="11465" cy="5588185"/>
+          </a:xfrm>
+          <a:prstGeom prst="curvedConnector3">
+            <a:avLst>
+              <a:gd name="adj1" fmla="val -7280035"/>
+            </a:avLst>
+          </a:prstGeom>
           <a:ln w="25400">
             <a:solidFill>
               <a:srgbClr val="00B050"/>
             </a:solidFill>
+            <a:headEnd type="triangle" w="med" len="lg"/>
+            <a:tailEnd type="triangle" w="med" len="lg"/>
           </a:ln>
         </p:spPr>
-        <p:txBody>
-          <a:bodyPr wrap="none" rtlCol="0">
+        <p:style>
+          <a:lnRef idx="1">
+            <a:schemeClr val="accent1"/>
+          </a:lnRef>
+          <a:fillRef idx="0">
+            <a:schemeClr val="accent1"/>
+          </a:fillRef>
+          <a:effectRef idx="0">
+            <a:schemeClr val="accent1"/>
+          </a:effectRef>
+          <a:fontRef idx="minor">
+            <a:schemeClr val="tx1"/>
+          </a:fontRef>
+        </p:style>
+      </p:cxnSp>
+      <p:cxnSp>
+        <p:nvCxnSpPr>
+          <p:cNvPr id="122" name="Straight Arrow Connector 121">
+            <a:extLst>
+              <a:ext uri="{FF2B5EF4-FFF2-40B4-BE49-F238E27FC236}">
+                <a16:creationId xmlns:a16="http://schemas.microsoft.com/office/drawing/2014/main" id="{D21E347A-91D8-4518-990F-339DF8BE655C}"/>
+              </a:ext>
+            </a:extLst>
+          </p:cNvPr>
+          <p:cNvCxnSpPr>
+            <a:cxnSpLocks/>
+            <a:stCxn id="18" idx="2"/>
+            <a:endCxn id="67" idx="0"/>
+          </p:cNvCxnSpPr>
+          <p:nvPr/>
+        </p:nvCxnSpPr>
+        <p:spPr>
+          <a:xfrm>
+            <a:off x="3333035" y="2718146"/>
+            <a:ext cx="984462" cy="623646"/>
+          </a:xfrm>
+          <a:prstGeom prst="straightConnector1">
+            <a:avLst/>
+          </a:prstGeom>
+          <a:ln w="25400">
+            <a:solidFill>
+              <a:schemeClr val="accent4">
+                <a:lumMod val="50000"/>
+              </a:schemeClr>
+            </a:solidFill>
+            <a:headEnd type="none" w="med" len="lg"/>
+            <a:tailEnd type="triangle" w="med" len="lg"/>
+          </a:ln>
+        </p:spPr>
+        <p:style>
+          <a:lnRef idx="1">
+            <a:schemeClr val="accent1"/>
+          </a:lnRef>
+          <a:fillRef idx="0">
+            <a:schemeClr val="accent1"/>
+          </a:fillRef>
+          <a:effectRef idx="0">
+            <a:schemeClr val="accent1"/>
+          </a:effectRef>
+          <a:fontRef idx="minor">
+            <a:schemeClr val="tx1"/>
+          </a:fontRef>
+        </p:style>
+      </p:cxnSp>
+      <p:cxnSp>
+        <p:nvCxnSpPr>
+          <p:cNvPr id="125" name="Straight Arrow Connector 124">
+            <a:extLst>
+              <a:ext uri="{FF2B5EF4-FFF2-40B4-BE49-F238E27FC236}">
+                <a16:creationId xmlns:a16="http://schemas.microsoft.com/office/drawing/2014/main" id="{BE5528F0-D018-4F1E-A7FD-18B7D0EC90EB}"/>
+              </a:ext>
+            </a:extLst>
+          </p:cNvPr>
+          <p:cNvCxnSpPr>
+            <a:cxnSpLocks/>
+            <a:endCxn id="72" idx="0"/>
+          </p:cNvCxnSpPr>
+          <p:nvPr/>
+        </p:nvCxnSpPr>
+        <p:spPr>
+          <a:xfrm>
+            <a:off x="3920111" y="2355699"/>
+            <a:ext cx="5960187" cy="986093"/>
+          </a:xfrm>
+          <a:prstGeom prst="straightConnector1">
+            <a:avLst/>
+          </a:prstGeom>
+          <a:ln w="25400">
+            <a:solidFill>
+              <a:schemeClr val="accent4">
+                <a:lumMod val="50000"/>
+              </a:schemeClr>
+            </a:solidFill>
+            <a:headEnd type="none" w="med" len="lg"/>
+            <a:tailEnd type="triangle" w="med" len="lg"/>
+          </a:ln>
+        </p:spPr>
+        <p:style>
+          <a:lnRef idx="1">
+            <a:schemeClr val="accent1"/>
+          </a:lnRef>
+          <a:fillRef idx="0">
+            <a:schemeClr val="accent1"/>
+          </a:fillRef>
+          <a:effectRef idx="0">
+            <a:schemeClr val="accent1"/>
+          </a:effectRef>
+          <a:fontRef idx="minor">
+            <a:schemeClr val="tx1"/>
+          </a:fontRef>
+        </p:style>
+      </p:cxnSp>
+      <p:cxnSp>
+        <p:nvCxnSpPr>
+          <p:cNvPr id="129" name="Straight Arrow Connector 128">
+            <a:extLst>
+              <a:ext uri="{FF2B5EF4-FFF2-40B4-BE49-F238E27FC236}">
+                <a16:creationId xmlns:a16="http://schemas.microsoft.com/office/drawing/2014/main" id="{1804BE03-F5E1-4DCB-B6F1-66C995BE5C68}"/>
+              </a:ext>
+            </a:extLst>
+          </p:cNvPr>
+          <p:cNvCxnSpPr>
+            <a:cxnSpLocks/>
+            <a:endCxn id="70" idx="3"/>
+          </p:cNvCxnSpPr>
+          <p:nvPr/>
+        </p:nvCxnSpPr>
+        <p:spPr>
+          <a:xfrm flipH="1">
+            <a:off x="9606607" y="2290392"/>
+            <a:ext cx="2500329" cy="0"/>
+          </a:xfrm>
+          <a:prstGeom prst="straightConnector1">
+            <a:avLst/>
+          </a:prstGeom>
+          <a:ln w="25400">
+            <a:headEnd type="triangle" w="med" len="lg"/>
+            <a:tailEnd type="none" w="med" len="lg"/>
+          </a:ln>
+        </p:spPr>
+        <p:style>
+          <a:lnRef idx="1">
+            <a:schemeClr val="accent1"/>
+          </a:lnRef>
+          <a:fillRef idx="0">
+            <a:schemeClr val="accent1"/>
+          </a:fillRef>
+          <a:effectRef idx="0">
+            <a:schemeClr val="accent1"/>
+          </a:effectRef>
+          <a:fontRef idx="minor">
+            <a:schemeClr val="tx1"/>
+          </a:fontRef>
+        </p:style>
+      </p:cxnSp>
+      <p:sp>
+        <p:nvSpPr>
+          <p:cNvPr id="130" name="TextBox 129">
+            <a:extLst>
+              <a:ext uri="{FF2B5EF4-FFF2-40B4-BE49-F238E27FC236}">
+                <a16:creationId xmlns:a16="http://schemas.microsoft.com/office/drawing/2014/main" id="{6EC77854-4D7E-4CF7-9DB5-29491CF823DE}"/>
+              </a:ext>
+            </a:extLst>
+          </p:cNvPr>
+          <p:cNvSpPr txBox="1"/>
+          <p:nvPr/>
+        </p:nvSpPr>
+        <p:spPr>
+          <a:xfrm>
+            <a:off x="10934369" y="1945923"/>
+            <a:ext cx="1091052" cy="646331"/>
+          </a:xfrm>
+          <a:prstGeom prst="rect">
+            <a:avLst/>
+          </a:prstGeom>
+          <a:noFill/>
+        </p:spPr>
+        <p:txBody>
+          <a:bodyPr wrap="square" rtlCol="0">
             <a:spAutoFit/>
           </a:bodyPr>
           <a:lstStyle/>
           <a:p>
             <a:r>
               <a:rPr lang="en-GB" dirty="0"/>
-              <a:t>Green Zone</a:t>
+              <a:t>Outgoing</a:t>
+            </a:r>
+            <a:br>
+              <a:rPr lang="en-GB" dirty="0"/>
+            </a:br>
+            <a:r>
+              <a:rPr lang="en-GB" dirty="0"/>
+              <a:t>to Proxy</a:t>
             </a:r>
           </a:p>
         </p:txBody>
@@ -8283,7 +9888,287 @@
     </p:spTree>
     <p:extLst>
       <p:ext uri="{BB962C8B-B14F-4D97-AF65-F5344CB8AC3E}">
-        <p14:creationId xmlns:p14="http://schemas.microsoft.com/office/powerpoint/2010/main" val="342299679"/>
+        <p14:creationId xmlns:p14="http://schemas.microsoft.com/office/powerpoint/2010/main" val="1260663027"/>
+      </p:ext>
+    </p:extLst>
+  </p:cSld>
+  <p:clrMapOvr>
+    <a:masterClrMapping/>
+  </p:clrMapOvr>
+</p:sld>
+</file>
+
+<file path=ppt/slides/slide4.xml><?xml version="1.0" encoding="utf-8"?>
+<p:sld xmlns:a="http://schemas.openxmlformats.org/drawingml/2006/main" xmlns:r="http://schemas.openxmlformats.org/officeDocument/2006/relationships" xmlns:p="http://schemas.openxmlformats.org/presentationml/2006/main">
+  <p:cSld>
+    <p:spTree>
+      <p:nvGrpSpPr>
+        <p:cNvPr id="1" name=""/>
+        <p:cNvGrpSpPr/>
+        <p:nvPr/>
+      </p:nvGrpSpPr>
+      <p:grpSpPr>
+        <a:xfrm>
+          <a:off x="0" y="0"/>
+          <a:ext cx="0" cy="0"/>
+          <a:chOff x="0" y="0"/>
+          <a:chExt cx="0" cy="0"/>
+        </a:xfrm>
+      </p:grpSpPr>
+      <p:sp>
+        <p:nvSpPr>
+          <p:cNvPr id="4" name="Rectangle 3">
+            <a:extLst>
+              <a:ext uri="{FF2B5EF4-FFF2-40B4-BE49-F238E27FC236}">
+                <a16:creationId xmlns:a16="http://schemas.microsoft.com/office/drawing/2014/main" id="{5A4FAEFE-41AC-4DE7-B460-00BA373DE141}"/>
+              </a:ext>
+            </a:extLst>
+          </p:cNvPr>
+          <p:cNvSpPr/>
+          <p:nvPr/>
+        </p:nvSpPr>
+        <p:spPr>
+          <a:xfrm>
+            <a:off x="3317360" y="1315374"/>
+            <a:ext cx="4114256" cy="3139668"/>
+          </a:xfrm>
+          <a:prstGeom prst="rect">
+            <a:avLst/>
+          </a:prstGeom>
+          <a:solidFill>
+            <a:schemeClr val="bg1"/>
+          </a:solidFill>
+          <a:ln w="25400">
+            <a:solidFill>
+              <a:schemeClr val="tx1"/>
+            </a:solidFill>
+          </a:ln>
+        </p:spPr>
+        <p:style>
+          <a:lnRef idx="2">
+            <a:schemeClr val="accent1">
+              <a:shade val="50000"/>
+            </a:schemeClr>
+          </a:lnRef>
+          <a:fillRef idx="1">
+            <a:schemeClr val="accent1"/>
+          </a:fillRef>
+          <a:effectRef idx="0">
+            <a:schemeClr val="accent1"/>
+          </a:effectRef>
+          <a:fontRef idx="minor">
+            <a:schemeClr val="lt1"/>
+          </a:fontRef>
+        </p:style>
+        <p:txBody>
+          <a:bodyPr rtlCol="0" anchor="ctr"/>
+          <a:lstStyle/>
+          <a:p>
+            <a:pPr algn="ctr"/>
+            <a:endParaRPr lang="en-GB"/>
+          </a:p>
+        </p:txBody>
+      </p:sp>
+      <p:sp>
+        <p:nvSpPr>
+          <p:cNvPr id="5" name="TextBox 4">
+            <a:extLst>
+              <a:ext uri="{FF2B5EF4-FFF2-40B4-BE49-F238E27FC236}">
+                <a16:creationId xmlns:a16="http://schemas.microsoft.com/office/drawing/2014/main" id="{DCCAA38E-D558-4EAB-8238-F9855E386A8D}"/>
+              </a:ext>
+            </a:extLst>
+          </p:cNvPr>
+          <p:cNvSpPr txBox="1"/>
+          <p:nvPr/>
+        </p:nvSpPr>
+        <p:spPr>
+          <a:xfrm>
+            <a:off x="3317359" y="946042"/>
+            <a:ext cx="4114257" cy="369332"/>
+          </a:xfrm>
+          <a:prstGeom prst="rect">
+            <a:avLst/>
+          </a:prstGeom>
+          <a:solidFill>
+            <a:srgbClr val="00B050"/>
+          </a:solidFill>
+          <a:ln w="25400">
+            <a:solidFill>
+              <a:schemeClr val="tx1"/>
+            </a:solidFill>
+          </a:ln>
+        </p:spPr>
+        <p:txBody>
+          <a:bodyPr wrap="square" rtlCol="0">
+            <a:spAutoFit/>
+          </a:bodyPr>
+          <a:lstStyle/>
+          <a:p>
+            <a:pPr algn="ctr"/>
+            <a:r>
+              <a:rPr lang="en-GB" dirty="0">
+                <a:solidFill>
+                  <a:schemeClr val="bg1">
+                    <a:lumMod val="95000"/>
+                  </a:schemeClr>
+                </a:solidFill>
+              </a:rPr>
+              <a:t>Infra</a:t>
+            </a:r>
+          </a:p>
+        </p:txBody>
+      </p:sp>
+      <p:sp>
+        <p:nvSpPr>
+          <p:cNvPr id="6" name="Rectangle 5">
+            <a:extLst>
+              <a:ext uri="{FF2B5EF4-FFF2-40B4-BE49-F238E27FC236}">
+                <a16:creationId xmlns:a16="http://schemas.microsoft.com/office/drawing/2014/main" id="{0F6E8198-AFA9-4C55-8EEB-93A16A2D634F}"/>
+              </a:ext>
+            </a:extLst>
+          </p:cNvPr>
+          <p:cNvSpPr/>
+          <p:nvPr/>
+        </p:nvSpPr>
+        <p:spPr>
+          <a:xfrm>
+            <a:off x="4630207" y="1750583"/>
+            <a:ext cx="1488559" cy="850605"/>
+          </a:xfrm>
+          <a:prstGeom prst="rect">
+            <a:avLst/>
+          </a:prstGeom>
+        </p:spPr>
+        <p:style>
+          <a:lnRef idx="2">
+            <a:schemeClr val="accent1">
+              <a:shade val="50000"/>
+            </a:schemeClr>
+          </a:lnRef>
+          <a:fillRef idx="1">
+            <a:schemeClr val="accent1"/>
+          </a:fillRef>
+          <a:effectRef idx="0">
+            <a:schemeClr val="accent1"/>
+          </a:effectRef>
+          <a:fontRef idx="minor">
+            <a:schemeClr val="lt1"/>
+          </a:fontRef>
+        </p:style>
+        <p:txBody>
+          <a:bodyPr rtlCol="0" anchor="ctr"/>
+          <a:lstStyle/>
+          <a:p>
+            <a:pPr algn="ctr"/>
+            <a:r>
+              <a:rPr lang="en-GB" dirty="0"/>
+              <a:t>Bridge</a:t>
+            </a:r>
+          </a:p>
+        </p:txBody>
+      </p:sp>
+      <p:sp>
+        <p:nvSpPr>
+          <p:cNvPr id="7" name="Rectangle 6">
+            <a:extLst>
+              <a:ext uri="{FF2B5EF4-FFF2-40B4-BE49-F238E27FC236}">
+                <a16:creationId xmlns:a16="http://schemas.microsoft.com/office/drawing/2014/main" id="{99E751D4-380A-4A8C-9B50-2EFAD5F0ACB9}"/>
+              </a:ext>
+            </a:extLst>
+          </p:cNvPr>
+          <p:cNvSpPr/>
+          <p:nvPr/>
+        </p:nvSpPr>
+        <p:spPr>
+          <a:xfrm>
+            <a:off x="3587395" y="3224834"/>
+            <a:ext cx="1488559" cy="850605"/>
+          </a:xfrm>
+          <a:prstGeom prst="rect">
+            <a:avLst/>
+          </a:prstGeom>
+        </p:spPr>
+        <p:style>
+          <a:lnRef idx="2">
+            <a:schemeClr val="accent1">
+              <a:shade val="50000"/>
+            </a:schemeClr>
+          </a:lnRef>
+          <a:fillRef idx="1">
+            <a:schemeClr val="accent1"/>
+          </a:fillRef>
+          <a:effectRef idx="0">
+            <a:schemeClr val="accent1"/>
+          </a:effectRef>
+          <a:fontRef idx="minor">
+            <a:schemeClr val="lt1"/>
+          </a:fontRef>
+        </p:style>
+        <p:txBody>
+          <a:bodyPr rtlCol="0" anchor="ctr"/>
+          <a:lstStyle/>
+          <a:p>
+            <a:pPr algn="ctr"/>
+            <a:r>
+              <a:rPr lang="en-GB" dirty="0"/>
+              <a:t>Artemis Cluster</a:t>
+            </a:r>
+          </a:p>
+        </p:txBody>
+      </p:sp>
+      <p:sp>
+        <p:nvSpPr>
+          <p:cNvPr id="8" name="Rectangle 7">
+            <a:extLst>
+              <a:ext uri="{FF2B5EF4-FFF2-40B4-BE49-F238E27FC236}">
+                <a16:creationId xmlns:a16="http://schemas.microsoft.com/office/drawing/2014/main" id="{03CD3E45-BC12-4F5B-94FC-4302BE5CF4EA}"/>
+              </a:ext>
+            </a:extLst>
+          </p:cNvPr>
+          <p:cNvSpPr/>
+          <p:nvPr/>
+        </p:nvSpPr>
+        <p:spPr>
+          <a:xfrm>
+            <a:off x="5614669" y="3224834"/>
+            <a:ext cx="1488559" cy="850605"/>
+          </a:xfrm>
+          <a:prstGeom prst="rect">
+            <a:avLst/>
+          </a:prstGeom>
+        </p:spPr>
+        <p:style>
+          <a:lnRef idx="2">
+            <a:schemeClr val="accent1">
+              <a:shade val="50000"/>
+            </a:schemeClr>
+          </a:lnRef>
+          <a:fillRef idx="1">
+            <a:schemeClr val="accent1"/>
+          </a:fillRef>
+          <a:effectRef idx="0">
+            <a:schemeClr val="accent1"/>
+          </a:effectRef>
+          <a:fontRef idx="minor">
+            <a:schemeClr val="lt1"/>
+          </a:fontRef>
+        </p:style>
+        <p:txBody>
+          <a:bodyPr rtlCol="0" anchor="ctr"/>
+          <a:lstStyle/>
+          <a:p>
+            <a:pPr algn="ctr"/>
+            <a:r>
+              <a:rPr lang="en-GB" dirty="0"/>
+              <a:t>ZK Cluster</a:t>
+            </a:r>
+          </a:p>
+        </p:txBody>
+      </p:sp>
+    </p:spTree>
+    <p:extLst>
+      <p:ext uri="{BB962C8B-B14F-4D97-AF65-F5344CB8AC3E}">
+        <p14:creationId xmlns:p14="http://schemas.microsoft.com/office/powerpoint/2010/main" val="198830950"/>
       </p:ext>
     </p:extLst>
   </p:cSld>

--- a/docs/source/resources/ha/BridgeDeploymentV4.pptx
+++ b/docs/source/resources/ha/BridgeDeploymentV4.pptx
@@ -8354,12 +8354,110 @@
           </a:fontRef>
         </p:style>
       </p:cxnSp>
-      <p:sp>
-        <p:nvSpPr>
-          <p:cNvPr id="100" name="TextBox 99">
-            <a:extLst>
-              <a:ext uri="{FF2B5EF4-FFF2-40B4-BE49-F238E27FC236}">
-                <a16:creationId xmlns:a16="http://schemas.microsoft.com/office/drawing/2014/main" id="{D68F45C3-25B2-483A-8917-A84A15F9A907}"/>
+      <p:cxnSp>
+        <p:nvCxnSpPr>
+          <p:cNvPr id="17" name="Straight Arrow Connector 16">
+            <a:extLst>
+              <a:ext uri="{FF2B5EF4-FFF2-40B4-BE49-F238E27FC236}">
+                <a16:creationId xmlns:a16="http://schemas.microsoft.com/office/drawing/2014/main" id="{FAE91B7E-C92B-41D3-9113-903D14C819B6}"/>
+              </a:ext>
+            </a:extLst>
+          </p:cNvPr>
+          <p:cNvCxnSpPr>
+            <a:cxnSpLocks/>
+          </p:cNvCxnSpPr>
+          <p:nvPr/>
+        </p:nvCxnSpPr>
+        <p:spPr>
+          <a:xfrm flipV="1">
+            <a:off x="4592951" y="1090933"/>
+            <a:ext cx="7050770" cy="504556"/>
+          </a:xfrm>
+          <a:prstGeom prst="bentConnector3">
+            <a:avLst>
+              <a:gd name="adj1" fmla="val 30115"/>
+            </a:avLst>
+          </a:prstGeom>
+          <a:ln w="25400">
+            <a:solidFill>
+              <a:schemeClr val="accent2">
+                <a:lumMod val="75000"/>
+              </a:schemeClr>
+            </a:solidFill>
+            <a:headEnd type="none" w="med" len="lg"/>
+            <a:tailEnd type="triangle" w="med" len="lg"/>
+          </a:ln>
+        </p:spPr>
+        <p:style>
+          <a:lnRef idx="1">
+            <a:schemeClr val="accent1"/>
+          </a:lnRef>
+          <a:fillRef idx="0">
+            <a:schemeClr val="accent1"/>
+          </a:fillRef>
+          <a:effectRef idx="0">
+            <a:schemeClr val="accent1"/>
+          </a:effectRef>
+          <a:fontRef idx="minor">
+            <a:schemeClr val="tx1"/>
+          </a:fontRef>
+        </p:style>
+      </p:cxnSp>
+      <p:cxnSp>
+        <p:nvCxnSpPr>
+          <p:cNvPr id="68" name="Straight Arrow Connector 16">
+            <a:extLst>
+              <a:ext uri="{FF2B5EF4-FFF2-40B4-BE49-F238E27FC236}">
+                <a16:creationId xmlns:a16="http://schemas.microsoft.com/office/drawing/2014/main" id="{415E1339-D75B-4647-B5AE-8808E41C534D}"/>
+              </a:ext>
+            </a:extLst>
+          </p:cNvPr>
+          <p:cNvCxnSpPr>
+            <a:cxnSpLocks/>
+          </p:cNvCxnSpPr>
+          <p:nvPr/>
+        </p:nvCxnSpPr>
+        <p:spPr>
+          <a:xfrm>
+            <a:off x="4592951" y="5317525"/>
+            <a:ext cx="7050770" cy="757353"/>
+          </a:xfrm>
+          <a:prstGeom prst="bentConnector3">
+            <a:avLst>
+              <a:gd name="adj1" fmla="val 28509"/>
+            </a:avLst>
+          </a:prstGeom>
+          <a:ln w="25400">
+            <a:solidFill>
+              <a:schemeClr val="accent2">
+                <a:lumMod val="75000"/>
+              </a:schemeClr>
+            </a:solidFill>
+            <a:headEnd type="none" w="med" len="lg"/>
+            <a:tailEnd type="triangle" w="med" len="lg"/>
+          </a:ln>
+        </p:spPr>
+        <p:style>
+          <a:lnRef idx="1">
+            <a:schemeClr val="accent1"/>
+          </a:lnRef>
+          <a:fillRef idx="0">
+            <a:schemeClr val="accent1"/>
+          </a:fillRef>
+          <a:effectRef idx="0">
+            <a:schemeClr val="accent1"/>
+          </a:effectRef>
+          <a:fontRef idx="minor">
+            <a:schemeClr val="tx1"/>
+          </a:fontRef>
+        </p:style>
+      </p:cxnSp>
+      <p:sp>
+        <p:nvSpPr>
+          <p:cNvPr id="73" name="TextBox 72">
+            <a:extLst>
+              <a:ext uri="{FF2B5EF4-FFF2-40B4-BE49-F238E27FC236}">
+                <a16:creationId xmlns:a16="http://schemas.microsoft.com/office/drawing/2014/main" id="{DE66B005-91B0-4855-9C28-5DDFDF4F4C59}"/>
               </a:ext>
             </a:extLst>
           </p:cNvPr>
@@ -8368,7 +8466,140 @@
         </p:nvSpPr>
         <p:spPr>
           <a:xfrm>
-            <a:off x="10232610" y="3832586"/>
+            <a:off x="10212499" y="1137580"/>
+            <a:ext cx="1677703" cy="307777"/>
+          </a:xfrm>
+          <a:prstGeom prst="rect">
+            <a:avLst/>
+          </a:prstGeom>
+          <a:noFill/>
+        </p:spPr>
+        <p:txBody>
+          <a:bodyPr wrap="none" rtlCol="0">
+            <a:spAutoFit/>
+          </a:bodyPr>
+          <a:lstStyle/>
+          <a:p>
+            <a:r>
+              <a:rPr lang="en-GB" sz="1400" dirty="0"/>
+              <a:t>Outbound CRL Fetch</a:t>
+            </a:r>
+          </a:p>
+        </p:txBody>
+      </p:sp>
+      <p:cxnSp>
+        <p:nvCxnSpPr>
+          <p:cNvPr id="75" name="Straight Arrow Connector 16">
+            <a:extLst>
+              <a:ext uri="{FF2B5EF4-FFF2-40B4-BE49-F238E27FC236}">
+                <a16:creationId xmlns:a16="http://schemas.microsoft.com/office/drawing/2014/main" id="{D5FFA167-CFD6-46CE-B652-CEFECAE75B95}"/>
+              </a:ext>
+            </a:extLst>
+          </p:cNvPr>
+          <p:cNvCxnSpPr>
+            <a:cxnSpLocks/>
+          </p:cNvCxnSpPr>
+          <p:nvPr/>
+        </p:nvCxnSpPr>
+        <p:spPr>
+          <a:xfrm flipV="1">
+            <a:off x="9284498" y="1489319"/>
+            <a:ext cx="2480029" cy="1"/>
+          </a:xfrm>
+          <a:prstGeom prst="bentConnector3">
+            <a:avLst>
+              <a:gd name="adj1" fmla="val 50000"/>
+            </a:avLst>
+          </a:prstGeom>
+          <a:ln w="25400">
+            <a:solidFill>
+              <a:schemeClr val="accent2">
+                <a:lumMod val="75000"/>
+              </a:schemeClr>
+            </a:solidFill>
+            <a:headEnd type="none" w="med" len="lg"/>
+            <a:tailEnd type="triangle" w="med" len="lg"/>
+          </a:ln>
+        </p:spPr>
+        <p:style>
+          <a:lnRef idx="1">
+            <a:schemeClr val="accent1"/>
+          </a:lnRef>
+          <a:fillRef idx="0">
+            <a:schemeClr val="accent1"/>
+          </a:fillRef>
+          <a:effectRef idx="0">
+            <a:schemeClr val="accent1"/>
+          </a:effectRef>
+          <a:fontRef idx="minor">
+            <a:schemeClr val="tx1"/>
+          </a:fontRef>
+        </p:style>
+      </p:cxnSp>
+      <p:cxnSp>
+        <p:nvCxnSpPr>
+          <p:cNvPr id="77" name="Straight Arrow Connector 16">
+            <a:extLst>
+              <a:ext uri="{FF2B5EF4-FFF2-40B4-BE49-F238E27FC236}">
+                <a16:creationId xmlns:a16="http://schemas.microsoft.com/office/drawing/2014/main" id="{810F2F48-C805-4F73-92F8-6E68F3B1EF24}"/>
+              </a:ext>
+            </a:extLst>
+          </p:cNvPr>
+          <p:cNvCxnSpPr>
+            <a:cxnSpLocks/>
+          </p:cNvCxnSpPr>
+          <p:nvPr/>
+        </p:nvCxnSpPr>
+        <p:spPr>
+          <a:xfrm flipV="1">
+            <a:off x="9078813" y="5631166"/>
+            <a:ext cx="2571289" cy="1"/>
+          </a:xfrm>
+          <a:prstGeom prst="bentConnector3">
+            <a:avLst>
+              <a:gd name="adj1" fmla="val 50000"/>
+            </a:avLst>
+          </a:prstGeom>
+          <a:ln w="25400">
+            <a:solidFill>
+              <a:schemeClr val="accent2">
+                <a:lumMod val="75000"/>
+              </a:schemeClr>
+            </a:solidFill>
+            <a:headEnd type="none" w="med" len="lg"/>
+            <a:tailEnd type="triangle" w="med" len="lg"/>
+          </a:ln>
+        </p:spPr>
+        <p:style>
+          <a:lnRef idx="1">
+            <a:schemeClr val="accent1"/>
+          </a:lnRef>
+          <a:fillRef idx="0">
+            <a:schemeClr val="accent1"/>
+          </a:fillRef>
+          <a:effectRef idx="0">
+            <a:schemeClr val="accent1"/>
+          </a:effectRef>
+          <a:fontRef idx="minor">
+            <a:schemeClr val="tx1"/>
+          </a:fontRef>
+        </p:style>
+      </p:cxnSp>
+      <p:sp>
+        <p:nvSpPr>
+          <p:cNvPr id="81" name="TextBox 80">
+            <a:extLst>
+              <a:ext uri="{FF2B5EF4-FFF2-40B4-BE49-F238E27FC236}">
+                <a16:creationId xmlns:a16="http://schemas.microsoft.com/office/drawing/2014/main" id="{DF692459-8026-407C-86FF-32E5A5C32A0C}"/>
+              </a:ext>
+            </a:extLst>
+          </p:cNvPr>
+          <p:cNvSpPr txBox="1"/>
+          <p:nvPr/>
+        </p:nvSpPr>
+        <p:spPr>
+          <a:xfrm>
+            <a:off x="10207109" y="5696201"/>
             <a:ext cx="1677703" cy="307777"/>
           </a:xfrm>
           <a:prstGeom prst="rect">
@@ -10006,15 +10237,22 @@
           <a:p>
             <a:pPr algn="ctr"/>
             <a:r>
-              <a:rPr lang="en-GB" dirty="0">
+              <a:rPr lang="en-GB" dirty="0" err="1">
                 <a:solidFill>
                   <a:schemeClr val="bg1">
                     <a:lumMod val="95000"/>
                   </a:schemeClr>
                 </a:solidFill>
               </a:rPr>
-              <a:t>Infra</a:t>
-            </a:r>
+              <a:t>vmInfra</a:t>
+            </a:r>
+            <a:endParaRPr lang="en-GB" dirty="0">
+              <a:solidFill>
+                <a:schemeClr val="bg1">
+                  <a:lumMod val="95000"/>
+                </a:schemeClr>
+              </a:solidFill>
+            </a:endParaRPr>
           </a:p>
         </p:txBody>
       </p:sp>
